--- a/doc/Tutorial.pptx
+++ b/doc/Tutorial.pptx
@@ -5,7 +5,7 @@
     <p:sldMasterId id="2147483648" r:id="rId1"/>
   </p:sldMasterIdLst>
   <p:notesMasterIdLst>
-    <p:notesMasterId r:id="rId46"/>
+    <p:notesMasterId r:id="rId48"/>
   </p:notesMasterIdLst>
   <p:sldIdLst>
     <p:sldId id="296" r:id="rId2"/>
@@ -21,37 +21,39 @@
     <p:sldId id="303" r:id="rId12"/>
     <p:sldId id="261" r:id="rId13"/>
     <p:sldId id="311" r:id="rId14"/>
-    <p:sldId id="304" r:id="rId15"/>
-    <p:sldId id="308" r:id="rId16"/>
-    <p:sldId id="346" r:id="rId17"/>
-    <p:sldId id="312" r:id="rId18"/>
-    <p:sldId id="313" r:id="rId19"/>
-    <p:sldId id="324" r:id="rId20"/>
-    <p:sldId id="314" r:id="rId21"/>
-    <p:sldId id="322" r:id="rId22"/>
-    <p:sldId id="325" r:id="rId23"/>
-    <p:sldId id="309" r:id="rId24"/>
-    <p:sldId id="327" r:id="rId25"/>
-    <p:sldId id="310" r:id="rId26"/>
-    <p:sldId id="326" r:id="rId27"/>
-    <p:sldId id="331" r:id="rId28"/>
-    <p:sldId id="332" r:id="rId29"/>
-    <p:sldId id="333" r:id="rId30"/>
-    <p:sldId id="334" r:id="rId31"/>
-    <p:sldId id="335" r:id="rId32"/>
-    <p:sldId id="336" r:id="rId33"/>
-    <p:sldId id="347" r:id="rId34"/>
-    <p:sldId id="338" r:id="rId35"/>
-    <p:sldId id="339" r:id="rId36"/>
-    <p:sldId id="340" r:id="rId37"/>
-    <p:sldId id="345" r:id="rId38"/>
-    <p:sldId id="344" r:id="rId39"/>
-    <p:sldId id="373" r:id="rId40"/>
-    <p:sldId id="374" r:id="rId41"/>
-    <p:sldId id="399" r:id="rId42"/>
-    <p:sldId id="400" r:id="rId43"/>
-    <p:sldId id="401" r:id="rId44"/>
-    <p:sldId id="305" r:id="rId45"/>
+    <p:sldId id="308" r:id="rId15"/>
+    <p:sldId id="346" r:id="rId16"/>
+    <p:sldId id="312" r:id="rId17"/>
+    <p:sldId id="313" r:id="rId18"/>
+    <p:sldId id="324" r:id="rId19"/>
+    <p:sldId id="314" r:id="rId20"/>
+    <p:sldId id="322" r:id="rId21"/>
+    <p:sldId id="325" r:id="rId22"/>
+    <p:sldId id="309" r:id="rId23"/>
+    <p:sldId id="327" r:id="rId24"/>
+    <p:sldId id="310" r:id="rId25"/>
+    <p:sldId id="326" r:id="rId26"/>
+    <p:sldId id="331" r:id="rId27"/>
+    <p:sldId id="332" r:id="rId28"/>
+    <p:sldId id="333" r:id="rId29"/>
+    <p:sldId id="334" r:id="rId30"/>
+    <p:sldId id="335" r:id="rId31"/>
+    <p:sldId id="336" r:id="rId32"/>
+    <p:sldId id="347" r:id="rId33"/>
+    <p:sldId id="338" r:id="rId34"/>
+    <p:sldId id="339" r:id="rId35"/>
+    <p:sldId id="340" r:id="rId36"/>
+    <p:sldId id="345" r:id="rId37"/>
+    <p:sldId id="344" r:id="rId38"/>
+    <p:sldId id="373" r:id="rId39"/>
+    <p:sldId id="374" r:id="rId40"/>
+    <p:sldId id="399" r:id="rId41"/>
+    <p:sldId id="400" r:id="rId42"/>
+    <p:sldId id="401" r:id="rId43"/>
+    <p:sldId id="403" r:id="rId44"/>
+    <p:sldId id="404" r:id="rId45"/>
+    <p:sldId id="405" r:id="rId46"/>
+    <p:sldId id="305" r:id="rId47"/>
   </p:sldIdLst>
   <p:sldSz cx="9144000" cy="6858000" type="screen4x3"/>
   <p:notesSz cx="6858000" cy="9144000"/>
@@ -180,7 +182,6 @@
             <p14:sldId id="303"/>
             <p14:sldId id="261"/>
             <p14:sldId id="311"/>
-            <p14:sldId id="304"/>
             <p14:sldId id="308"/>
             <p14:sldId id="346"/>
           </p14:sldIdLst>
@@ -240,6 +241,13 @@
             <p14:sldId id="401"/>
           </p14:sldIdLst>
         </p14:section>
+        <p14:section name="Picture Slides Lab" id="{0A96FF8A-1EBC-467F-980E-0A89A1EF7B3B}">
+          <p14:sldIdLst>
+            <p14:sldId id="403"/>
+            <p14:sldId id="404"/>
+            <p14:sldId id="405"/>
+          </p14:sldIdLst>
+        </p14:section>
         <p14:section name="Wrap up" id="{5BBA1A93-B239-4917-BAC7-9CBE7A60C0BF}">
           <p14:sldIdLst>
             <p14:sldId id="305"/>
@@ -248,7 +256,7 @@
       </p14:sectionLst>
     </p:ext>
     <p:ext uri="{EFAFB233-063F-42B5-8137-9DF3F51BA10A}">
-      <p15:sldGuideLst xmlns:p15="http://schemas.microsoft.com/office/powerpoint/2012/main" xmlns="">
+      <p15:sldGuideLst xmlns:p15="http://schemas.microsoft.com/office/powerpoint/2012/main">
         <p15:guide id="1" orient="horz" pos="2160">
           <p15:clr>
             <a:srgbClr val="A4A3A4"/>
@@ -332,64 +340,6 @@
 </inkml:ink>
 </file>
 
-<file path=ppt/ink/ink3.xml><?xml version="1.0" encoding="utf-8"?>
-<inkml:ink xmlns:inkml="http://www.w3.org/2003/InkML">
-  <inkml:definitions>
-    <inkml:context xml:id="ctx0">
-      <inkml:inkSource xml:id="inkSrc0">
-        <inkml:traceFormat>
-          <inkml:channel name="X" type="integer" max="32767" units="cm"/>
-          <inkml:channel name="Y" type="integer" max="32767" units="cm"/>
-          <inkml:channel name="F" type="integer" max="1023" units="dev"/>
-        </inkml:traceFormat>
-        <inkml:channelProperties>
-          <inkml:channelProperty channel="X" name="resolution" value="5654.35693" units="1/cm"/>
-          <inkml:channelProperty channel="Y" name="resolution" value="9046.65918" units="1/cm"/>
-          <inkml:channelProperty channel="F" name="resolution" value="2.82441E-6" units="1/dev"/>
-        </inkml:channelProperties>
-      </inkml:inkSource>
-      <inkml:timestamp xml:id="ts0" timeString="2014-01-02T04:23:00.849"/>
-    </inkml:context>
-    <inkml:brush xml:id="br0">
-      <inkml:brushProperty name="width" value="0.15875" units="cm"/>
-      <inkml:brushProperty name="height" value="0.15875" units="cm"/>
-      <inkml:brushProperty name="color" value="#E46C0A"/>
-      <inkml:brushProperty name="fitToCurve" value="1"/>
-    </inkml:brush>
-  </inkml:definitions>
-  <inkml:trace contextRef="#ctx0" brushRef="#br0">86 0 82,'0'7'50,"-6"6"-50,-10-13 2,-13 0 10,25 0 4,4 0-13,0 0-6,0 0 0,0 0 4,0 0 2,0 0 5,0 0 7,0 0-2,0 0-4,0 0-3,0 0 0,0 0 1,0 0 1,0 0 6,0 0 4,0 0-1,-3 0 3,3 5-5,0-5-4,0 0-3,0 0-2,-3 0-2,3 5 2,0-5 1,-3 0 0,3 0 0,0 0 1,0 4-3,0-4-1,0 8 0,-3 14-1,-4 3 2,4 19-2,-4-9-1,7 16 1,-3-13 4,3 9-4,0 14-2,0-9 2,0 13 0,0-11-2,0 12 1,0-6 1,3 5-2,7-1-1,0 5 2,-1 4 0,8 0 2,-1 5-2,-7-9-1,4 0 2,3 4 0,7-4 1,-7 0-1,4 0-1,2 0-1,-4 0 4,6-2 0,2 3-8,-5-1 6,5-5-2,3-3 1,0-9 0,-3 3 0,3 0-1,-6-8-2,-4 2 4,7-6-2,3 4 0,-3 5 0,6-9-1,0 8 1,1-3 0,5-1 0,1 9-1,-10-4-1,5-5 1,0 0 0,-5-3 1,5-2 1,-5-3-2,4 4 1,-1-9-1,-6 6-1,-1-10 1,-8-6 0,-5-6 0,-2-9 0,0-1 1,-4 2 0,-3-1-1,7-6 2,-7 2-4,-3-5 2,4 4 0,-4-4 2,3 0 0,-3 0-1,0 0 2,0 0-1,0 0 0,0 0 1,0 0-1,0 0 1,0 0-1,0 0 1,0 0 1,0 0-1,0 0 0,0 0-2,0 0 0,0 0-1,0 0 1,0 0 2,0 0-2,0 0 1,0 0-2,0 0 1,0 0 0,0 0 0,0 0-1,0 0 0,0 0 1,0 0 0,0 0 0,0 0 1,0 0 1,0 0-2,0 0 1,0 0 0,0 0 0,0 0 0,0 0 0,0 0 0,0 0-2,0 0 0,0 0 1,-3-4 1,-4-1-1,-6 2 1,0-6-1,0 4-2,-3-3 1,-3 8 0,-4-5 0,4 5 0,3 0-1,-3 0 1,2 0-1,-5 0-3,2 0 1,-4 0 1,3 0 1,5 0 2,3 5-1,0-2 1,0 2 0,8 0-1,2-5 0,0 0 0,-2 0 0,3 0 0,-1 0 0,3 0 0,-3 0 0,-2 0-1,0 0 1,-1 0 0,6 2 0,-5-2 0,5 0-1,0 0-1,0 0 0,0 0-1,0 0 0,0 0 2,0 0-2,0 0-1,0 0-1,0 0-2,0 0 1,0 0-2,0 0-1,0 0 5,0 0 3,8 0 0,8 0 1,2 0 0,8 0 0,-7 0 1,10 0 0,0 0-1,-6 0-1,3 0 1,-4 0 0,4 0 0,-6 0 0,5 0 1,-12 0-1,0 0 0,0 0 0,0 0 0,3 0 0,-6 0 0,0 10 1,-1-5-1,-2-5-1,-1 4 1,-3 0 0,1-4 0,-1 4 1,0-4-1,0 0 0,0 5 0,1-5 0,-4 0 0,6 0 0,-6 0 0,0 0 1,0 0-1,0 0 1,0 5-1,0-5 1,0 0-1,0 0 1,0 0 0,0 0 3,0 0-2,0 0 1,0 0 0,0 0 0,0 0 1,0 0 0,0 0-2,0 0 1,0 0-1,0 0 1,0 0-2,0 0 1,0 0 0,0 0-1,0 0 0,0 0 0,0 0-1,0 0 2,0 0-1,0 0 0,0-18-2,0-3 2,-6-6-1,-4-3 0,4 0 1,-1 0-2,1-2 1,2 8 0,-2-6-1,3-4 1,0 8 0,3-5 0,-4 6 0,1 8 1,0 4 0,0-4-1,-1 0 0,4 4 0,-3-1 0,3 6 0,0-1 0,-3 1 0,3 0 0,0 3 0,0-4 0,0 9 1,0-5-1,-7 5 0,7 0 0,0 0 1,0 0-1,0 0 1,0 0-1,0 0 1,0 0-1,-3 0 0,3 0-1,0 0 0,-3 0-1,3 0-19,0 0-50,0 0-153</inkml:trace>
-</inkml:ink>
-</file>
-
-<file path=ppt/ink/ink4.xml><?xml version="1.0" encoding="utf-8"?>
-<inkml:ink xmlns:inkml="http://www.w3.org/2003/InkML">
-  <inkml:definitions>
-    <inkml:context xml:id="ctx0">
-      <inkml:inkSource xml:id="inkSrc0">
-        <inkml:traceFormat>
-          <inkml:channel name="X" type="integer" max="32767" units="cm"/>
-          <inkml:channel name="Y" type="integer" max="32767" units="cm"/>
-          <inkml:channel name="F" type="integer" max="1023" units="dev"/>
-        </inkml:traceFormat>
-        <inkml:channelProperties>
-          <inkml:channelProperty channel="X" name="resolution" value="5654.35693" units="1/cm"/>
-          <inkml:channelProperty channel="Y" name="resolution" value="9046.65918" units="1/cm"/>
-          <inkml:channelProperty channel="F" name="resolution" value="2.82441E-6" units="1/dev"/>
-        </inkml:channelProperties>
-      </inkml:inkSource>
-      <inkml:timestamp xml:id="ts0" timeString="2014-01-02T04:23:10.385"/>
-    </inkml:context>
-    <inkml:brush xml:id="br0">
-      <inkml:brushProperty name="width" value="0.15875" units="cm"/>
-      <inkml:brushProperty name="height" value="0.15875" units="cm"/>
-      <inkml:brushProperty name="color" value="#E46C0A"/>
-      <inkml:brushProperty name="fitToCurve" value="1"/>
-    </inkml:brush>
-  </inkml:definitions>
-  <inkml:trace contextRef="#ctx0" brushRef="#br0">1065 1 82,'0'7'50,"6"6"-50,10-13 2,13 0 10,-25 0 4,-4 0-13,0 0-6,0 0 0,0 0 4,0 0 2,0 0 5,0 0 7,0 0-2,0 0-4,0 0-3,0 0 0,0 0 1,0 0 1,0 0 6,0 0 4,0 0-1,3 0 3,-3 5-5,0-5-4,0 0-3,0 0-2,3 0-2,-3 5 2,0-5 1,3 0 0,-3 0 0,0 0 1,0 4-3,0-4-1,0 8 0,3 14-1,4 3 2,-4 19-2,4-9-1,-7 16 1,3-13 4,-3 9-4,0 14-2,0-9 2,0 13 0,0-11-2,0 12 1,0-6 1,-3 5-2,-7-1-1,0 5 2,1 4 0,-8 0 2,1 5-2,7-9-1,-4 0 2,-3 4 0,-7-4 1,7 0-1,-4 0-1,-2 0-1,4 0 4,-6-2 0,-2 3-8,5-1 6,-5-5-2,-3-3 1,0-9 0,3 3 0,-3 0-1,6-8-2,4 2 4,-7-6-2,-3 4 0,3 5 0,-6-9-1,0 8 1,-1-3 0,-5-1 0,-1 9-1,9-4-1,-4-5 1,0 0 0,5-3 1,-5-2 1,5-3-2,-4 4 1,1-9-1,6 6-1,1-10 1,8-6 0,5-6 0,2-9 0,0-1 1,4 2 0,3-1-1,-7-6 2,7 2-4,3-5 2,-4 4 0,4-4 2,-3 0 0,3 0-1,0 0 2,0 0-1,0 0 0,0 0 1,0 0-1,0 0 1,0 0-1,0 0 1,0 0 1,0 0-1,0 0 0,0 0-2,0 0 0,0 0-1,0 0 1,0 0 2,0 0-2,0 0 1,0 0-2,0 0 1,0 0 0,0 0 0,0 0-1,0 0 0,0 0 1,0 0 0,0 0 0,0 0 1,0 0 1,0 0-2,0 0 1,0 0 0,0 0 0,0 0 0,0 0 0,0 0 0,0 0-2,0 0 0,0 0 1,3-4 1,4-1-1,6 2 1,0-6-1,0 4-2,3-3 1,3 8 0,4-5 0,-4 5 0,-3 0-1,3 0 1,-2 0-1,5 0-3,-2 0 1,4 0 1,-3 0 1,-5 0 2,-3 5-1,0-2 1,0 2 0,-8 0-1,-2-5 0,0 0 0,2 0 0,-3 0 0,1 0 0,-3 0 0,3 0 0,2 0-1,0 0 1,1 0 0,-6 2 0,5-2 0,-5 0-1,0 0-1,0 0 0,0 0-1,0 0 0,0 0 2,0 0-2,0 0-1,0 0-1,0 0-2,0 0 1,0 0-2,0 0-1,0 0 5,0 0 3,-8 0 0,-8 0 1,-2 0 0,-8 0 0,7 0 1,-10 0 0,0 0-1,6 0-1,-3 0 1,4 0 0,-4 0 0,6 0 0,-5 0 1,12 0-1,0 0 0,0 0 0,0 0 0,-3 0 0,6 0 0,0 10 1,1-5-1,2-5-1,1 4 1,3 0 0,-1-4 0,1 4 1,0-4-1,0 0 0,0 5 0,-1-5 0,4 0 0,-6 0 0,6 0 0,0 0 1,0 0-1,0 0 1,0 5-1,0-5 1,0 0-1,0 0 1,0 0 0,0 0 3,0 0-2,0 0 1,0 0 0,0 0 0,0 0 1,0 0 0,0 0-2,0 0 1,0 0-1,0 0 1,0 0-2,0 0 1,0 0 0,0 0-1,0 0 0,0 0 0,0 0-1,0 0 2,0 0-1,0 0 0,0-18-2,0-3 2,6-6-1,4-3 0,-4 0 1,1 0-2,-1-2 1,-2 8 0,2-6-1,-3-4 1,0 8 0,-3-5 0,4 6 0,-1 8 1,0 4 0,0-4-1,1 0 0,-4 4 0,3-1 0,-3 6 0,0-1 0,3 1 0,-3 0 0,0 3 0,0-4 0,0 9 1,0-5-1,7 5 0,-7 0 0,0 0 1,0 0-1,0 0 1,0 0-1,0 0 1,0 0-1,3 0 0,-3 0-1,0 0 0,3 0-1,-3 0-19,0 0-50,0 0-153</inkml:trace>
-</inkml:ink>
-</file>
-
 <file path=ppt/notesMasters/notesMaster1.xml><?xml version="1.0" encoding="utf-8"?>
 <p:notesMaster xmlns:a="http://schemas.openxmlformats.org/drawingml/2006/main" xmlns:r="http://schemas.openxmlformats.org/officeDocument/2006/relationships" xmlns:p="http://schemas.openxmlformats.org/presentationml/2006/main">
   <p:cSld>
@@ -472,7 +422,7 @@
           <a:p>
             <a:fld id="{3E86CC0F-BBF3-4E07-94E0-0549B7D560A9}" type="datetimeFigureOut">
               <a:rPr lang="en-SG" smtClean="0"/>
-              <a:t>24/5/2015</a:t>
+              <a:t>19/3/2016</a:t>
             </a:fld>
             <a:endParaRPr lang="en-SG"/>
           </a:p>
@@ -813,7 +763,7 @@
           <a:p>
             <a:fld id="{0015B511-83B7-463E-ACD1-0C1C081EBBC4}" type="slidenum">
               <a:rPr lang="en-SG" smtClean="0"/>
-              <a:t>16</a:t>
+              <a:t>15</a:t>
             </a:fld>
             <a:endParaRPr lang="en-SG"/>
           </a:p>
@@ -897,7 +847,7 @@
           <a:p>
             <a:fld id="{0015B511-83B7-463E-ACD1-0C1C081EBBC4}" type="slidenum">
               <a:rPr lang="en-SG" smtClean="0"/>
-              <a:t>37</a:t>
+              <a:t>36</a:t>
             </a:fld>
             <a:endParaRPr lang="en-SG"/>
           </a:p>
@@ -981,7 +931,7 @@
           <a:p>
             <a:fld id="{0015B511-83B7-463E-ACD1-0C1C081EBBC4}" type="slidenum">
               <a:rPr lang="en-SG" smtClean="0"/>
-              <a:t>38</a:t>
+              <a:t>37</a:t>
             </a:fld>
             <a:endParaRPr lang="en-SG"/>
           </a:p>
@@ -1065,7 +1015,7 @@
           <a:p>
             <a:fld id="{0015B511-83B7-463E-ACD1-0C1C081EBBC4}" type="slidenum">
               <a:rPr lang="en-SG" smtClean="0"/>
-              <a:t>40</a:t>
+              <a:t>39</a:t>
             </a:fld>
             <a:endParaRPr lang="en-SG"/>
           </a:p>
@@ -1149,7 +1099,7 @@
           <a:p>
             <a:fld id="{0015B511-83B7-463E-ACD1-0C1C081EBBC4}" type="slidenum">
               <a:rPr lang="en-SG" smtClean="0"/>
-              <a:t>41</a:t>
+              <a:t>40</a:t>
             </a:fld>
             <a:endParaRPr lang="en-SG"/>
           </a:p>
@@ -1233,7 +1183,7 @@
           <a:p>
             <a:fld id="{0015B511-83B7-463E-ACD1-0C1C081EBBC4}" type="slidenum">
               <a:rPr lang="en-SG" smtClean="0"/>
-              <a:t>42</a:t>
+              <a:t>41</a:t>
             </a:fld>
             <a:endParaRPr lang="en-SG"/>
           </a:p>
@@ -1317,7 +1267,7 @@
           <a:p>
             <a:fld id="{0015B511-83B7-463E-ACD1-0C1C081EBBC4}" type="slidenum">
               <a:rPr lang="en-SG" smtClean="0"/>
-              <a:t>43</a:t>
+              <a:t>42</a:t>
             </a:fld>
             <a:endParaRPr lang="en-SG"/>
           </a:p>
@@ -1327,6 +1277,183 @@
     <p:extLst>
       <p:ext uri="{BB962C8B-B14F-4D97-AF65-F5344CB8AC3E}">
         <p14:creationId xmlns:p14="http://schemas.microsoft.com/office/powerpoint/2010/main" val="1548716900"/>
+      </p:ext>
+    </p:extLst>
+  </p:cSld>
+  <p:clrMapOvr>
+    <a:masterClrMapping/>
+  </p:clrMapOvr>
+</p:notes>
+</file>
+
+<file path=ppt/notesSlides/notesSlide16.xml><?xml version="1.0" encoding="utf-8"?>
+<p:notes xmlns:a="http://schemas.openxmlformats.org/drawingml/2006/main" xmlns:r="http://schemas.openxmlformats.org/officeDocument/2006/relationships" xmlns:p="http://schemas.openxmlformats.org/presentationml/2006/main">
+  <p:cSld>
+    <p:spTree>
+      <p:nvGrpSpPr>
+        <p:cNvPr id="1" name=""/>
+        <p:cNvGrpSpPr/>
+        <p:nvPr/>
+      </p:nvGrpSpPr>
+      <p:grpSpPr>
+        <a:xfrm>
+          <a:off x="0" y="0"/>
+          <a:ext cx="0" cy="0"/>
+          <a:chOff x="0" y="0"/>
+          <a:chExt cx="0" cy="0"/>
+        </a:xfrm>
+      </p:grpSpPr>
+      <p:sp>
+        <p:nvSpPr>
+          <p:cNvPr id="2" name="Slide Image Placeholder 1"/>
+          <p:cNvSpPr>
+            <a:spLocks noGrp="1" noRot="1" noChangeAspect="1"/>
+          </p:cNvSpPr>
+          <p:nvPr>
+            <p:ph type="sldImg"/>
+          </p:nvPr>
+        </p:nvSpPr>
+        <p:spPr/>
+      </p:sp>
+      <p:sp>
+        <p:nvSpPr>
+          <p:cNvPr id="3" name="Notes Placeholder 2"/>
+          <p:cNvSpPr>
+            <a:spLocks noGrp="1"/>
+          </p:cNvSpPr>
+          <p:nvPr>
+            <p:ph type="body" idx="1"/>
+          </p:nvPr>
+        </p:nvSpPr>
+        <p:spPr/>
+        <p:txBody>
+          <a:bodyPr/>
+          <a:lstStyle/>
+          <a:p>
+            <a:r>
+              <a:rPr lang="en-US" smtClean="0"/>
+              <a:t>[[Picture taken from https://flic.kr/p/5s5APp on 3/19/2016 4:47:38 PM]]
+</a:t>
+            </a:r>
+            <a:endParaRPr lang="en-SG"/>
+          </a:p>
+        </p:txBody>
+      </p:sp>
+      <p:sp>
+        <p:nvSpPr>
+          <p:cNvPr id="4" name="Slide Number Placeholder 3"/>
+          <p:cNvSpPr>
+            <a:spLocks noGrp="1"/>
+          </p:cNvSpPr>
+          <p:nvPr>
+            <p:ph type="sldNum" sz="quarter" idx="10"/>
+          </p:nvPr>
+        </p:nvSpPr>
+        <p:spPr/>
+        <p:txBody>
+          <a:bodyPr/>
+          <a:lstStyle/>
+          <a:p>
+            <a:fld id="{0015B511-83B7-463E-ACD1-0C1C081EBBC4}" type="slidenum">
+              <a:rPr lang="en-SG" smtClean="0"/>
+              <a:t>43</a:t>
+            </a:fld>
+            <a:endParaRPr lang="en-SG"/>
+          </a:p>
+        </p:txBody>
+      </p:sp>
+    </p:spTree>
+    <p:extLst>
+      <p:ext uri="{BB962C8B-B14F-4D97-AF65-F5344CB8AC3E}">
+        <p14:creationId xmlns:p14="http://schemas.microsoft.com/office/powerpoint/2010/main" val="3943189260"/>
+      </p:ext>
+    </p:extLst>
+  </p:cSld>
+  <p:clrMapOvr>
+    <a:masterClrMapping/>
+  </p:clrMapOvr>
+</p:notes>
+</file>
+
+<file path=ppt/notesSlides/notesSlide17.xml><?xml version="1.0" encoding="utf-8"?>
+<p:notes xmlns:a="http://schemas.openxmlformats.org/drawingml/2006/main" xmlns:r="http://schemas.openxmlformats.org/officeDocument/2006/relationships" xmlns:p="http://schemas.openxmlformats.org/presentationml/2006/main">
+  <p:cSld>
+    <p:spTree>
+      <p:nvGrpSpPr>
+        <p:cNvPr id="1" name=""/>
+        <p:cNvGrpSpPr/>
+        <p:nvPr/>
+      </p:nvGrpSpPr>
+      <p:grpSpPr>
+        <a:xfrm>
+          <a:off x="0" y="0"/>
+          <a:ext cx="0" cy="0"/>
+          <a:chOff x="0" y="0"/>
+          <a:chExt cx="0" cy="0"/>
+        </a:xfrm>
+      </p:grpSpPr>
+      <p:sp>
+        <p:nvSpPr>
+          <p:cNvPr id="2" name="Slide Image Placeholder 1"/>
+          <p:cNvSpPr>
+            <a:spLocks noGrp="1" noRot="1" noChangeAspect="1"/>
+          </p:cNvSpPr>
+          <p:nvPr>
+            <p:ph type="sldImg"/>
+          </p:nvPr>
+        </p:nvSpPr>
+        <p:spPr/>
+      </p:sp>
+      <p:sp>
+        <p:nvSpPr>
+          <p:cNvPr id="3" name="Notes Placeholder 2"/>
+          <p:cNvSpPr>
+            <a:spLocks noGrp="1"/>
+          </p:cNvSpPr>
+          <p:nvPr>
+            <p:ph type="body" idx="1"/>
+          </p:nvPr>
+        </p:nvSpPr>
+        <p:spPr/>
+        <p:txBody>
+          <a:bodyPr/>
+          <a:lstStyle/>
+          <a:p>
+            <a:r>
+              <a:rPr lang="en-SG" dirty="0" smtClean="0"/>
+              <a:t>Picture Slides Lab Demo Slide</a:t>
+            </a:r>
+            <a:endParaRPr lang="en-SG" dirty="0"/>
+          </a:p>
+        </p:txBody>
+      </p:sp>
+      <p:sp>
+        <p:nvSpPr>
+          <p:cNvPr id="4" name="Slide Number Placeholder 3"/>
+          <p:cNvSpPr>
+            <a:spLocks noGrp="1"/>
+          </p:cNvSpPr>
+          <p:nvPr>
+            <p:ph type="sldNum" sz="quarter" idx="10"/>
+          </p:nvPr>
+        </p:nvSpPr>
+        <p:spPr/>
+        <p:txBody>
+          <a:bodyPr/>
+          <a:lstStyle/>
+          <a:p>
+            <a:fld id="{0015B511-83B7-463E-ACD1-0C1C081EBBC4}" type="slidenum">
+              <a:rPr lang="en-SG" smtClean="0"/>
+              <a:t>45</a:t>
+            </a:fld>
+            <a:endParaRPr lang="en-SG"/>
+          </a:p>
+        </p:txBody>
+      </p:sp>
+    </p:spTree>
+    <p:extLst>
+      <p:ext uri="{BB962C8B-B14F-4D97-AF65-F5344CB8AC3E}">
+        <p14:creationId xmlns:p14="http://schemas.microsoft.com/office/powerpoint/2010/main" val="2184263071"/>
       </p:ext>
     </p:extLst>
   </p:cSld>
@@ -1425,7 +1552,7 @@
           <a:p>
             <a:fld id="{0015B511-83B7-463E-ACD1-0C1C081EBBC4}" type="slidenum">
               <a:rPr lang="en-SG" smtClean="0"/>
-              <a:t>23</a:t>
+              <a:t>22</a:t>
             </a:fld>
             <a:endParaRPr lang="en-SG"/>
           </a:p>
@@ -1533,7 +1660,7 @@
           <a:p>
             <a:fld id="{0015B511-83B7-463E-ACD1-0C1C081EBBC4}" type="slidenum">
               <a:rPr lang="en-SG" smtClean="0"/>
-              <a:t>24</a:t>
+              <a:t>23</a:t>
             </a:fld>
             <a:endParaRPr lang="en-SG"/>
           </a:p>
@@ -1641,7 +1768,7 @@
           <a:p>
             <a:fld id="{0015B511-83B7-463E-ACD1-0C1C081EBBC4}" type="slidenum">
               <a:rPr lang="en-SG" smtClean="0"/>
-              <a:t>26</a:t>
+              <a:t>25</a:t>
             </a:fld>
             <a:endParaRPr lang="en-SG"/>
           </a:p>
@@ -1746,7 +1873,7 @@
           <a:p>
             <a:fld id="{0015B511-83B7-463E-ACD1-0C1C081EBBC4}" type="slidenum">
               <a:rPr lang="en-SG" smtClean="0"/>
-              <a:t>27</a:t>
+              <a:t>26</a:t>
             </a:fld>
             <a:endParaRPr lang="en-SG"/>
           </a:p>
@@ -1830,7 +1957,7 @@
           <a:p>
             <a:fld id="{0015B511-83B7-463E-ACD1-0C1C081EBBC4}" type="slidenum">
               <a:rPr lang="en-SG" smtClean="0"/>
-              <a:t>29</a:t>
+              <a:t>28</a:t>
             </a:fld>
             <a:endParaRPr lang="en-SG"/>
           </a:p>
@@ -1914,7 +2041,7 @@
           <a:p>
             <a:fld id="{0015B511-83B7-463E-ACD1-0C1C081EBBC4}" type="slidenum">
               <a:rPr lang="en-SG" smtClean="0"/>
-              <a:t>30</a:t>
+              <a:t>29</a:t>
             </a:fld>
             <a:endParaRPr lang="en-SG"/>
           </a:p>
@@ -1998,7 +2125,7 @@
           <a:p>
             <a:fld id="{0015B511-83B7-463E-ACD1-0C1C081EBBC4}" type="slidenum">
               <a:rPr lang="en-SG" smtClean="0"/>
-              <a:t>35</a:t>
+              <a:t>34</a:t>
             </a:fld>
             <a:endParaRPr lang="en-SG"/>
           </a:p>
@@ -2082,7 +2209,7 @@
           <a:p>
             <a:fld id="{0015B511-83B7-463E-ACD1-0C1C081EBBC4}" type="slidenum">
               <a:rPr lang="en-SG" smtClean="0"/>
-              <a:t>36</a:t>
+              <a:t>35</a:t>
             </a:fld>
             <a:endParaRPr lang="en-SG"/>
           </a:p>
@@ -2283,7 +2410,7 @@
             <a:fld id="{1D8BD707-D9CF-40AE-B4C6-C98DA3205C09}" type="datetimeFigureOut">
               <a:rPr lang="en-US" smtClean="0"/>
               <a:pPr/>
-              <a:t>5/24/2015</a:t>
+              <a:t>3/19/2016</a:t>
             </a:fld>
             <a:endParaRPr lang="en-US"/>
           </a:p>
@@ -2450,7 +2577,7 @@
             <a:fld id="{1D8BD707-D9CF-40AE-B4C6-C98DA3205C09}" type="datetimeFigureOut">
               <a:rPr lang="en-US" smtClean="0"/>
               <a:pPr/>
-              <a:t>5/24/2015</a:t>
+              <a:t>3/19/2016</a:t>
             </a:fld>
             <a:endParaRPr lang="en-US"/>
           </a:p>
@@ -2627,7 +2754,7 @@
             <a:fld id="{1D8BD707-D9CF-40AE-B4C6-C98DA3205C09}" type="datetimeFigureOut">
               <a:rPr lang="en-US" smtClean="0"/>
               <a:pPr/>
-              <a:t>5/24/2015</a:t>
+              <a:t>3/19/2016</a:t>
             </a:fld>
             <a:endParaRPr lang="en-US"/>
           </a:p>
@@ -2794,7 +2921,7 @@
             <a:fld id="{1D8BD707-D9CF-40AE-B4C6-C98DA3205C09}" type="datetimeFigureOut">
               <a:rPr lang="en-US" smtClean="0"/>
               <a:pPr/>
-              <a:t>5/24/2015</a:t>
+              <a:t>3/19/2016</a:t>
             </a:fld>
             <a:endParaRPr lang="en-US"/>
           </a:p>
@@ -2966,7 +3093,7 @@
             <a:fld id="{1D8BD707-D9CF-40AE-B4C6-C98DA3205C09}" type="datetimeFigureOut">
               <a:rPr lang="en-US" smtClean="0"/>
               <a:pPr/>
-              <a:t>5/24/2015</a:t>
+              <a:t>3/19/2016</a:t>
             </a:fld>
             <a:endParaRPr lang="en-US"/>
           </a:p>
@@ -3209,7 +3336,7 @@
             <a:fld id="{1D8BD707-D9CF-40AE-B4C6-C98DA3205C09}" type="datetimeFigureOut">
               <a:rPr lang="en-US" smtClean="0"/>
               <a:pPr/>
-              <a:t>5/24/2015</a:t>
+              <a:t>3/19/2016</a:t>
             </a:fld>
             <a:endParaRPr lang="en-US"/>
           </a:p>
@@ -3494,7 +3621,7 @@
             <a:fld id="{1D8BD707-D9CF-40AE-B4C6-C98DA3205C09}" type="datetimeFigureOut">
               <a:rPr lang="en-US" smtClean="0"/>
               <a:pPr/>
-              <a:t>5/24/2015</a:t>
+              <a:t>3/19/2016</a:t>
             </a:fld>
             <a:endParaRPr lang="en-US"/>
           </a:p>
@@ -3913,7 +4040,7 @@
             <a:fld id="{1D8BD707-D9CF-40AE-B4C6-C98DA3205C09}" type="datetimeFigureOut">
               <a:rPr lang="en-US" smtClean="0"/>
               <a:pPr/>
-              <a:t>5/24/2015</a:t>
+              <a:t>3/19/2016</a:t>
             </a:fld>
             <a:endParaRPr lang="en-US"/>
           </a:p>
@@ -4028,7 +4155,7 @@
             <a:fld id="{1D8BD707-D9CF-40AE-B4C6-C98DA3205C09}" type="datetimeFigureOut">
               <a:rPr lang="en-US" smtClean="0"/>
               <a:pPr/>
-              <a:t>5/24/2015</a:t>
+              <a:t>3/19/2016</a:t>
             </a:fld>
             <a:endParaRPr lang="en-US"/>
           </a:p>
@@ -4120,7 +4247,7 @@
             <a:fld id="{1D8BD707-D9CF-40AE-B4C6-C98DA3205C09}" type="datetimeFigureOut">
               <a:rPr lang="en-US" smtClean="0"/>
               <a:pPr/>
-              <a:t>5/24/2015</a:t>
+              <a:t>3/19/2016</a:t>
             </a:fld>
             <a:endParaRPr lang="en-US"/>
           </a:p>
@@ -4394,7 +4521,7 @@
             <a:fld id="{1D8BD707-D9CF-40AE-B4C6-C98DA3205C09}" type="datetimeFigureOut">
               <a:rPr lang="en-US" smtClean="0"/>
               <a:pPr/>
-              <a:t>5/24/2015</a:t>
+              <a:t>3/19/2016</a:t>
             </a:fld>
             <a:endParaRPr lang="en-US"/>
           </a:p>
@@ -4644,7 +4771,7 @@
             <a:fld id="{1D8BD707-D9CF-40AE-B4C6-C98DA3205C09}" type="datetimeFigureOut">
               <a:rPr lang="en-US" smtClean="0"/>
               <a:pPr/>
-              <a:t>5/24/2015</a:t>
+              <a:t>3/19/2016</a:t>
             </a:fld>
             <a:endParaRPr lang="en-US"/>
           </a:p>
@@ -4854,7 +4981,7 @@
             <a:fld id="{1D8BD707-D9CF-40AE-B4C6-C98DA3205C09}" type="datetimeFigureOut">
               <a:rPr lang="en-US" smtClean="0"/>
               <a:pPr/>
-              <a:t>5/24/2015</a:t>
+              <a:t>3/19/2016</a:t>
             </a:fld>
             <a:endParaRPr lang="en-US"/>
           </a:p>
@@ -7147,746 +7274,6 @@
         </p:nvSpPr>
         <p:spPr>
           <a:xfrm>
-            <a:off x="533400" y="416651"/>
-            <a:ext cx="8001000" cy="523220"/>
-          </a:xfrm>
-          <a:prstGeom prst="rect">
-            <a:avLst/>
-          </a:prstGeom>
-          <a:noFill/>
-        </p:spPr>
-        <p:txBody>
-          <a:bodyPr wrap="square" rtlCol="0">
-            <a:spAutoFit/>
-          </a:bodyPr>
-          <a:lstStyle/>
-          <a:p>
-            <a:r>
-              <a:rPr lang="en-US" sz="2800" b="1" dirty="0" smtClean="0">
-                <a:solidFill>
-                  <a:schemeClr val="accent6">
-                    <a:lumMod val="75000"/>
-                  </a:schemeClr>
-                </a:solidFill>
-              </a:rPr>
-              <a:t>3.</a:t>
-            </a:r>
-            <a:r>
-              <a:rPr lang="en-US" dirty="0" smtClean="0">
-                <a:solidFill>
-                  <a:schemeClr val="accent6">
-                    <a:lumMod val="75000"/>
-                  </a:schemeClr>
-                </a:solidFill>
-              </a:rPr>
-              <a:t> To tweak the animation, </a:t>
-            </a:r>
-            <a:endParaRPr lang="en-SG" dirty="0">
-              <a:solidFill>
-                <a:schemeClr val="accent6">
-                  <a:lumMod val="75000"/>
-                </a:schemeClr>
-              </a:solidFill>
-            </a:endParaRPr>
-          </a:p>
-        </p:txBody>
-      </p:sp>
-      <p:sp>
-        <p:nvSpPr>
-          <p:cNvPr id="5" name="TextBox 4"/>
-          <p:cNvSpPr txBox="1"/>
-          <p:nvPr/>
-        </p:nvSpPr>
-        <p:spPr>
-          <a:xfrm>
-            <a:off x="1043378" y="1004133"/>
-            <a:ext cx="4747822" cy="461665"/>
-          </a:xfrm>
-          <a:prstGeom prst="rect">
-            <a:avLst/>
-          </a:prstGeom>
-          <a:noFill/>
-        </p:spPr>
-        <p:txBody>
-          <a:bodyPr wrap="square" rtlCol="0">
-            <a:spAutoFit/>
-          </a:bodyPr>
-          <a:lstStyle/>
-          <a:p>
-            <a:r>
-              <a:rPr lang="en-US" sz="2400" b="1" dirty="0" smtClean="0">
-                <a:solidFill>
-                  <a:schemeClr val="accent6">
-                    <a:lumMod val="75000"/>
-                  </a:schemeClr>
-                </a:solidFill>
-              </a:rPr>
-              <a:t>a.</a:t>
-            </a:r>
-            <a:r>
-              <a:rPr lang="en-US" sz="1600" dirty="0" smtClean="0">
-                <a:solidFill>
-                  <a:schemeClr val="accent6">
-                    <a:lumMod val="75000"/>
-                  </a:schemeClr>
-                </a:solidFill>
-              </a:rPr>
-              <a:t> </a:t>
-            </a:r>
-            <a:r>
-              <a:rPr lang="en-US" dirty="0" smtClean="0">
-                <a:solidFill>
-                  <a:schemeClr val="accent6">
-                    <a:lumMod val="75000"/>
-                  </a:schemeClr>
-                </a:solidFill>
-              </a:rPr>
-              <a:t>Adjust the positions on either of these slides.</a:t>
-            </a:r>
-            <a:endParaRPr lang="en-SG" dirty="0">
-              <a:solidFill>
-                <a:schemeClr val="accent6">
-                  <a:lumMod val="75000"/>
-                </a:schemeClr>
-              </a:solidFill>
-            </a:endParaRPr>
-          </a:p>
-        </p:txBody>
-      </p:sp>
-      <p:sp>
-        <p:nvSpPr>
-          <p:cNvPr id="6" name="TextBox 5"/>
-          <p:cNvSpPr txBox="1"/>
-          <p:nvPr/>
-        </p:nvSpPr>
-        <p:spPr>
-          <a:xfrm>
-            <a:off x="1043378" y="4491335"/>
-            <a:ext cx="4244340" cy="461665"/>
-          </a:xfrm>
-          <a:prstGeom prst="rect">
-            <a:avLst/>
-          </a:prstGeom>
-          <a:noFill/>
-        </p:spPr>
-        <p:txBody>
-          <a:bodyPr wrap="square" rtlCol="0">
-            <a:spAutoFit/>
-          </a:bodyPr>
-          <a:lstStyle/>
-          <a:p>
-            <a:r>
-              <a:rPr lang="en-US" sz="2400" b="1" dirty="0" smtClean="0">
-                <a:solidFill>
-                  <a:schemeClr val="accent6">
-                    <a:lumMod val="75000"/>
-                  </a:schemeClr>
-                </a:solidFill>
-              </a:rPr>
-              <a:t>b.</a:t>
-            </a:r>
-            <a:r>
-              <a:rPr lang="en-US" sz="1600" dirty="0" smtClean="0">
-                <a:solidFill>
-                  <a:schemeClr val="accent6">
-                    <a:lumMod val="75000"/>
-                  </a:schemeClr>
-                </a:solidFill>
-              </a:rPr>
-              <a:t> </a:t>
-            </a:r>
-            <a:r>
-              <a:rPr lang="en-US" dirty="0" smtClean="0">
-                <a:solidFill>
-                  <a:schemeClr val="accent6">
-                    <a:lumMod val="75000"/>
-                  </a:schemeClr>
-                </a:solidFill>
-              </a:rPr>
-              <a:t>Select any of the three slides.</a:t>
-            </a:r>
-            <a:endParaRPr lang="en-SG" dirty="0">
-              <a:solidFill>
-                <a:schemeClr val="accent6">
-                  <a:lumMod val="75000"/>
-                </a:schemeClr>
-              </a:solidFill>
-            </a:endParaRPr>
-          </a:p>
-        </p:txBody>
-      </p:sp>
-      <p:sp>
-        <p:nvSpPr>
-          <p:cNvPr id="7" name="TextBox 6"/>
-          <p:cNvSpPr txBox="1"/>
-          <p:nvPr/>
-        </p:nvSpPr>
-        <p:spPr>
-          <a:xfrm>
-            <a:off x="1043378" y="5288600"/>
-            <a:ext cx="2226136" cy="461665"/>
-          </a:xfrm>
-          <a:prstGeom prst="rect">
-            <a:avLst/>
-          </a:prstGeom>
-          <a:noFill/>
-        </p:spPr>
-        <p:txBody>
-          <a:bodyPr wrap="square" rtlCol="0">
-            <a:spAutoFit/>
-          </a:bodyPr>
-          <a:lstStyle/>
-          <a:p>
-            <a:r>
-              <a:rPr lang="en-US" sz="2400" b="1" dirty="0" smtClean="0">
-                <a:solidFill>
-                  <a:schemeClr val="accent6">
-                    <a:lumMod val="75000"/>
-                  </a:schemeClr>
-                </a:solidFill>
-              </a:rPr>
-              <a:t>c.</a:t>
-            </a:r>
-            <a:r>
-              <a:rPr lang="en-US" sz="1600" dirty="0" smtClean="0">
-                <a:solidFill>
-                  <a:schemeClr val="accent6">
-                    <a:lumMod val="75000"/>
-                  </a:schemeClr>
-                </a:solidFill>
-              </a:rPr>
-              <a:t> </a:t>
-            </a:r>
-            <a:r>
-              <a:rPr lang="en-US" dirty="0" smtClean="0">
-                <a:solidFill>
-                  <a:schemeClr val="accent6">
-                    <a:lumMod val="75000"/>
-                  </a:schemeClr>
-                </a:solidFill>
-              </a:rPr>
-              <a:t>Click this button.</a:t>
-            </a:r>
-            <a:endParaRPr lang="en-SG" dirty="0">
-              <a:solidFill>
-                <a:schemeClr val="accent6">
-                  <a:lumMod val="75000"/>
-                </a:schemeClr>
-              </a:solidFill>
-            </a:endParaRPr>
-          </a:p>
-        </p:txBody>
-      </p:sp>
-      <p:pic>
-        <p:nvPicPr>
-          <p:cNvPr id="13314" name="Picture 2"/>
-          <p:cNvPicPr>
-            <a:picLocks noChangeAspect="1" noChangeArrowheads="1"/>
-          </p:cNvPicPr>
-          <p:nvPr/>
-        </p:nvPicPr>
-        <p:blipFill>
-          <a:blip r:embed="rId2">
-            <a:extLst>
-              <a:ext uri="{28A0092B-C50C-407E-A947-70E740481C1C}">
-                <a14:useLocalDpi xmlns:a14="http://schemas.microsoft.com/office/drawing/2010/main" val="0"/>
-              </a:ext>
-            </a:extLst>
-          </a:blip>
-          <a:srcRect/>
-          <a:stretch>
-            <a:fillRect/>
-          </a:stretch>
-        </p:blipFill>
-        <p:spPr bwMode="auto">
-          <a:xfrm>
-            <a:off x="884660" y="2070933"/>
-            <a:ext cx="2438400" cy="1828800"/>
-          </a:xfrm>
-          <a:prstGeom prst="rect">
-            <a:avLst/>
-          </a:prstGeom>
-          <a:ln>
-            <a:noFill/>
-          </a:ln>
-          <a:effectLst>
-            <a:outerShdw blurRad="190500" algn="tl" rotWithShape="0">
-              <a:srgbClr val="000000">
-                <a:alpha val="70000"/>
-              </a:srgbClr>
-            </a:outerShdw>
-          </a:effectLst>
-          <a:extLst>
-            <a:ext uri="{909E8E84-426E-40DD-AFC4-6F175D3DCCD1}">
-              <a14:hiddenFill xmlns:a14="http://schemas.microsoft.com/office/drawing/2010/main">
-                <a:solidFill>
-                  <a:schemeClr val="accent1"/>
-                </a:solidFill>
-              </a14:hiddenFill>
-            </a:ext>
-            <a:ext uri="{91240B29-F687-4F45-9708-019B960494DF}">
-              <a14:hiddenLine xmlns:a14="http://schemas.microsoft.com/office/drawing/2010/main" w="9525">
-                <a:solidFill>
-                  <a:schemeClr val="tx1"/>
-                </a:solidFill>
-                <a:miter lim="800000"/>
-                <a:headEnd/>
-                <a:tailEnd/>
-              </a14:hiddenLine>
-            </a:ext>
-          </a:extLst>
-        </p:spPr>
-      </p:pic>
-      <p:pic>
-        <p:nvPicPr>
-          <p:cNvPr id="13315" name="Picture 3"/>
-          <p:cNvPicPr>
-            <a:picLocks noChangeAspect="1" noChangeArrowheads="1"/>
-          </p:cNvPicPr>
-          <p:nvPr/>
-        </p:nvPicPr>
-        <p:blipFill>
-          <a:blip r:embed="rId3">
-            <a:extLst>
-              <a:ext uri="{28A0092B-C50C-407E-A947-70E740481C1C}">
-                <a14:useLocalDpi xmlns:a14="http://schemas.microsoft.com/office/drawing/2010/main" val="0"/>
-              </a:ext>
-            </a:extLst>
-          </a:blip>
-          <a:srcRect/>
-          <a:stretch>
-            <a:fillRect/>
-          </a:stretch>
-        </p:blipFill>
-        <p:spPr bwMode="auto">
-          <a:xfrm>
-            <a:off x="6400800" y="2070933"/>
-            <a:ext cx="2438400" cy="1828800"/>
-          </a:xfrm>
-          <a:prstGeom prst="rect">
-            <a:avLst/>
-          </a:prstGeom>
-          <a:ln>
-            <a:noFill/>
-          </a:ln>
-          <a:effectLst>
-            <a:outerShdw blurRad="190500" algn="tl" rotWithShape="0">
-              <a:srgbClr val="000000">
-                <a:alpha val="70000"/>
-              </a:srgbClr>
-            </a:outerShdw>
-          </a:effectLst>
-          <a:extLst>
-            <a:ext uri="{909E8E84-426E-40DD-AFC4-6F175D3DCCD1}">
-              <a14:hiddenFill xmlns:a14="http://schemas.microsoft.com/office/drawing/2010/main">
-                <a:solidFill>
-                  <a:schemeClr val="accent1"/>
-                </a:solidFill>
-              </a14:hiddenFill>
-            </a:ext>
-            <a:ext uri="{91240B29-F687-4F45-9708-019B960494DF}">
-              <a14:hiddenLine xmlns:a14="http://schemas.microsoft.com/office/drawing/2010/main" w="9525">
-                <a:solidFill>
-                  <a:schemeClr val="tx1"/>
-                </a:solidFill>
-                <a:miter lim="800000"/>
-                <a:headEnd/>
-                <a:tailEnd/>
-              </a14:hiddenLine>
-            </a:ext>
-          </a:extLst>
-        </p:spPr>
-      </p:pic>
-      <p:pic>
-        <p:nvPicPr>
-          <p:cNvPr id="13316" name="Picture 4"/>
-          <p:cNvPicPr>
-            <a:picLocks noChangeAspect="1" noChangeArrowheads="1"/>
-          </p:cNvPicPr>
-          <p:nvPr/>
-        </p:nvPicPr>
-        <p:blipFill>
-          <a:blip r:embed="rId4">
-            <a:extLst>
-              <a:ext uri="{28A0092B-C50C-407E-A947-70E740481C1C}">
-                <a14:useLocalDpi xmlns:a14="http://schemas.microsoft.com/office/drawing/2010/main" val="0"/>
-              </a:ext>
-            </a:extLst>
-          </a:blip>
-          <a:srcRect/>
-          <a:stretch>
-            <a:fillRect/>
-          </a:stretch>
-        </p:blipFill>
-        <p:spPr bwMode="auto">
-          <a:xfrm>
-            <a:off x="3642730" y="2299533"/>
-            <a:ext cx="2438400" cy="1828800"/>
-          </a:xfrm>
-          <a:prstGeom prst="rect">
-            <a:avLst/>
-          </a:prstGeom>
-          <a:ln>
-            <a:noFill/>
-          </a:ln>
-          <a:effectLst>
-            <a:outerShdw blurRad="190500" algn="tl" rotWithShape="0">
-              <a:srgbClr val="000000">
-                <a:alpha val="70000"/>
-              </a:srgbClr>
-            </a:outerShdw>
-          </a:effectLst>
-          <a:extLst>
-            <a:ext uri="{909E8E84-426E-40DD-AFC4-6F175D3DCCD1}">
-              <a14:hiddenFill xmlns:a14="http://schemas.microsoft.com/office/drawing/2010/main">
-                <a:solidFill>
-                  <a:schemeClr val="accent1"/>
-                </a:solidFill>
-              </a14:hiddenFill>
-            </a:ext>
-            <a:ext uri="{91240B29-F687-4F45-9708-019B960494DF}">
-              <a14:hiddenLine xmlns:a14="http://schemas.microsoft.com/office/drawing/2010/main" w="9525">
-                <a:solidFill>
-                  <a:schemeClr val="tx1"/>
-                </a:solidFill>
-                <a:miter lim="800000"/>
-                <a:headEnd/>
-                <a:tailEnd/>
-              </a14:hiddenLine>
-            </a:ext>
-          </a:extLst>
-        </p:spPr>
-      </p:pic>
-      <p:sp>
-        <p:nvSpPr>
-          <p:cNvPr id="8" name="Round Same Side Corner Rectangle 7"/>
-          <p:cNvSpPr/>
-          <p:nvPr/>
-        </p:nvSpPr>
-        <p:spPr>
-          <a:xfrm>
-            <a:off x="875782" y="1833455"/>
-            <a:ext cx="1371600" cy="228600"/>
-          </a:xfrm>
-          <a:prstGeom prst="round2SameRect">
-            <a:avLst/>
-          </a:prstGeom>
-          <a:solidFill>
-            <a:schemeClr val="accent6">
-              <a:lumMod val="40000"/>
-              <a:lumOff val="60000"/>
-            </a:schemeClr>
-          </a:solidFill>
-          <a:ln>
-            <a:noFill/>
-          </a:ln>
-        </p:spPr>
-        <p:style>
-          <a:lnRef idx="2">
-            <a:schemeClr val="accent1">
-              <a:shade val="50000"/>
-            </a:schemeClr>
-          </a:lnRef>
-          <a:fillRef idx="1">
-            <a:schemeClr val="accent1"/>
-          </a:fillRef>
-          <a:effectRef idx="0">
-            <a:schemeClr val="accent1"/>
-          </a:effectRef>
-          <a:fontRef idx="minor">
-            <a:schemeClr val="lt1"/>
-          </a:fontRef>
-        </p:style>
-        <p:txBody>
-          <a:bodyPr rtlCol="0" anchor="ctr"/>
-          <a:lstStyle/>
-          <a:p>
-            <a:r>
-              <a:rPr lang="en-US" dirty="0" smtClean="0"/>
-              <a:t>start slide</a:t>
-            </a:r>
-            <a:endParaRPr lang="en-SG" dirty="0"/>
-          </a:p>
-        </p:txBody>
-      </p:sp>
-      <p:sp>
-        <p:nvSpPr>
-          <p:cNvPr id="12" name="Round Same Side Corner Rectangle 11"/>
-          <p:cNvSpPr/>
-          <p:nvPr/>
-        </p:nvSpPr>
-        <p:spPr>
-          <a:xfrm>
-            <a:off x="6400800" y="1823838"/>
-            <a:ext cx="1371600" cy="228600"/>
-          </a:xfrm>
-          <a:prstGeom prst="round2SameRect">
-            <a:avLst/>
-          </a:prstGeom>
-          <a:solidFill>
-            <a:schemeClr val="accent6">
-              <a:lumMod val="40000"/>
-              <a:lumOff val="60000"/>
-            </a:schemeClr>
-          </a:solidFill>
-          <a:ln>
-            <a:noFill/>
-          </a:ln>
-        </p:spPr>
-        <p:style>
-          <a:lnRef idx="2">
-            <a:schemeClr val="accent1">
-              <a:shade val="50000"/>
-            </a:schemeClr>
-          </a:lnRef>
-          <a:fillRef idx="1">
-            <a:schemeClr val="accent1"/>
-          </a:fillRef>
-          <a:effectRef idx="0">
-            <a:schemeClr val="accent1"/>
-          </a:effectRef>
-          <a:fontRef idx="minor">
-            <a:schemeClr val="lt1"/>
-          </a:fontRef>
-        </p:style>
-        <p:txBody>
-          <a:bodyPr rtlCol="0" anchor="ctr"/>
-          <a:lstStyle/>
-          <a:p>
-            <a:r>
-              <a:rPr lang="en-US" dirty="0" smtClean="0"/>
-              <a:t>end slide</a:t>
-            </a:r>
-            <a:endParaRPr lang="en-SG" dirty="0"/>
-          </a:p>
-        </p:txBody>
-      </p:sp>
-      <p:sp>
-        <p:nvSpPr>
-          <p:cNvPr id="13" name="Round Same Side Corner Rectangle 12"/>
-          <p:cNvSpPr/>
-          <p:nvPr/>
-        </p:nvSpPr>
-        <p:spPr>
-          <a:xfrm>
-            <a:off x="3642730" y="2062055"/>
-            <a:ext cx="1692010" cy="228600"/>
-          </a:xfrm>
-          <a:prstGeom prst="round2SameRect">
-            <a:avLst/>
-          </a:prstGeom>
-          <a:solidFill>
-            <a:schemeClr val="accent6">
-              <a:lumMod val="40000"/>
-              <a:lumOff val="60000"/>
-            </a:schemeClr>
-          </a:solidFill>
-          <a:ln>
-            <a:noFill/>
-          </a:ln>
-        </p:spPr>
-        <p:style>
-          <a:lnRef idx="2">
-            <a:schemeClr val="accent1">
-              <a:shade val="50000"/>
-            </a:schemeClr>
-          </a:lnRef>
-          <a:fillRef idx="1">
-            <a:schemeClr val="accent1"/>
-          </a:fillRef>
-          <a:effectRef idx="0">
-            <a:schemeClr val="accent1"/>
-          </a:effectRef>
-          <a:fontRef idx="minor">
-            <a:schemeClr val="lt1"/>
-          </a:fontRef>
-        </p:style>
-        <p:txBody>
-          <a:bodyPr rtlCol="0" anchor="ctr"/>
-          <a:lstStyle/>
-          <a:p>
-            <a:r>
-              <a:rPr lang="en-US" dirty="0" smtClean="0"/>
-              <a:t>animation slide</a:t>
-            </a:r>
-            <a:endParaRPr lang="en-SG" dirty="0"/>
-          </a:p>
-        </p:txBody>
-      </p:sp>
-      <mc:AlternateContent xmlns:mc="http://schemas.openxmlformats.org/markup-compatibility/2006" xmlns:p14="http://schemas.microsoft.com/office/powerpoint/2010/main">
-        <mc:Choice Requires="p14">
-          <p:contentPart p14:bwMode="auto" r:id="rId5">
-            <p14:nvContentPartPr>
-              <p14:cNvPr id="18" name="Ink 17"/>
-              <p14:cNvContentPartPr/>
-              <p14:nvPr/>
-            </p14:nvContentPartPr>
-            <p14:xfrm rot="4325835">
-              <a:off x="2857153" y="1237413"/>
-              <a:ext cx="414720" cy="1131063"/>
-            </p14:xfrm>
-          </p:contentPart>
-        </mc:Choice>
-        <mc:Fallback xmlns="">
-          <p:pic>
-            <p:nvPicPr>
-              <p:cNvPr id="18" name="Ink 17"/>
-              <p:cNvPicPr/>
-              <p:nvPr/>
-            </p:nvPicPr>
-            <p:blipFill>
-              <a:blip r:embed="rId6"/>
-              <a:stretch>
-                <a:fillRect/>
-              </a:stretch>
-            </p:blipFill>
-            <p:spPr>
-              <a:xfrm rot="4325835">
-                <a:off x="2831953" y="1224814"/>
-                <a:ext cx="470160" cy="1173901"/>
-              </a:xfrm>
-              <a:prstGeom prst="rect">
-                <a:avLst/>
-              </a:prstGeom>
-            </p:spPr>
-          </p:pic>
-        </mc:Fallback>
-      </mc:AlternateContent>
-      <mc:AlternateContent xmlns:mc="http://schemas.openxmlformats.org/markup-compatibility/2006" xmlns:p14="http://schemas.microsoft.com/office/powerpoint/2010/main">
-        <mc:Choice Requires="p14">
-          <p:contentPart p14:bwMode="auto" r:id="rId7">
-            <p14:nvContentPartPr>
-              <p14:cNvPr id="19" name="Ink 18"/>
-              <p14:cNvContentPartPr/>
-              <p14:nvPr/>
-            </p14:nvContentPartPr>
-            <p14:xfrm rot="17274165" flipH="1">
-              <a:off x="5804732" y="1237413"/>
-              <a:ext cx="414720" cy="1131063"/>
-            </p14:xfrm>
-          </p:contentPart>
-        </mc:Choice>
-        <mc:Fallback xmlns="">
-          <p:pic>
-            <p:nvPicPr>
-              <p:cNvPr id="19" name="Ink 18"/>
-              <p:cNvPicPr/>
-              <p:nvPr/>
-            </p:nvPicPr>
-            <p:blipFill>
-              <a:blip r:embed="rId8"/>
-              <a:stretch>
-                <a:fillRect/>
-              </a:stretch>
-            </p:blipFill>
-            <p:spPr>
-              <a:xfrm rot="17274165" flipH="1">
-                <a:off x="5774492" y="1224814"/>
-                <a:ext cx="470520" cy="1173901"/>
-              </a:xfrm>
-              <a:prstGeom prst="rect">
-                <a:avLst/>
-              </a:prstGeom>
-            </p:spPr>
-          </p:pic>
-        </mc:Fallback>
-      </mc:AlternateContent>
-      <p:pic>
-        <p:nvPicPr>
-          <p:cNvPr id="13317" name="Picture 5"/>
-          <p:cNvPicPr>
-            <a:picLocks noChangeAspect="1" noChangeArrowheads="1"/>
-          </p:cNvPicPr>
-          <p:nvPr/>
-        </p:nvPicPr>
-        <p:blipFill>
-          <a:blip r:embed="rId9">
-            <a:extLst>
-              <a:ext uri="{28A0092B-C50C-407E-A947-70E740481C1C}">
-                <a14:useLocalDpi xmlns:a14="http://schemas.microsoft.com/office/drawing/2010/main" val="0"/>
-              </a:ext>
-            </a:extLst>
-          </a:blip>
-          <a:srcRect/>
-          <a:stretch>
-            <a:fillRect/>
-          </a:stretch>
-        </p:blipFill>
-        <p:spPr bwMode="auto">
-          <a:xfrm>
-            <a:off x="3021934" y="5218318"/>
-            <a:ext cx="859837" cy="953882"/>
-          </a:xfrm>
-          <a:prstGeom prst="rect">
-            <a:avLst/>
-          </a:prstGeom>
-          <a:noFill/>
-          <a:ln w="9525">
-            <a:solidFill>
-              <a:schemeClr val="bg1">
-                <a:lumMod val="85000"/>
-              </a:schemeClr>
-            </a:solidFill>
-            <a:miter lim="800000"/>
-            <a:headEnd/>
-            <a:tailEnd/>
-          </a:ln>
-          <a:extLst>
-            <a:ext uri="{909E8E84-426E-40DD-AFC4-6F175D3DCCD1}">
-              <a14:hiddenFill xmlns:a14="http://schemas.microsoft.com/office/drawing/2010/main">
-                <a:solidFill>
-                  <a:schemeClr val="accent1"/>
-                </a:solidFill>
-              </a14:hiddenFill>
-            </a:ext>
-          </a:extLst>
-        </p:spPr>
-      </p:pic>
-    </p:spTree>
-    <p:extLst>
-      <p:ext uri="{BB962C8B-B14F-4D97-AF65-F5344CB8AC3E}">
-        <p14:creationId xmlns:p14="http://schemas.microsoft.com/office/powerpoint/2010/main" val="2018958690"/>
-      </p:ext>
-    </p:extLst>
-  </p:cSld>
-  <p:clrMapOvr>
-    <a:masterClrMapping/>
-  </p:clrMapOvr>
-  <p:timing>
-    <p:tnLst>
-      <p:par>
-        <p:cTn id="1" dur="indefinite" restart="never" nodeType="tmRoot"/>
-      </p:par>
-    </p:tnLst>
-  </p:timing>
-</p:sld>
-</file>
-
-<file path=ppt/slides/slide15.xml><?xml version="1.0" encoding="utf-8"?>
-<p:sld xmlns:a="http://schemas.openxmlformats.org/drawingml/2006/main" xmlns:r="http://schemas.openxmlformats.org/officeDocument/2006/relationships" xmlns:p="http://schemas.openxmlformats.org/presentationml/2006/main">
-  <p:cSld>
-    <p:spTree>
-      <p:nvGrpSpPr>
-        <p:cNvPr id="1" name=""/>
-        <p:cNvGrpSpPr/>
-        <p:nvPr/>
-      </p:nvGrpSpPr>
-      <p:grpSpPr>
-        <a:xfrm>
-          <a:off x="0" y="0"/>
-          <a:ext cx="0" cy="0"/>
-          <a:chOff x="0" y="0"/>
-          <a:chExt cx="0" cy="0"/>
-        </a:xfrm>
-      </p:grpSpPr>
-      <p:sp>
-        <p:nvSpPr>
-          <p:cNvPr id="4" name="TextBox 3"/>
-          <p:cNvSpPr txBox="1"/>
-          <p:nvPr/>
-        </p:nvSpPr>
-        <p:spPr>
-          <a:xfrm>
             <a:off x="3139292" y="3124200"/>
             <a:ext cx="4328307" cy="369332"/>
           </a:xfrm>
@@ -8430,7 +7817,7 @@
 </p:sld>
 </file>
 
-<file path=ppt/slides/slide16.xml><?xml version="1.0" encoding="utf-8"?>
+<file path=ppt/slides/slide15.xml><?xml version="1.0" encoding="utf-8"?>
 <p:sld xmlns:a="http://schemas.openxmlformats.org/drawingml/2006/main" xmlns:r="http://schemas.openxmlformats.org/officeDocument/2006/relationships" xmlns:p="http://schemas.openxmlformats.org/presentationml/2006/main">
   <p:cSld>
     <p:spTree>
@@ -8978,7 +8365,7 @@
 </p:sld>
 </file>
 
-<file path=ppt/slides/slide17.xml><?xml version="1.0" encoding="utf-8"?>
+<file path=ppt/slides/slide16.xml><?xml version="1.0" encoding="utf-8"?>
 <p:sld xmlns:a="http://schemas.openxmlformats.org/drawingml/2006/main" xmlns:r="http://schemas.openxmlformats.org/officeDocument/2006/relationships" xmlns:p="http://schemas.openxmlformats.org/presentationml/2006/main">
   <p:cSld>
     <p:spTree>
@@ -10231,7 +9618,7 @@
 </p:sld>
 </file>
 
-<file path=ppt/slides/slide18.xml><?xml version="1.0" encoding="utf-8"?>
+<file path=ppt/slides/slide17.xml><?xml version="1.0" encoding="utf-8"?>
 <p:sld xmlns:a="http://schemas.openxmlformats.org/drawingml/2006/main" xmlns:r="http://schemas.openxmlformats.org/officeDocument/2006/relationships" xmlns:p="http://schemas.openxmlformats.org/presentationml/2006/main">
   <p:cSld>
     <p:spTree>
@@ -10380,27 +9767,7 @@
                   </a:schemeClr>
                 </a:solidFill>
               </a:rPr>
-              <a:t> ‘Play’ the slide show (      ) to see the zooming and panning effects generated by </a:t>
-            </a:r>
-            <a:r>
-              <a:rPr lang="en-US" dirty="0" err="1" smtClean="0">
-                <a:solidFill>
-                  <a:schemeClr val="accent6">
-                    <a:lumMod val="75000"/>
-                  </a:schemeClr>
-                </a:solidFill>
-              </a:rPr>
-              <a:t>PowerPointLabs</a:t>
-            </a:r>
-            <a:r>
-              <a:rPr lang="en-US" dirty="0" smtClean="0">
-                <a:solidFill>
-                  <a:schemeClr val="accent6">
-                    <a:lumMod val="75000"/>
-                  </a:schemeClr>
-                </a:solidFill>
-              </a:rPr>
-              <a:t>. If you would like each zoom/pan effect to be put in a separate slide, click the expand (      )  icon below the </a:t>
+              <a:t> ‘Play’ the slide show (      ) to see the zooming and panning effects generated by PowerPointLabs. If you would like each zoom/pan effect to be put in a separate slide, click the expand (      )  icon below the </a:t>
             </a:r>
             <a:r>
               <a:rPr lang="en-US" i="1" dirty="0" smtClean="0">
@@ -11275,7 +10642,7 @@
 </p:sld>
 </file>
 
-<file path=ppt/slides/slide19.xml><?xml version="1.0" encoding="utf-8"?>
+<file path=ppt/slides/slide18.xml><?xml version="1.0" encoding="utf-8"?>
 <p:sld xmlns:a="http://schemas.openxmlformats.org/drawingml/2006/main" xmlns:r="http://schemas.openxmlformats.org/officeDocument/2006/relationships" xmlns:p="http://schemas.openxmlformats.org/presentationml/2006/main">
   <p:cSld>
     <p:spTree>
@@ -12219,27 +11586,7 @@
                   </a:schemeClr>
                 </a:solidFill>
               </a:rPr>
-              <a:t>effect generated by </a:t>
-            </a:r>
-            <a:r>
-              <a:rPr lang="en-US" dirty="0" err="1" smtClean="0">
-                <a:solidFill>
-                  <a:schemeClr val="accent6">
-                    <a:lumMod val="75000"/>
-                  </a:schemeClr>
-                </a:solidFill>
-              </a:rPr>
-              <a:t>PowerPointLabs</a:t>
-            </a:r>
-            <a:r>
-              <a:rPr lang="en-US" dirty="0" smtClean="0">
-                <a:solidFill>
-                  <a:schemeClr val="accent6">
-                    <a:lumMod val="75000"/>
-                  </a:schemeClr>
-                </a:solidFill>
-              </a:rPr>
-              <a:t>. The effect tells the audience which part of this slide corresponds to the content of the next slide. For example, here it gives audience the feeling that you are now drilling down to details about the ‘Process’ part of this slide.</a:t>
+              <a:t>effect generated by PowerPointLabs. The effect tells the audience which part of this slide corresponds to the content of the next slide. For example, here it gives audience the feeling that you are now drilling down to details about the ‘Process’ part of this slide.</a:t>
             </a:r>
             <a:endParaRPr lang="en-SG" dirty="0">
               <a:solidFill>
@@ -12369,6 +11716,552 @@
   <p:clrMapOvr>
     <a:masterClrMapping/>
   </p:clrMapOvr>
+  <p:timing>
+    <p:tnLst>
+      <p:par>
+        <p:cTn id="1" dur="indefinite" restart="never" nodeType="tmRoot"/>
+      </p:par>
+    </p:tnLst>
+  </p:timing>
+</p:sld>
+</file>
+
+<file path=ppt/slides/slide19.xml><?xml version="1.0" encoding="utf-8"?>
+<p:sld xmlns:a="http://schemas.openxmlformats.org/drawingml/2006/main" xmlns:r="http://schemas.openxmlformats.org/officeDocument/2006/relationships" xmlns:p="http://schemas.openxmlformats.org/presentationml/2006/main">
+  <p:cSld>
+    <p:bg>
+      <p:bgPr>
+        <a:solidFill>
+          <a:schemeClr val="accent1">
+            <a:lumMod val="20000"/>
+            <a:lumOff val="80000"/>
+          </a:schemeClr>
+        </a:solidFill>
+        <a:effectLst/>
+      </p:bgPr>
+    </p:bg>
+    <p:spTree>
+      <p:nvGrpSpPr>
+        <p:cNvPr id="1" name=""/>
+        <p:cNvGrpSpPr/>
+        <p:nvPr/>
+      </p:nvGrpSpPr>
+      <p:grpSpPr>
+        <a:xfrm>
+          <a:off x="0" y="0"/>
+          <a:ext cx="0" cy="0"/>
+          <a:chOff x="0" y="0"/>
+          <a:chExt cx="0" cy="0"/>
+        </a:xfrm>
+      </p:grpSpPr>
+      <p:sp>
+        <p:nvSpPr>
+          <p:cNvPr id="4" name="Flowchart: Delay 3"/>
+          <p:cNvSpPr/>
+          <p:nvPr/>
+        </p:nvSpPr>
+        <p:spPr>
+          <a:xfrm>
+            <a:off x="6477000" y="2438400"/>
+            <a:ext cx="1219200" cy="1219200"/>
+          </a:xfrm>
+          <a:prstGeom prst="flowChartDelay">
+            <a:avLst/>
+          </a:prstGeom>
+        </p:spPr>
+        <p:style>
+          <a:lnRef idx="0">
+            <a:schemeClr val="accent1"/>
+          </a:lnRef>
+          <a:fillRef idx="3">
+            <a:schemeClr val="accent1"/>
+          </a:fillRef>
+          <a:effectRef idx="3">
+            <a:schemeClr val="accent1"/>
+          </a:effectRef>
+          <a:fontRef idx="minor">
+            <a:schemeClr val="lt1"/>
+          </a:fontRef>
+        </p:style>
+        <p:txBody>
+          <a:bodyPr rtlCol="0" anchor="ctr"/>
+          <a:lstStyle/>
+          <a:p>
+            <a:pPr algn="ctr"/>
+            <a:r>
+              <a:rPr lang="en-US" sz="3200" b="1" dirty="0" smtClean="0"/>
+              <a:t>Z</a:t>
+            </a:r>
+            <a:endParaRPr lang="en-SG" sz="3200" b="1" dirty="0"/>
+          </a:p>
+        </p:txBody>
+      </p:sp>
+      <p:sp>
+        <p:nvSpPr>
+          <p:cNvPr id="5" name="Flowchart: Alternate Process 4"/>
+          <p:cNvSpPr/>
+          <p:nvPr/>
+        </p:nvSpPr>
+        <p:spPr>
+          <a:xfrm>
+            <a:off x="3200400" y="2476500"/>
+            <a:ext cx="2209800" cy="1143000"/>
+          </a:xfrm>
+          <a:prstGeom prst="flowChartAlternateProcess">
+            <a:avLst/>
+          </a:prstGeom>
+        </p:spPr>
+        <p:style>
+          <a:lnRef idx="0">
+            <a:schemeClr val="accent1"/>
+          </a:lnRef>
+          <a:fillRef idx="3">
+            <a:schemeClr val="accent1"/>
+          </a:fillRef>
+          <a:effectRef idx="3">
+            <a:schemeClr val="accent1"/>
+          </a:effectRef>
+          <a:fontRef idx="minor">
+            <a:schemeClr val="lt1"/>
+          </a:fontRef>
+        </p:style>
+        <p:txBody>
+          <a:bodyPr rtlCol="0" anchor="ctr"/>
+          <a:lstStyle/>
+          <a:p>
+            <a:pPr algn="ctr"/>
+            <a:r>
+              <a:rPr lang="en-US" sz="3200" b="1" dirty="0" smtClean="0"/>
+              <a:t>Y</a:t>
+            </a:r>
+            <a:endParaRPr lang="en-SG" sz="3200" b="1" dirty="0"/>
+          </a:p>
+        </p:txBody>
+      </p:sp>
+      <p:sp>
+        <p:nvSpPr>
+          <p:cNvPr id="7" name="Flowchart: Alternate Process 6"/>
+          <p:cNvSpPr/>
+          <p:nvPr/>
+        </p:nvSpPr>
+        <p:spPr>
+          <a:xfrm>
+            <a:off x="3192483" y="4495800"/>
+            <a:ext cx="2209800" cy="1143000"/>
+          </a:xfrm>
+          <a:prstGeom prst="flowChartAlternateProcess">
+            <a:avLst/>
+          </a:prstGeom>
+        </p:spPr>
+        <p:style>
+          <a:lnRef idx="0">
+            <a:schemeClr val="accent1"/>
+          </a:lnRef>
+          <a:fillRef idx="3">
+            <a:schemeClr val="accent1"/>
+          </a:fillRef>
+          <a:effectRef idx="3">
+            <a:schemeClr val="accent1"/>
+          </a:effectRef>
+          <a:fontRef idx="minor">
+            <a:schemeClr val="lt1"/>
+          </a:fontRef>
+        </p:style>
+        <p:txBody>
+          <a:bodyPr rtlCol="0" anchor="ctr"/>
+          <a:lstStyle/>
+          <a:p>
+            <a:pPr algn="ctr"/>
+            <a:r>
+              <a:rPr lang="en-US" sz="3200" b="1" dirty="0" smtClean="0"/>
+              <a:t>M</a:t>
+            </a:r>
+            <a:endParaRPr lang="en-SG" sz="3200" b="1" dirty="0"/>
+          </a:p>
+        </p:txBody>
+      </p:sp>
+      <p:sp>
+        <p:nvSpPr>
+          <p:cNvPr id="6" name="Flowchart: Manual Input 5"/>
+          <p:cNvSpPr/>
+          <p:nvPr/>
+        </p:nvSpPr>
+        <p:spPr>
+          <a:xfrm>
+            <a:off x="3192483" y="762000"/>
+            <a:ext cx="2209800" cy="838200"/>
+          </a:xfrm>
+          <a:prstGeom prst="flowChartManualInput">
+            <a:avLst/>
+          </a:prstGeom>
+        </p:spPr>
+        <p:style>
+          <a:lnRef idx="0">
+            <a:schemeClr val="accent1"/>
+          </a:lnRef>
+          <a:fillRef idx="3">
+            <a:schemeClr val="accent1"/>
+          </a:fillRef>
+          <a:effectRef idx="3">
+            <a:schemeClr val="accent1"/>
+          </a:effectRef>
+          <a:fontRef idx="minor">
+            <a:schemeClr val="lt1"/>
+          </a:fontRef>
+        </p:style>
+        <p:txBody>
+          <a:bodyPr rtlCol="0" anchor="ctr"/>
+          <a:lstStyle/>
+          <a:p>
+            <a:pPr algn="ctr"/>
+            <a:r>
+              <a:rPr lang="en-US" sz="3200" b="1" dirty="0" smtClean="0"/>
+              <a:t>L</a:t>
+            </a:r>
+            <a:endParaRPr lang="en-SG" sz="3200" b="1" dirty="0"/>
+          </a:p>
+        </p:txBody>
+      </p:sp>
+      <p:sp>
+        <p:nvSpPr>
+          <p:cNvPr id="8" name="Flowchart: Document 7"/>
+          <p:cNvSpPr/>
+          <p:nvPr/>
+        </p:nvSpPr>
+        <p:spPr>
+          <a:xfrm rot="5400000">
+            <a:off x="1447800" y="2514600"/>
+            <a:ext cx="914400" cy="1066800"/>
+          </a:xfrm>
+          <a:prstGeom prst="flowChartDocument">
+            <a:avLst/>
+          </a:prstGeom>
+        </p:spPr>
+        <p:style>
+          <a:lnRef idx="0">
+            <a:schemeClr val="accent1"/>
+          </a:lnRef>
+          <a:fillRef idx="3">
+            <a:schemeClr val="accent1"/>
+          </a:fillRef>
+          <a:effectRef idx="3">
+            <a:schemeClr val="accent1"/>
+          </a:effectRef>
+          <a:fontRef idx="minor">
+            <a:schemeClr val="lt1"/>
+          </a:fontRef>
+        </p:style>
+        <p:txBody>
+          <a:bodyPr vert="vert270" rtlCol="0" anchor="ctr"/>
+          <a:lstStyle/>
+          <a:p>
+            <a:pPr algn="ctr"/>
+            <a:r>
+              <a:rPr lang="en-US" sz="3200" b="1" dirty="0" smtClean="0"/>
+              <a:t>X</a:t>
+            </a:r>
+            <a:endParaRPr lang="en-SG" sz="3200" b="1" dirty="0"/>
+          </a:p>
+        </p:txBody>
+      </p:sp>
+      <p:sp>
+        <p:nvSpPr>
+          <p:cNvPr id="9" name="Right Arrow 8"/>
+          <p:cNvSpPr/>
+          <p:nvPr/>
+        </p:nvSpPr>
+        <p:spPr>
+          <a:xfrm>
+            <a:off x="2619500" y="2819400"/>
+            <a:ext cx="457200" cy="457200"/>
+          </a:xfrm>
+          <a:prstGeom prst="rightArrow">
+            <a:avLst/>
+          </a:prstGeom>
+          <a:solidFill>
+            <a:schemeClr val="accent1"/>
+          </a:solidFill>
+          <a:ln>
+            <a:noFill/>
+          </a:ln>
+        </p:spPr>
+        <p:style>
+          <a:lnRef idx="2">
+            <a:schemeClr val="accent1">
+              <a:shade val="50000"/>
+            </a:schemeClr>
+          </a:lnRef>
+          <a:fillRef idx="1">
+            <a:schemeClr val="accent1"/>
+          </a:fillRef>
+          <a:effectRef idx="0">
+            <a:schemeClr val="accent1"/>
+          </a:effectRef>
+          <a:fontRef idx="minor">
+            <a:schemeClr val="lt1"/>
+          </a:fontRef>
+        </p:style>
+        <p:txBody>
+          <a:bodyPr rtlCol="0" anchor="ctr"/>
+          <a:lstStyle/>
+          <a:p>
+            <a:pPr algn="ctr"/>
+            <a:endParaRPr lang="en-SG" sz="3200" b="1"/>
+          </a:p>
+        </p:txBody>
+      </p:sp>
+      <p:sp>
+        <p:nvSpPr>
+          <p:cNvPr id="11" name="Right Arrow 10"/>
+          <p:cNvSpPr/>
+          <p:nvPr/>
+        </p:nvSpPr>
+        <p:spPr>
+          <a:xfrm>
+            <a:off x="5638800" y="2819400"/>
+            <a:ext cx="685800" cy="457200"/>
+          </a:xfrm>
+          <a:prstGeom prst="rightArrow">
+            <a:avLst/>
+          </a:prstGeom>
+          <a:solidFill>
+            <a:schemeClr val="accent1"/>
+          </a:solidFill>
+          <a:ln>
+            <a:noFill/>
+          </a:ln>
+        </p:spPr>
+        <p:style>
+          <a:lnRef idx="2">
+            <a:schemeClr val="accent1">
+              <a:shade val="50000"/>
+            </a:schemeClr>
+          </a:lnRef>
+          <a:fillRef idx="1">
+            <a:schemeClr val="accent1"/>
+          </a:fillRef>
+          <a:effectRef idx="0">
+            <a:schemeClr val="accent1"/>
+          </a:effectRef>
+          <a:fontRef idx="minor">
+            <a:schemeClr val="lt1"/>
+          </a:fontRef>
+        </p:style>
+        <p:txBody>
+          <a:bodyPr rtlCol="0" anchor="ctr"/>
+          <a:lstStyle/>
+          <a:p>
+            <a:pPr algn="ctr"/>
+            <a:endParaRPr lang="en-SG" sz="3200" b="1"/>
+          </a:p>
+        </p:txBody>
+      </p:sp>
+      <p:sp>
+        <p:nvSpPr>
+          <p:cNvPr id="12" name="Right Arrow 11"/>
+          <p:cNvSpPr/>
+          <p:nvPr/>
+        </p:nvSpPr>
+        <p:spPr>
+          <a:xfrm rot="5400000">
+            <a:off x="4068783" y="1905000"/>
+            <a:ext cx="457200" cy="457200"/>
+          </a:xfrm>
+          <a:prstGeom prst="rightArrow">
+            <a:avLst/>
+          </a:prstGeom>
+          <a:solidFill>
+            <a:schemeClr val="accent1"/>
+          </a:solidFill>
+          <a:ln>
+            <a:noFill/>
+          </a:ln>
+        </p:spPr>
+        <p:style>
+          <a:lnRef idx="2">
+            <a:schemeClr val="accent1">
+              <a:shade val="50000"/>
+            </a:schemeClr>
+          </a:lnRef>
+          <a:fillRef idx="1">
+            <a:schemeClr val="accent1"/>
+          </a:fillRef>
+          <a:effectRef idx="0">
+            <a:schemeClr val="accent1"/>
+          </a:effectRef>
+          <a:fontRef idx="minor">
+            <a:schemeClr val="lt1"/>
+          </a:fontRef>
+        </p:style>
+        <p:txBody>
+          <a:bodyPr rtlCol="0" anchor="ctr"/>
+          <a:lstStyle/>
+          <a:p>
+            <a:pPr algn="ctr"/>
+            <a:endParaRPr lang="en-SG" sz="3200" b="1"/>
+          </a:p>
+        </p:txBody>
+      </p:sp>
+      <p:sp>
+        <p:nvSpPr>
+          <p:cNvPr id="13" name="Right Arrow 12"/>
+          <p:cNvSpPr/>
+          <p:nvPr/>
+        </p:nvSpPr>
+        <p:spPr>
+          <a:xfrm rot="5400000">
+            <a:off x="4078679" y="3886200"/>
+            <a:ext cx="457200" cy="457200"/>
+          </a:xfrm>
+          <a:prstGeom prst="rightArrow">
+            <a:avLst/>
+          </a:prstGeom>
+          <a:solidFill>
+            <a:schemeClr val="accent1"/>
+          </a:solidFill>
+          <a:ln>
+            <a:noFill/>
+          </a:ln>
+        </p:spPr>
+        <p:style>
+          <a:lnRef idx="2">
+            <a:schemeClr val="accent1">
+              <a:shade val="50000"/>
+            </a:schemeClr>
+          </a:lnRef>
+          <a:fillRef idx="1">
+            <a:schemeClr val="accent1"/>
+          </a:fillRef>
+          <a:effectRef idx="0">
+            <a:schemeClr val="accent1"/>
+          </a:effectRef>
+          <a:fontRef idx="minor">
+            <a:schemeClr val="lt1"/>
+          </a:fontRef>
+        </p:style>
+        <p:txBody>
+          <a:bodyPr rtlCol="0" anchor="ctr"/>
+          <a:lstStyle/>
+          <a:p>
+            <a:pPr algn="ctr"/>
+            <a:endParaRPr lang="en-SG" sz="3200" b="1"/>
+          </a:p>
+        </p:txBody>
+      </p:sp>
+      <p:sp>
+        <p:nvSpPr>
+          <p:cNvPr id="14" name="Right Arrow 13"/>
+          <p:cNvSpPr/>
+          <p:nvPr/>
+        </p:nvSpPr>
+        <p:spPr>
+          <a:xfrm>
+            <a:off x="685800" y="2819400"/>
+            <a:ext cx="457200" cy="457200"/>
+          </a:xfrm>
+          <a:prstGeom prst="rightArrow">
+            <a:avLst/>
+          </a:prstGeom>
+          <a:solidFill>
+            <a:schemeClr val="accent1"/>
+          </a:solidFill>
+          <a:ln>
+            <a:noFill/>
+          </a:ln>
+        </p:spPr>
+        <p:style>
+          <a:lnRef idx="2">
+            <a:schemeClr val="accent1">
+              <a:shade val="50000"/>
+            </a:schemeClr>
+          </a:lnRef>
+          <a:fillRef idx="1">
+            <a:schemeClr val="accent1"/>
+          </a:fillRef>
+          <a:effectRef idx="0">
+            <a:schemeClr val="accent1"/>
+          </a:effectRef>
+          <a:fontRef idx="minor">
+            <a:schemeClr val="lt1"/>
+          </a:fontRef>
+        </p:style>
+        <p:txBody>
+          <a:bodyPr rtlCol="0" anchor="ctr"/>
+          <a:lstStyle/>
+          <a:p>
+            <a:pPr algn="ctr"/>
+            <a:endParaRPr lang="en-SG" sz="3200" b="1"/>
+          </a:p>
+        </p:txBody>
+      </p:sp>
+      <p:sp>
+        <p:nvSpPr>
+          <p:cNvPr id="15" name="Right Arrow 14"/>
+          <p:cNvSpPr/>
+          <p:nvPr/>
+        </p:nvSpPr>
+        <p:spPr>
+          <a:xfrm>
+            <a:off x="8153400" y="2803566"/>
+            <a:ext cx="457200" cy="457200"/>
+          </a:xfrm>
+          <a:prstGeom prst="rightArrow">
+            <a:avLst/>
+          </a:prstGeom>
+          <a:solidFill>
+            <a:schemeClr val="accent1"/>
+          </a:solidFill>
+          <a:ln>
+            <a:noFill/>
+          </a:ln>
+        </p:spPr>
+        <p:style>
+          <a:lnRef idx="2">
+            <a:schemeClr val="accent1">
+              <a:shade val="50000"/>
+            </a:schemeClr>
+          </a:lnRef>
+          <a:fillRef idx="1">
+            <a:schemeClr val="accent1"/>
+          </a:fillRef>
+          <a:effectRef idx="0">
+            <a:schemeClr val="accent1"/>
+          </a:effectRef>
+          <a:fontRef idx="minor">
+            <a:schemeClr val="lt1"/>
+          </a:fontRef>
+        </p:style>
+        <p:txBody>
+          <a:bodyPr rtlCol="0" anchor="ctr"/>
+          <a:lstStyle/>
+          <a:p>
+            <a:pPr algn="ctr"/>
+            <a:endParaRPr lang="en-SG" sz="3200" b="1"/>
+          </a:p>
+        </p:txBody>
+      </p:sp>
+    </p:spTree>
+    <p:extLst>
+      <p:ext uri="{BB962C8B-B14F-4D97-AF65-F5344CB8AC3E}">
+        <p14:creationId xmlns:p14="http://schemas.microsoft.com/office/powerpoint/2010/main" val="3510104165"/>
+      </p:ext>
+    </p:extLst>
+  </p:cSld>
+  <p:clrMapOvr>
+    <a:masterClrMapping/>
+  </p:clrMapOvr>
+  <mc:AlternateContent xmlns:mc="http://schemas.openxmlformats.org/markup-compatibility/2006" xmlns:p14="http://schemas.microsoft.com/office/powerpoint/2010/main">
+    <mc:Choice Requires="p14">
+      <p:transition p14:dur="250">
+        <p:fade/>
+      </p:transition>
+    </mc:Choice>
+    <mc:Fallback xmlns="">
+      <p:transition>
+        <p:fade/>
+      </p:transition>
+    </mc:Fallback>
+  </mc:AlternateContent>
   <p:timing>
     <p:tnLst>
       <p:par>
@@ -12606,552 +12499,6 @@
 </file>
 
 <file path=ppt/slides/slide20.xml><?xml version="1.0" encoding="utf-8"?>
-<p:sld xmlns:a="http://schemas.openxmlformats.org/drawingml/2006/main" xmlns:r="http://schemas.openxmlformats.org/officeDocument/2006/relationships" xmlns:p="http://schemas.openxmlformats.org/presentationml/2006/main">
-  <p:cSld>
-    <p:bg>
-      <p:bgPr>
-        <a:solidFill>
-          <a:schemeClr val="accent1">
-            <a:lumMod val="20000"/>
-            <a:lumOff val="80000"/>
-          </a:schemeClr>
-        </a:solidFill>
-        <a:effectLst/>
-      </p:bgPr>
-    </p:bg>
-    <p:spTree>
-      <p:nvGrpSpPr>
-        <p:cNvPr id="1" name=""/>
-        <p:cNvGrpSpPr/>
-        <p:nvPr/>
-      </p:nvGrpSpPr>
-      <p:grpSpPr>
-        <a:xfrm>
-          <a:off x="0" y="0"/>
-          <a:ext cx="0" cy="0"/>
-          <a:chOff x="0" y="0"/>
-          <a:chExt cx="0" cy="0"/>
-        </a:xfrm>
-      </p:grpSpPr>
-      <p:sp>
-        <p:nvSpPr>
-          <p:cNvPr id="4" name="Flowchart: Delay 3"/>
-          <p:cNvSpPr/>
-          <p:nvPr/>
-        </p:nvSpPr>
-        <p:spPr>
-          <a:xfrm>
-            <a:off x="6477000" y="2438400"/>
-            <a:ext cx="1219200" cy="1219200"/>
-          </a:xfrm>
-          <a:prstGeom prst="flowChartDelay">
-            <a:avLst/>
-          </a:prstGeom>
-        </p:spPr>
-        <p:style>
-          <a:lnRef idx="0">
-            <a:schemeClr val="accent1"/>
-          </a:lnRef>
-          <a:fillRef idx="3">
-            <a:schemeClr val="accent1"/>
-          </a:fillRef>
-          <a:effectRef idx="3">
-            <a:schemeClr val="accent1"/>
-          </a:effectRef>
-          <a:fontRef idx="minor">
-            <a:schemeClr val="lt1"/>
-          </a:fontRef>
-        </p:style>
-        <p:txBody>
-          <a:bodyPr rtlCol="0" anchor="ctr"/>
-          <a:lstStyle/>
-          <a:p>
-            <a:pPr algn="ctr"/>
-            <a:r>
-              <a:rPr lang="en-US" sz="3200" b="1" dirty="0" smtClean="0"/>
-              <a:t>Z</a:t>
-            </a:r>
-            <a:endParaRPr lang="en-SG" sz="3200" b="1" dirty="0"/>
-          </a:p>
-        </p:txBody>
-      </p:sp>
-      <p:sp>
-        <p:nvSpPr>
-          <p:cNvPr id="5" name="Flowchart: Alternate Process 4"/>
-          <p:cNvSpPr/>
-          <p:nvPr/>
-        </p:nvSpPr>
-        <p:spPr>
-          <a:xfrm>
-            <a:off x="3200400" y="2476500"/>
-            <a:ext cx="2209800" cy="1143000"/>
-          </a:xfrm>
-          <a:prstGeom prst="flowChartAlternateProcess">
-            <a:avLst/>
-          </a:prstGeom>
-        </p:spPr>
-        <p:style>
-          <a:lnRef idx="0">
-            <a:schemeClr val="accent1"/>
-          </a:lnRef>
-          <a:fillRef idx="3">
-            <a:schemeClr val="accent1"/>
-          </a:fillRef>
-          <a:effectRef idx="3">
-            <a:schemeClr val="accent1"/>
-          </a:effectRef>
-          <a:fontRef idx="minor">
-            <a:schemeClr val="lt1"/>
-          </a:fontRef>
-        </p:style>
-        <p:txBody>
-          <a:bodyPr rtlCol="0" anchor="ctr"/>
-          <a:lstStyle/>
-          <a:p>
-            <a:pPr algn="ctr"/>
-            <a:r>
-              <a:rPr lang="en-US" sz="3200" b="1" dirty="0" smtClean="0"/>
-              <a:t>Y</a:t>
-            </a:r>
-            <a:endParaRPr lang="en-SG" sz="3200" b="1" dirty="0"/>
-          </a:p>
-        </p:txBody>
-      </p:sp>
-      <p:sp>
-        <p:nvSpPr>
-          <p:cNvPr id="7" name="Flowchart: Alternate Process 6"/>
-          <p:cNvSpPr/>
-          <p:nvPr/>
-        </p:nvSpPr>
-        <p:spPr>
-          <a:xfrm>
-            <a:off x="3192483" y="4495800"/>
-            <a:ext cx="2209800" cy="1143000"/>
-          </a:xfrm>
-          <a:prstGeom prst="flowChartAlternateProcess">
-            <a:avLst/>
-          </a:prstGeom>
-        </p:spPr>
-        <p:style>
-          <a:lnRef idx="0">
-            <a:schemeClr val="accent1"/>
-          </a:lnRef>
-          <a:fillRef idx="3">
-            <a:schemeClr val="accent1"/>
-          </a:fillRef>
-          <a:effectRef idx="3">
-            <a:schemeClr val="accent1"/>
-          </a:effectRef>
-          <a:fontRef idx="minor">
-            <a:schemeClr val="lt1"/>
-          </a:fontRef>
-        </p:style>
-        <p:txBody>
-          <a:bodyPr rtlCol="0" anchor="ctr"/>
-          <a:lstStyle/>
-          <a:p>
-            <a:pPr algn="ctr"/>
-            <a:r>
-              <a:rPr lang="en-US" sz="3200" b="1" dirty="0" smtClean="0"/>
-              <a:t>M</a:t>
-            </a:r>
-            <a:endParaRPr lang="en-SG" sz="3200" b="1" dirty="0"/>
-          </a:p>
-        </p:txBody>
-      </p:sp>
-      <p:sp>
-        <p:nvSpPr>
-          <p:cNvPr id="6" name="Flowchart: Manual Input 5"/>
-          <p:cNvSpPr/>
-          <p:nvPr/>
-        </p:nvSpPr>
-        <p:spPr>
-          <a:xfrm>
-            <a:off x="3192483" y="762000"/>
-            <a:ext cx="2209800" cy="838200"/>
-          </a:xfrm>
-          <a:prstGeom prst="flowChartManualInput">
-            <a:avLst/>
-          </a:prstGeom>
-        </p:spPr>
-        <p:style>
-          <a:lnRef idx="0">
-            <a:schemeClr val="accent1"/>
-          </a:lnRef>
-          <a:fillRef idx="3">
-            <a:schemeClr val="accent1"/>
-          </a:fillRef>
-          <a:effectRef idx="3">
-            <a:schemeClr val="accent1"/>
-          </a:effectRef>
-          <a:fontRef idx="minor">
-            <a:schemeClr val="lt1"/>
-          </a:fontRef>
-        </p:style>
-        <p:txBody>
-          <a:bodyPr rtlCol="0" anchor="ctr"/>
-          <a:lstStyle/>
-          <a:p>
-            <a:pPr algn="ctr"/>
-            <a:r>
-              <a:rPr lang="en-US" sz="3200" b="1" dirty="0" smtClean="0"/>
-              <a:t>L</a:t>
-            </a:r>
-            <a:endParaRPr lang="en-SG" sz="3200" b="1" dirty="0"/>
-          </a:p>
-        </p:txBody>
-      </p:sp>
-      <p:sp>
-        <p:nvSpPr>
-          <p:cNvPr id="8" name="Flowchart: Document 7"/>
-          <p:cNvSpPr/>
-          <p:nvPr/>
-        </p:nvSpPr>
-        <p:spPr>
-          <a:xfrm rot="5400000">
-            <a:off x="1447800" y="2514600"/>
-            <a:ext cx="914400" cy="1066800"/>
-          </a:xfrm>
-          <a:prstGeom prst="flowChartDocument">
-            <a:avLst/>
-          </a:prstGeom>
-        </p:spPr>
-        <p:style>
-          <a:lnRef idx="0">
-            <a:schemeClr val="accent1"/>
-          </a:lnRef>
-          <a:fillRef idx="3">
-            <a:schemeClr val="accent1"/>
-          </a:fillRef>
-          <a:effectRef idx="3">
-            <a:schemeClr val="accent1"/>
-          </a:effectRef>
-          <a:fontRef idx="minor">
-            <a:schemeClr val="lt1"/>
-          </a:fontRef>
-        </p:style>
-        <p:txBody>
-          <a:bodyPr vert="vert270" rtlCol="0" anchor="ctr"/>
-          <a:lstStyle/>
-          <a:p>
-            <a:pPr algn="ctr"/>
-            <a:r>
-              <a:rPr lang="en-US" sz="3200" b="1" dirty="0" smtClean="0"/>
-              <a:t>X</a:t>
-            </a:r>
-            <a:endParaRPr lang="en-SG" sz="3200" b="1" dirty="0"/>
-          </a:p>
-        </p:txBody>
-      </p:sp>
-      <p:sp>
-        <p:nvSpPr>
-          <p:cNvPr id="9" name="Right Arrow 8"/>
-          <p:cNvSpPr/>
-          <p:nvPr/>
-        </p:nvSpPr>
-        <p:spPr>
-          <a:xfrm>
-            <a:off x="2619500" y="2819400"/>
-            <a:ext cx="457200" cy="457200"/>
-          </a:xfrm>
-          <a:prstGeom prst="rightArrow">
-            <a:avLst/>
-          </a:prstGeom>
-          <a:solidFill>
-            <a:schemeClr val="accent1"/>
-          </a:solidFill>
-          <a:ln>
-            <a:noFill/>
-          </a:ln>
-        </p:spPr>
-        <p:style>
-          <a:lnRef idx="2">
-            <a:schemeClr val="accent1">
-              <a:shade val="50000"/>
-            </a:schemeClr>
-          </a:lnRef>
-          <a:fillRef idx="1">
-            <a:schemeClr val="accent1"/>
-          </a:fillRef>
-          <a:effectRef idx="0">
-            <a:schemeClr val="accent1"/>
-          </a:effectRef>
-          <a:fontRef idx="minor">
-            <a:schemeClr val="lt1"/>
-          </a:fontRef>
-        </p:style>
-        <p:txBody>
-          <a:bodyPr rtlCol="0" anchor="ctr"/>
-          <a:lstStyle/>
-          <a:p>
-            <a:pPr algn="ctr"/>
-            <a:endParaRPr lang="en-SG" sz="3200" b="1"/>
-          </a:p>
-        </p:txBody>
-      </p:sp>
-      <p:sp>
-        <p:nvSpPr>
-          <p:cNvPr id="11" name="Right Arrow 10"/>
-          <p:cNvSpPr/>
-          <p:nvPr/>
-        </p:nvSpPr>
-        <p:spPr>
-          <a:xfrm>
-            <a:off x="5638800" y="2819400"/>
-            <a:ext cx="685800" cy="457200"/>
-          </a:xfrm>
-          <a:prstGeom prst="rightArrow">
-            <a:avLst/>
-          </a:prstGeom>
-          <a:solidFill>
-            <a:schemeClr val="accent1"/>
-          </a:solidFill>
-          <a:ln>
-            <a:noFill/>
-          </a:ln>
-        </p:spPr>
-        <p:style>
-          <a:lnRef idx="2">
-            <a:schemeClr val="accent1">
-              <a:shade val="50000"/>
-            </a:schemeClr>
-          </a:lnRef>
-          <a:fillRef idx="1">
-            <a:schemeClr val="accent1"/>
-          </a:fillRef>
-          <a:effectRef idx="0">
-            <a:schemeClr val="accent1"/>
-          </a:effectRef>
-          <a:fontRef idx="minor">
-            <a:schemeClr val="lt1"/>
-          </a:fontRef>
-        </p:style>
-        <p:txBody>
-          <a:bodyPr rtlCol="0" anchor="ctr"/>
-          <a:lstStyle/>
-          <a:p>
-            <a:pPr algn="ctr"/>
-            <a:endParaRPr lang="en-SG" sz="3200" b="1"/>
-          </a:p>
-        </p:txBody>
-      </p:sp>
-      <p:sp>
-        <p:nvSpPr>
-          <p:cNvPr id="12" name="Right Arrow 11"/>
-          <p:cNvSpPr/>
-          <p:nvPr/>
-        </p:nvSpPr>
-        <p:spPr>
-          <a:xfrm rot="5400000">
-            <a:off x="4068783" y="1905000"/>
-            <a:ext cx="457200" cy="457200"/>
-          </a:xfrm>
-          <a:prstGeom prst="rightArrow">
-            <a:avLst/>
-          </a:prstGeom>
-          <a:solidFill>
-            <a:schemeClr val="accent1"/>
-          </a:solidFill>
-          <a:ln>
-            <a:noFill/>
-          </a:ln>
-        </p:spPr>
-        <p:style>
-          <a:lnRef idx="2">
-            <a:schemeClr val="accent1">
-              <a:shade val="50000"/>
-            </a:schemeClr>
-          </a:lnRef>
-          <a:fillRef idx="1">
-            <a:schemeClr val="accent1"/>
-          </a:fillRef>
-          <a:effectRef idx="0">
-            <a:schemeClr val="accent1"/>
-          </a:effectRef>
-          <a:fontRef idx="minor">
-            <a:schemeClr val="lt1"/>
-          </a:fontRef>
-        </p:style>
-        <p:txBody>
-          <a:bodyPr rtlCol="0" anchor="ctr"/>
-          <a:lstStyle/>
-          <a:p>
-            <a:pPr algn="ctr"/>
-            <a:endParaRPr lang="en-SG" sz="3200" b="1"/>
-          </a:p>
-        </p:txBody>
-      </p:sp>
-      <p:sp>
-        <p:nvSpPr>
-          <p:cNvPr id="13" name="Right Arrow 12"/>
-          <p:cNvSpPr/>
-          <p:nvPr/>
-        </p:nvSpPr>
-        <p:spPr>
-          <a:xfrm rot="5400000">
-            <a:off x="4078679" y="3886200"/>
-            <a:ext cx="457200" cy="457200"/>
-          </a:xfrm>
-          <a:prstGeom prst="rightArrow">
-            <a:avLst/>
-          </a:prstGeom>
-          <a:solidFill>
-            <a:schemeClr val="accent1"/>
-          </a:solidFill>
-          <a:ln>
-            <a:noFill/>
-          </a:ln>
-        </p:spPr>
-        <p:style>
-          <a:lnRef idx="2">
-            <a:schemeClr val="accent1">
-              <a:shade val="50000"/>
-            </a:schemeClr>
-          </a:lnRef>
-          <a:fillRef idx="1">
-            <a:schemeClr val="accent1"/>
-          </a:fillRef>
-          <a:effectRef idx="0">
-            <a:schemeClr val="accent1"/>
-          </a:effectRef>
-          <a:fontRef idx="minor">
-            <a:schemeClr val="lt1"/>
-          </a:fontRef>
-        </p:style>
-        <p:txBody>
-          <a:bodyPr rtlCol="0" anchor="ctr"/>
-          <a:lstStyle/>
-          <a:p>
-            <a:pPr algn="ctr"/>
-            <a:endParaRPr lang="en-SG" sz="3200" b="1"/>
-          </a:p>
-        </p:txBody>
-      </p:sp>
-      <p:sp>
-        <p:nvSpPr>
-          <p:cNvPr id="14" name="Right Arrow 13"/>
-          <p:cNvSpPr/>
-          <p:nvPr/>
-        </p:nvSpPr>
-        <p:spPr>
-          <a:xfrm>
-            <a:off x="685800" y="2819400"/>
-            <a:ext cx="457200" cy="457200"/>
-          </a:xfrm>
-          <a:prstGeom prst="rightArrow">
-            <a:avLst/>
-          </a:prstGeom>
-          <a:solidFill>
-            <a:schemeClr val="accent1"/>
-          </a:solidFill>
-          <a:ln>
-            <a:noFill/>
-          </a:ln>
-        </p:spPr>
-        <p:style>
-          <a:lnRef idx="2">
-            <a:schemeClr val="accent1">
-              <a:shade val="50000"/>
-            </a:schemeClr>
-          </a:lnRef>
-          <a:fillRef idx="1">
-            <a:schemeClr val="accent1"/>
-          </a:fillRef>
-          <a:effectRef idx="0">
-            <a:schemeClr val="accent1"/>
-          </a:effectRef>
-          <a:fontRef idx="minor">
-            <a:schemeClr val="lt1"/>
-          </a:fontRef>
-        </p:style>
-        <p:txBody>
-          <a:bodyPr rtlCol="0" anchor="ctr"/>
-          <a:lstStyle/>
-          <a:p>
-            <a:pPr algn="ctr"/>
-            <a:endParaRPr lang="en-SG" sz="3200" b="1"/>
-          </a:p>
-        </p:txBody>
-      </p:sp>
-      <p:sp>
-        <p:nvSpPr>
-          <p:cNvPr id="15" name="Right Arrow 14"/>
-          <p:cNvSpPr/>
-          <p:nvPr/>
-        </p:nvSpPr>
-        <p:spPr>
-          <a:xfrm>
-            <a:off x="8153400" y="2803566"/>
-            <a:ext cx="457200" cy="457200"/>
-          </a:xfrm>
-          <a:prstGeom prst="rightArrow">
-            <a:avLst/>
-          </a:prstGeom>
-          <a:solidFill>
-            <a:schemeClr val="accent1"/>
-          </a:solidFill>
-          <a:ln>
-            <a:noFill/>
-          </a:ln>
-        </p:spPr>
-        <p:style>
-          <a:lnRef idx="2">
-            <a:schemeClr val="accent1">
-              <a:shade val="50000"/>
-            </a:schemeClr>
-          </a:lnRef>
-          <a:fillRef idx="1">
-            <a:schemeClr val="accent1"/>
-          </a:fillRef>
-          <a:effectRef idx="0">
-            <a:schemeClr val="accent1"/>
-          </a:effectRef>
-          <a:fontRef idx="minor">
-            <a:schemeClr val="lt1"/>
-          </a:fontRef>
-        </p:style>
-        <p:txBody>
-          <a:bodyPr rtlCol="0" anchor="ctr"/>
-          <a:lstStyle/>
-          <a:p>
-            <a:pPr algn="ctr"/>
-            <a:endParaRPr lang="en-SG" sz="3200" b="1"/>
-          </a:p>
-        </p:txBody>
-      </p:sp>
-    </p:spTree>
-    <p:extLst>
-      <p:ext uri="{BB962C8B-B14F-4D97-AF65-F5344CB8AC3E}">
-        <p14:creationId xmlns:p14="http://schemas.microsoft.com/office/powerpoint/2010/main" val="3510104165"/>
-      </p:ext>
-    </p:extLst>
-  </p:cSld>
-  <p:clrMapOvr>
-    <a:masterClrMapping/>
-  </p:clrMapOvr>
-  <mc:AlternateContent xmlns:mc="http://schemas.openxmlformats.org/markup-compatibility/2006" xmlns:p14="http://schemas.microsoft.com/office/powerpoint/2010/main">
-    <mc:Choice Requires="p14">
-      <p:transition p14:dur="250">
-        <p:fade/>
-      </p:transition>
-    </mc:Choice>
-    <mc:Fallback xmlns="">
-      <p:transition>
-        <p:fade/>
-      </p:transition>
-    </mc:Fallback>
-  </mc:AlternateContent>
-  <p:timing>
-    <p:tnLst>
-      <p:par>
-        <p:cTn id="1" dur="indefinite" restart="never" nodeType="tmRoot"/>
-      </p:par>
-    </p:tnLst>
-  </p:timing>
-</p:sld>
-</file>
-
-<file path=ppt/slides/slide21.xml><?xml version="1.0" encoding="utf-8"?>
 <p:sld xmlns:a="http://schemas.openxmlformats.org/drawingml/2006/main" xmlns:r="http://schemas.openxmlformats.org/officeDocument/2006/relationships" xmlns:p="http://schemas.openxmlformats.org/presentationml/2006/main">
   <p:cSld>
     <p:spTree>
@@ -14206,7 +13553,7 @@
 </p:sld>
 </file>
 
-<file path=ppt/slides/slide22.xml><?xml version="1.0" encoding="utf-8"?>
+<file path=ppt/slides/slide21.xml><?xml version="1.0" encoding="utf-8"?>
 <p:sld xmlns:a="http://schemas.openxmlformats.org/drawingml/2006/main" xmlns:r="http://schemas.openxmlformats.org/officeDocument/2006/relationships" xmlns:p="http://schemas.openxmlformats.org/presentationml/2006/main">
   <p:cSld>
     <p:spTree>
@@ -14598,7 +13945,7 @@
 </p:sld>
 </file>
 
-<file path=ppt/slides/slide23.xml><?xml version="1.0" encoding="utf-8"?>
+<file path=ppt/slides/slide22.xml><?xml version="1.0" encoding="utf-8"?>
 <p:sld xmlns:a="http://schemas.openxmlformats.org/drawingml/2006/main" xmlns:r="http://schemas.openxmlformats.org/officeDocument/2006/relationships" xmlns:p="http://schemas.openxmlformats.org/presentationml/2006/main">
   <p:cSld>
     <p:spTree>
@@ -15188,7 +14535,7 @@
 </p:sld>
 </file>
 
-<file path=ppt/slides/slide24.xml><?xml version="1.0" encoding="utf-8"?>
+<file path=ppt/slides/slide23.xml><?xml version="1.0" encoding="utf-8"?>
 <p:sld xmlns:a="http://schemas.openxmlformats.org/drawingml/2006/main" xmlns:r="http://schemas.openxmlformats.org/officeDocument/2006/relationships" xmlns:p="http://schemas.openxmlformats.org/presentationml/2006/main">
   <p:cSld>
     <p:spTree>
@@ -15475,7 +14822,7 @@
 </p:sld>
 </file>
 
-<file path=ppt/slides/slide25.xml><?xml version="1.0" encoding="utf-8"?>
+<file path=ppt/slides/slide24.xml><?xml version="1.0" encoding="utf-8"?>
 <p:sld xmlns:a="http://schemas.openxmlformats.org/drawingml/2006/main" xmlns:r="http://schemas.openxmlformats.org/officeDocument/2006/relationships" xmlns:p="http://schemas.openxmlformats.org/presentationml/2006/main">
   <p:cSld>
     <p:spTree>
@@ -16120,7 +15467,7 @@
 </p:sld>
 </file>
 
-<file path=ppt/slides/slide26.xml><?xml version="1.0" encoding="utf-8"?>
+<file path=ppt/slides/slide25.xml><?xml version="1.0" encoding="utf-8"?>
 <p:sld xmlns:a="http://schemas.openxmlformats.org/drawingml/2006/main" xmlns:r="http://schemas.openxmlformats.org/officeDocument/2006/relationships" xmlns:p="http://schemas.openxmlformats.org/presentationml/2006/main">
   <p:cSld>
     <p:spTree>
@@ -16562,7 +15909,7 @@
 </p:sld>
 </file>
 
-<file path=ppt/slides/slide27.xml><?xml version="1.0" encoding="utf-8"?>
+<file path=ppt/slides/slide26.xml><?xml version="1.0" encoding="utf-8"?>
 <p:sld xmlns:a="http://schemas.openxmlformats.org/drawingml/2006/main" xmlns:r="http://schemas.openxmlformats.org/officeDocument/2006/relationships" xmlns:p="http://schemas.openxmlformats.org/presentationml/2006/main">
   <p:cSld>
     <p:spTree>
@@ -17015,7 +16362,7 @@
 </p:sld>
 </file>
 
-<file path=ppt/slides/slide28.xml><?xml version="1.0" encoding="utf-8"?>
+<file path=ppt/slides/slide27.xml><?xml version="1.0" encoding="utf-8"?>
 <p:sld xmlns:a="http://schemas.openxmlformats.org/drawingml/2006/main" xmlns:r="http://schemas.openxmlformats.org/officeDocument/2006/relationships" xmlns:p="http://schemas.openxmlformats.org/presentationml/2006/main">
   <p:cSld>
     <p:spTree>
@@ -17413,7 +16760,7 @@
 </p:sld>
 </file>
 
-<file path=ppt/slides/slide29.xml><?xml version="1.0" encoding="utf-8"?>
+<file path=ppt/slides/slide28.xml><?xml version="1.0" encoding="utf-8"?>
 <p:sld xmlns:a="http://schemas.openxmlformats.org/drawingml/2006/main" xmlns:r="http://schemas.openxmlformats.org/officeDocument/2006/relationships" xmlns:p="http://schemas.openxmlformats.org/presentationml/2006/main">
   <p:cSld>
     <p:spTree>
@@ -17859,177 +17206,7 @@
 </p:sld>
 </file>
 
-<file path=ppt/slides/slide3.xml><?xml version="1.0" encoding="utf-8"?>
-<p:sld xmlns:a="http://schemas.openxmlformats.org/drawingml/2006/main" xmlns:r="http://schemas.openxmlformats.org/officeDocument/2006/relationships" xmlns:p="http://schemas.openxmlformats.org/presentationml/2006/main">
-  <p:cSld>
-    <p:spTree>
-      <p:nvGrpSpPr>
-        <p:cNvPr id="1" name=""/>
-        <p:cNvGrpSpPr/>
-        <p:nvPr/>
-      </p:nvGrpSpPr>
-      <p:grpSpPr>
-        <a:xfrm>
-          <a:off x="0" y="0"/>
-          <a:ext cx="0" cy="0"/>
-          <a:chOff x="0" y="0"/>
-          <a:chExt cx="0" cy="0"/>
-        </a:xfrm>
-      </p:grpSpPr>
-      <p:sp>
-        <p:nvSpPr>
-          <p:cNvPr id="4" name="TextBox 3"/>
-          <p:cNvSpPr txBox="1"/>
-          <p:nvPr/>
-        </p:nvSpPr>
-        <p:spPr>
-          <a:xfrm>
-            <a:off x="762000" y="2362200"/>
-            <a:ext cx="7543800" cy="1754326"/>
-          </a:xfrm>
-          <a:prstGeom prst="rect">
-            <a:avLst/>
-          </a:prstGeom>
-          <a:noFill/>
-        </p:spPr>
-        <p:txBody>
-          <a:bodyPr wrap="square" rtlCol="0">
-            <a:spAutoFit/>
-          </a:bodyPr>
-          <a:lstStyle/>
-          <a:p>
-            <a:r>
-              <a:rPr lang="en-US" dirty="0" smtClean="0">
-                <a:solidFill>
-                  <a:schemeClr val="accent6">
-                    <a:lumMod val="75000"/>
-                  </a:schemeClr>
-                </a:solidFill>
-              </a:rPr>
-              <a:t>This tutorial explains </a:t>
-            </a:r>
-            <a:r>
-              <a:rPr lang="en-US" dirty="0" err="1" smtClean="0">
-                <a:solidFill>
-                  <a:schemeClr val="accent6">
-                    <a:lumMod val="75000"/>
-                  </a:schemeClr>
-                </a:solidFill>
-              </a:rPr>
-              <a:t>PowerPointLabs</a:t>
-            </a:r>
-            <a:r>
-              <a:rPr lang="en-US" dirty="0" smtClean="0">
-                <a:solidFill>
-                  <a:schemeClr val="accent6">
-                    <a:lumMod val="75000"/>
-                  </a:schemeClr>
-                </a:solidFill>
-              </a:rPr>
-              <a:t>’ features at the point you installed the plugin. </a:t>
-            </a:r>
-          </a:p>
-          <a:p>
-            <a:endParaRPr lang="en-US" dirty="0" smtClean="0">
-              <a:solidFill>
-                <a:schemeClr val="accent6">
-                  <a:lumMod val="75000"/>
-                </a:schemeClr>
-              </a:solidFill>
-            </a:endParaRPr>
-          </a:p>
-          <a:p>
-            <a:endParaRPr lang="en-US" dirty="0">
-              <a:solidFill>
-                <a:schemeClr val="accent6">
-                  <a:lumMod val="75000"/>
-                </a:schemeClr>
-              </a:solidFill>
-            </a:endParaRPr>
-          </a:p>
-          <a:p>
-            <a:r>
-              <a:rPr lang="en-US" dirty="0" smtClean="0">
-                <a:solidFill>
-                  <a:schemeClr val="accent6">
-                    <a:lumMod val="75000"/>
-                  </a:schemeClr>
-                </a:solidFill>
-              </a:rPr>
-              <a:t>If you installed the plugin some time back, please refer to the </a:t>
-            </a:r>
-            <a:r>
-              <a:rPr lang="en-US" i="1" dirty="0" smtClean="0">
-                <a:solidFill>
-                  <a:schemeClr val="accent6">
-                    <a:lumMod val="75000"/>
-                  </a:schemeClr>
-                </a:solidFill>
-              </a:rPr>
-              <a:t>Documentation</a:t>
-            </a:r>
-            <a:r>
-              <a:rPr lang="en-US" dirty="0" smtClean="0">
-                <a:solidFill>
-                  <a:schemeClr val="accent6">
-                    <a:lumMod val="75000"/>
-                  </a:schemeClr>
-                </a:solidFill>
-              </a:rPr>
-              <a:t> page of </a:t>
-            </a:r>
-            <a:r>
-              <a:rPr lang="en-US" dirty="0" smtClean="0">
-                <a:solidFill>
-                  <a:schemeClr val="accent6">
-                    <a:lumMod val="75000"/>
-                  </a:schemeClr>
-                </a:solidFill>
-                <a:hlinkClick r:id="rId2"/>
-              </a:rPr>
-              <a:t>our website</a:t>
-            </a:r>
-            <a:r>
-              <a:rPr lang="en-US" dirty="0" smtClean="0">
-                <a:solidFill>
-                  <a:schemeClr val="accent6">
-                    <a:lumMod val="75000"/>
-                  </a:schemeClr>
-                </a:solidFill>
-              </a:rPr>
-              <a:t> for more up-to-date instructions.</a:t>
-            </a:r>
-            <a:endParaRPr lang="en-SG" dirty="0">
-              <a:solidFill>
-                <a:schemeClr val="accent6">
-                  <a:lumMod val="75000"/>
-                </a:schemeClr>
-              </a:solidFill>
-            </a:endParaRPr>
-          </a:p>
-        </p:txBody>
-      </p:sp>
-    </p:spTree>
-    <p:extLst>
-      <p:ext uri="{BB962C8B-B14F-4D97-AF65-F5344CB8AC3E}">
-        <p14:creationId xmlns:p14="http://schemas.microsoft.com/office/powerpoint/2010/main" val="1906505232"/>
-      </p:ext>
-    </p:extLst>
-  </p:cSld>
-  <p:clrMapOvr>
-    <a:masterClrMapping/>
-  </p:clrMapOvr>
-  <p:timing>
-    <p:tnLst>
-      <p:par>
-        <p:cTn id="1" dur="indefinite" restart="never" nodeType="tmRoot"/>
-      </p:par>
-    </p:tnLst>
-  </p:timing>
-</p:sld>
-</file>
-
-<file path=ppt/slides/slide30.xml><?xml version="1.0" encoding="utf-8"?>
+<file path=ppt/slides/slide29.xml><?xml version="1.0" encoding="utf-8"?>
 <p:sld xmlns:a="http://schemas.openxmlformats.org/drawingml/2006/main" xmlns:r="http://schemas.openxmlformats.org/officeDocument/2006/relationships" xmlns:p="http://schemas.openxmlformats.org/presentationml/2006/main">
   <p:cSld>
     <p:spTree>
@@ -18464,7 +17641,157 @@
 </p:sld>
 </file>
 
-<file path=ppt/slides/slide31.xml><?xml version="1.0" encoding="utf-8"?>
+<file path=ppt/slides/slide3.xml><?xml version="1.0" encoding="utf-8"?>
+<p:sld xmlns:a="http://schemas.openxmlformats.org/drawingml/2006/main" xmlns:r="http://schemas.openxmlformats.org/officeDocument/2006/relationships" xmlns:p="http://schemas.openxmlformats.org/presentationml/2006/main">
+  <p:cSld>
+    <p:spTree>
+      <p:nvGrpSpPr>
+        <p:cNvPr id="1" name=""/>
+        <p:cNvGrpSpPr/>
+        <p:nvPr/>
+      </p:nvGrpSpPr>
+      <p:grpSpPr>
+        <a:xfrm>
+          <a:off x="0" y="0"/>
+          <a:ext cx="0" cy="0"/>
+          <a:chOff x="0" y="0"/>
+          <a:chExt cx="0" cy="0"/>
+        </a:xfrm>
+      </p:grpSpPr>
+      <p:sp>
+        <p:nvSpPr>
+          <p:cNvPr id="4" name="TextBox 3"/>
+          <p:cNvSpPr txBox="1"/>
+          <p:nvPr/>
+        </p:nvSpPr>
+        <p:spPr>
+          <a:xfrm>
+            <a:off x="762000" y="2362200"/>
+            <a:ext cx="7543800" cy="1754326"/>
+          </a:xfrm>
+          <a:prstGeom prst="rect">
+            <a:avLst/>
+          </a:prstGeom>
+          <a:noFill/>
+        </p:spPr>
+        <p:txBody>
+          <a:bodyPr wrap="square" rtlCol="0">
+            <a:spAutoFit/>
+          </a:bodyPr>
+          <a:lstStyle/>
+          <a:p>
+            <a:r>
+              <a:rPr lang="en-US" dirty="0" smtClean="0">
+                <a:solidFill>
+                  <a:schemeClr val="accent6">
+                    <a:lumMod val="75000"/>
+                  </a:schemeClr>
+                </a:solidFill>
+              </a:rPr>
+              <a:t>This tutorial explains PowerPointLabs’ features at the point you installed the plugin. </a:t>
+            </a:r>
+          </a:p>
+          <a:p>
+            <a:endParaRPr lang="en-US" dirty="0" smtClean="0">
+              <a:solidFill>
+                <a:schemeClr val="accent6">
+                  <a:lumMod val="75000"/>
+                </a:schemeClr>
+              </a:solidFill>
+            </a:endParaRPr>
+          </a:p>
+          <a:p>
+            <a:endParaRPr lang="en-US" dirty="0">
+              <a:solidFill>
+                <a:schemeClr val="accent6">
+                  <a:lumMod val="75000"/>
+                </a:schemeClr>
+              </a:solidFill>
+            </a:endParaRPr>
+          </a:p>
+          <a:p>
+            <a:r>
+              <a:rPr lang="en-US" dirty="0" smtClean="0">
+                <a:solidFill>
+                  <a:schemeClr val="accent6">
+                    <a:lumMod val="75000"/>
+                  </a:schemeClr>
+                </a:solidFill>
+              </a:rPr>
+              <a:t>If you installed the plugin some time back, please refer to the </a:t>
+            </a:r>
+            <a:r>
+              <a:rPr lang="en-US" i="1" dirty="0" smtClean="0">
+                <a:solidFill>
+                  <a:schemeClr val="accent6">
+                    <a:lumMod val="75000"/>
+                  </a:schemeClr>
+                </a:solidFill>
+              </a:rPr>
+              <a:t>Documentation</a:t>
+            </a:r>
+            <a:r>
+              <a:rPr lang="en-US" dirty="0" smtClean="0">
+                <a:solidFill>
+                  <a:schemeClr val="accent6">
+                    <a:lumMod val="75000"/>
+                  </a:schemeClr>
+                </a:solidFill>
+              </a:rPr>
+              <a:t> page of </a:t>
+            </a:r>
+            <a:r>
+              <a:rPr lang="en-US" dirty="0" smtClean="0">
+                <a:solidFill>
+                  <a:schemeClr val="accent6">
+                    <a:lumMod val="75000"/>
+                  </a:schemeClr>
+                </a:solidFill>
+                <a:hlinkClick r:id="rId2"/>
+              </a:rPr>
+              <a:t>our website</a:t>
+            </a:r>
+            <a:r>
+              <a:rPr lang="en-US" dirty="0" smtClean="0">
+                <a:solidFill>
+                  <a:schemeClr val="accent6">
+                    <a:lumMod val="75000"/>
+                  </a:schemeClr>
+                </a:solidFill>
+              </a:rPr>
+              <a:t> for more up-to-date instructions.</a:t>
+            </a:r>
+            <a:endParaRPr lang="en-SG" dirty="0">
+              <a:solidFill>
+                <a:schemeClr val="accent6">
+                  <a:lumMod val="75000"/>
+                </a:schemeClr>
+              </a:solidFill>
+            </a:endParaRPr>
+          </a:p>
+        </p:txBody>
+      </p:sp>
+    </p:spTree>
+    <p:extLst>
+      <p:ext uri="{BB962C8B-B14F-4D97-AF65-F5344CB8AC3E}">
+        <p14:creationId xmlns:p14="http://schemas.microsoft.com/office/powerpoint/2010/main" val="1906505232"/>
+      </p:ext>
+    </p:extLst>
+  </p:cSld>
+  <p:clrMapOvr>
+    <a:masterClrMapping/>
+  </p:clrMapOvr>
+  <p:timing>
+    <p:tnLst>
+      <p:par>
+        <p:cTn id="1" dur="indefinite" restart="never" nodeType="tmRoot"/>
+      </p:par>
+    </p:tnLst>
+  </p:timing>
+</p:sld>
+</file>
+
+<file path=ppt/slides/slide30.xml><?xml version="1.0" encoding="utf-8"?>
 <p:sld xmlns:a="http://schemas.openxmlformats.org/drawingml/2006/main" xmlns:r="http://schemas.openxmlformats.org/officeDocument/2006/relationships" xmlns:p="http://schemas.openxmlformats.org/presentationml/2006/main">
   <p:cSld>
     <p:spTree>
@@ -19388,7 +18715,7 @@
 </p:sld>
 </file>
 
-<file path=ppt/slides/slide32.xml><?xml version="1.0" encoding="utf-8"?>
+<file path=ppt/slides/slide31.xml><?xml version="1.0" encoding="utf-8"?>
 <p:sld xmlns:a="http://schemas.openxmlformats.org/drawingml/2006/main" xmlns:r="http://schemas.openxmlformats.org/officeDocument/2006/relationships" xmlns:p="http://schemas.openxmlformats.org/presentationml/2006/main">
   <p:cSld>
     <p:spTree>
@@ -19980,7 +19307,7 @@
 </p:sld>
 </file>
 
-<file path=ppt/slides/slide33.xml><?xml version="1.0" encoding="utf-8"?>
+<file path=ppt/slides/slide32.xml><?xml version="1.0" encoding="utf-8"?>
 <p:sld xmlns:a="http://schemas.openxmlformats.org/drawingml/2006/main" xmlns:r="http://schemas.openxmlformats.org/officeDocument/2006/relationships" xmlns:p="http://schemas.openxmlformats.org/presentationml/2006/main">
   <p:cSld>
     <p:spTree>
@@ -20547,7 +19874,7 @@
 </p:sld>
 </file>
 
-<file path=ppt/slides/slide34.xml><?xml version="1.0" encoding="utf-8"?>
+<file path=ppt/slides/slide33.xml><?xml version="1.0" encoding="utf-8"?>
 <p:sld xmlns:a="http://schemas.openxmlformats.org/drawingml/2006/main" xmlns:r="http://schemas.openxmlformats.org/officeDocument/2006/relationships" xmlns:p="http://schemas.openxmlformats.org/presentationml/2006/main">
   <p:cSld>
     <p:spTree>
@@ -21064,7 +20391,7 @@
 </p:sld>
 </file>
 
-<file path=ppt/slides/slide35.xml><?xml version="1.0" encoding="utf-8"?>
+<file path=ppt/slides/slide34.xml><?xml version="1.0" encoding="utf-8"?>
 <p:sld xmlns:a="http://schemas.openxmlformats.org/drawingml/2006/main" xmlns:r="http://schemas.openxmlformats.org/officeDocument/2006/relationships" xmlns:p="http://schemas.openxmlformats.org/presentationml/2006/main">
   <p:cSld>
     <p:spTree>
@@ -21387,6 +20714,355 @@
     <p:extLst>
       <p:ext uri="{BB962C8B-B14F-4D97-AF65-F5344CB8AC3E}">
         <p14:creationId xmlns:p14="http://schemas.microsoft.com/office/powerpoint/2010/main" val="3667589300"/>
+      </p:ext>
+    </p:extLst>
+  </p:cSld>
+  <p:clrMapOvr>
+    <a:masterClrMapping/>
+  </p:clrMapOvr>
+  <p:timing>
+    <p:tnLst>
+      <p:par>
+        <p:cTn id="1" dur="indefinite" restart="never" nodeType="tmRoot"/>
+      </p:par>
+    </p:tnLst>
+  </p:timing>
+</p:sld>
+</file>
+
+<file path=ppt/slides/slide35.xml><?xml version="1.0" encoding="utf-8"?>
+<p:sld xmlns:a="http://schemas.openxmlformats.org/drawingml/2006/main" xmlns:r="http://schemas.openxmlformats.org/officeDocument/2006/relationships" xmlns:p="http://schemas.openxmlformats.org/presentationml/2006/main">
+  <p:cSld>
+    <p:spTree>
+      <p:nvGrpSpPr>
+        <p:cNvPr id="1" name=""/>
+        <p:cNvGrpSpPr/>
+        <p:nvPr/>
+      </p:nvGrpSpPr>
+      <p:grpSpPr>
+        <a:xfrm>
+          <a:off x="0" y="0"/>
+          <a:ext cx="0" cy="0"/>
+          <a:chOff x="0" y="0"/>
+          <a:chExt cx="0" cy="0"/>
+        </a:xfrm>
+      </p:grpSpPr>
+      <p:pic>
+        <p:nvPicPr>
+          <p:cNvPr id="4101" name="Picture 5" descr="C:\Users\dcsdcr\AppData\Local\Microsoft\Windows\Temporary Internet Files\Content.IE5\X5YV3EZ2\MP900178526[1].jpg"/>
+          <p:cNvPicPr>
+            <a:picLocks noChangeAspect="1" noChangeArrowheads="1"/>
+          </p:cNvPicPr>
+          <p:nvPr/>
+        </p:nvPicPr>
+        <p:blipFill rotWithShape="1">
+          <a:blip r:embed="rId3">
+            <a:extLst>
+              <a:ext uri="{28A0092B-C50C-407E-A947-70E740481C1C}">
+                <a14:useLocalDpi xmlns:a14="http://schemas.microsoft.com/office/drawing/2010/main" val="0"/>
+              </a:ext>
+            </a:extLst>
+          </a:blip>
+          <a:srcRect t="12470" b="33433"/>
+          <a:stretch/>
+        </p:blipFill>
+        <p:spPr bwMode="auto">
+          <a:xfrm>
+            <a:off x="1143000" y="2256816"/>
+            <a:ext cx="3519278" cy="2848583"/>
+          </a:xfrm>
+          <a:prstGeom prst="rect">
+            <a:avLst/>
+          </a:prstGeom>
+          <a:noFill/>
+          <a:extLst>
+            <a:ext uri="{909E8E84-426E-40DD-AFC4-6F175D3DCCD1}">
+              <a14:hiddenFill xmlns:a14="http://schemas.microsoft.com/office/drawing/2010/main">
+                <a:solidFill>
+                  <a:srgbClr val="FFFFFF"/>
+                </a:solidFill>
+              </a14:hiddenFill>
+            </a:ext>
+          </a:extLst>
+        </p:spPr>
+      </p:pic>
+      <p:sp>
+        <p:nvSpPr>
+          <p:cNvPr id="7" name="TextBox 6"/>
+          <p:cNvSpPr txBox="1"/>
+          <p:nvPr/>
+        </p:nvSpPr>
+        <p:spPr>
+          <a:xfrm>
+            <a:off x="533400" y="479318"/>
+            <a:ext cx="8001000" cy="1631216"/>
+          </a:xfrm>
+          <a:prstGeom prst="rect">
+            <a:avLst/>
+          </a:prstGeom>
+          <a:noFill/>
+        </p:spPr>
+        <p:txBody>
+          <a:bodyPr wrap="square" rtlCol="0">
+            <a:spAutoFit/>
+          </a:bodyPr>
+          <a:lstStyle/>
+          <a:p>
+            <a:r>
+              <a:rPr lang="en-US" sz="2800" b="1" dirty="0" smtClean="0">
+                <a:solidFill>
+                  <a:schemeClr val="accent6">
+                    <a:lumMod val="75000"/>
+                  </a:schemeClr>
+                </a:solidFill>
+              </a:rPr>
+              <a:t>1.</a:t>
+            </a:r>
+            <a:r>
+              <a:rPr lang="en-US" dirty="0" smtClean="0">
+                <a:solidFill>
+                  <a:schemeClr val="accent6">
+                    <a:lumMod val="75000"/>
+                  </a:schemeClr>
+                </a:solidFill>
+              </a:rPr>
+              <a:t> Select the blue circle below, click              and choose either </a:t>
+            </a:r>
+            <a:r>
+              <a:rPr lang="en-US" dirty="0" smtClean="0">
+                <a:solidFill>
+                  <a:srgbClr val="0070C0"/>
+                </a:solidFill>
+                <a:latin typeface="Consolas" panose="020B0609020204030204" pitchFamily="49" charset="0"/>
+                <a:cs typeface="Consolas" panose="020B0609020204030204" pitchFamily="49" charset="0"/>
+              </a:rPr>
+              <a:t>Magnifying Glass</a:t>
+            </a:r>
+            <a:r>
+              <a:rPr lang="en-US" dirty="0" smtClean="0">
+                <a:solidFill>
+                  <a:schemeClr val="accent6">
+                    <a:lumMod val="75000"/>
+                  </a:schemeClr>
+                </a:solidFill>
+              </a:rPr>
+              <a:t> option.  </a:t>
+            </a:r>
+            <a:br>
+              <a:rPr lang="en-US" dirty="0" smtClean="0">
+                <a:solidFill>
+                  <a:schemeClr val="accent6">
+                    <a:lumMod val="75000"/>
+                  </a:schemeClr>
+                </a:solidFill>
+              </a:rPr>
+            </a:br>
+            <a:r>
+              <a:rPr lang="en-US" dirty="0" smtClean="0">
+                <a:solidFill>
+                  <a:schemeClr val="accent6">
+                    <a:lumMod val="75000"/>
+                  </a:schemeClr>
+                </a:solidFill>
+              </a:rPr>
+              <a:t>It will create a magnified version of the area covered by the circle. </a:t>
+            </a:r>
+            <a:br>
+              <a:rPr lang="en-US" dirty="0" smtClean="0">
+                <a:solidFill>
+                  <a:schemeClr val="accent6">
+                    <a:lumMod val="75000"/>
+                  </a:schemeClr>
+                </a:solidFill>
+              </a:rPr>
+            </a:br>
+            <a:r>
+              <a:rPr lang="en-US" dirty="0" smtClean="0">
+                <a:solidFill>
+                  <a:schemeClr val="accent6">
+                    <a:lumMod val="75000"/>
+                  </a:schemeClr>
+                </a:solidFill>
+              </a:rPr>
+              <a:t/>
+            </a:r>
+            <a:br>
+              <a:rPr lang="en-US" dirty="0" smtClean="0">
+                <a:solidFill>
+                  <a:schemeClr val="accent6">
+                    <a:lumMod val="75000"/>
+                  </a:schemeClr>
+                </a:solidFill>
+              </a:rPr>
+            </a:br>
+            <a:endParaRPr lang="en-SG" dirty="0">
+              <a:solidFill>
+                <a:schemeClr val="accent6">
+                  <a:lumMod val="75000"/>
+                </a:schemeClr>
+              </a:solidFill>
+            </a:endParaRPr>
+          </a:p>
+        </p:txBody>
+      </p:sp>
+      <p:pic>
+        <p:nvPicPr>
+          <p:cNvPr id="6146" name="Picture 2"/>
+          <p:cNvPicPr>
+            <a:picLocks noChangeAspect="1" noChangeArrowheads="1"/>
+          </p:cNvPicPr>
+          <p:nvPr/>
+        </p:nvPicPr>
+        <p:blipFill>
+          <a:blip r:embed="rId4">
+            <a:extLst>
+              <a:ext uri="{28A0092B-C50C-407E-A947-70E740481C1C}">
+                <a14:useLocalDpi xmlns:a14="http://schemas.microsoft.com/office/drawing/2010/main" val="0"/>
+              </a:ext>
+            </a:extLst>
+          </a:blip>
+          <a:srcRect/>
+          <a:stretch>
+            <a:fillRect/>
+          </a:stretch>
+        </p:blipFill>
+        <p:spPr bwMode="auto">
+          <a:xfrm>
+            <a:off x="4114800" y="304800"/>
+            <a:ext cx="533400" cy="834887"/>
+          </a:xfrm>
+          <a:prstGeom prst="rect">
+            <a:avLst/>
+          </a:prstGeom>
+          <a:noFill/>
+          <a:ln w="9525">
+            <a:solidFill>
+              <a:schemeClr val="bg1">
+                <a:lumMod val="85000"/>
+              </a:schemeClr>
+            </a:solidFill>
+            <a:miter lim="800000"/>
+            <a:headEnd/>
+            <a:tailEnd/>
+          </a:ln>
+          <a:extLst>
+            <a:ext uri="{909E8E84-426E-40DD-AFC4-6F175D3DCCD1}">
+              <a14:hiddenFill xmlns:a14="http://schemas.microsoft.com/office/drawing/2010/main">
+                <a:solidFill>
+                  <a:schemeClr val="accent1"/>
+                </a:solidFill>
+              </a14:hiddenFill>
+            </a:ext>
+          </a:extLst>
+        </p:spPr>
+      </p:pic>
+      <p:sp>
+        <p:nvSpPr>
+          <p:cNvPr id="5" name="Rectangle 4"/>
+          <p:cNvSpPr/>
+          <p:nvPr/>
+        </p:nvSpPr>
+        <p:spPr>
+          <a:xfrm>
+            <a:off x="616638" y="5638800"/>
+            <a:ext cx="7917761" cy="646331"/>
+          </a:xfrm>
+          <a:prstGeom prst="rect">
+            <a:avLst/>
+          </a:prstGeom>
+        </p:spPr>
+        <p:txBody>
+          <a:bodyPr wrap="square">
+            <a:spAutoFit/>
+          </a:bodyPr>
+          <a:lstStyle/>
+          <a:p>
+            <a:r>
+              <a:rPr lang="en-US" b="1" dirty="0" smtClean="0">
+                <a:solidFill>
+                  <a:schemeClr val="accent6">
+                    <a:lumMod val="75000"/>
+                  </a:schemeClr>
+                </a:solidFill>
+              </a:rPr>
+              <a:t>Tip:</a:t>
+            </a:r>
+            <a:r>
+              <a:rPr lang="en-US" dirty="0" smtClean="0">
+                <a:solidFill>
+                  <a:schemeClr val="accent6">
+                    <a:lumMod val="75000"/>
+                  </a:schemeClr>
+                </a:solidFill>
+              </a:rPr>
+              <a:t> You can resize the newly created shape to match the magnifying level you need</a:t>
+            </a:r>
+            <a:endParaRPr lang="en-SG" dirty="0">
+              <a:solidFill>
+                <a:schemeClr val="accent6">
+                  <a:lumMod val="75000"/>
+                </a:schemeClr>
+              </a:solidFill>
+            </a:endParaRPr>
+          </a:p>
+        </p:txBody>
+      </p:sp>
+      <p:sp>
+        <p:nvSpPr>
+          <p:cNvPr id="2" name="Flowchart: Connector 1"/>
+          <p:cNvSpPr/>
+          <p:nvPr/>
+        </p:nvSpPr>
+        <p:spPr>
+          <a:xfrm>
+            <a:off x="3048000" y="2866820"/>
+            <a:ext cx="785508" cy="785508"/>
+          </a:xfrm>
+          <a:prstGeom prst="flowChartConnector">
+            <a:avLst/>
+          </a:prstGeom>
+          <a:solidFill>
+            <a:schemeClr val="tx2">
+              <a:lumMod val="20000"/>
+              <a:lumOff val="80000"/>
+              <a:alpha val="45000"/>
+            </a:schemeClr>
+          </a:solidFill>
+          <a:ln w="57150">
+            <a:solidFill>
+              <a:srgbClr val="0070C0"/>
+            </a:solidFill>
+          </a:ln>
+        </p:spPr>
+        <p:style>
+          <a:lnRef idx="2">
+            <a:schemeClr val="accent1">
+              <a:shade val="50000"/>
+            </a:schemeClr>
+          </a:lnRef>
+          <a:fillRef idx="1">
+            <a:schemeClr val="accent1"/>
+          </a:fillRef>
+          <a:effectRef idx="0">
+            <a:schemeClr val="accent1"/>
+          </a:effectRef>
+          <a:fontRef idx="minor">
+            <a:schemeClr val="lt1"/>
+          </a:fontRef>
+        </p:style>
+        <p:txBody>
+          <a:bodyPr lIns="228600" tIns="114300" rIns="228600" bIns="114300" rtlCol="0" anchor="ctr"/>
+          <a:lstStyle/>
+          <a:p>
+            <a:pPr algn="ctr"/>
+            <a:endParaRPr lang="en-SG"/>
+          </a:p>
+        </p:txBody>
+      </p:sp>
+    </p:spTree>
+    <p:extLst>
+      <p:ext uri="{BB962C8B-B14F-4D97-AF65-F5344CB8AC3E}">
+        <p14:creationId xmlns:p14="http://schemas.microsoft.com/office/powerpoint/2010/main" val="1242374340"/>
       </p:ext>
     </p:extLst>
   </p:cSld>
@@ -21509,355 +21185,6 @@
                 <a:latin typeface="Consolas" panose="020B0609020204030204" pitchFamily="49" charset="0"/>
                 <a:cs typeface="Consolas" panose="020B0609020204030204" pitchFamily="49" charset="0"/>
               </a:rPr>
-              <a:t>Magnifying Glass</a:t>
-            </a:r>
-            <a:r>
-              <a:rPr lang="en-US" dirty="0" smtClean="0">
-                <a:solidFill>
-                  <a:schemeClr val="accent6">
-                    <a:lumMod val="75000"/>
-                  </a:schemeClr>
-                </a:solidFill>
-              </a:rPr>
-              <a:t> option.  </a:t>
-            </a:r>
-            <a:br>
-              <a:rPr lang="en-US" dirty="0" smtClean="0">
-                <a:solidFill>
-                  <a:schemeClr val="accent6">
-                    <a:lumMod val="75000"/>
-                  </a:schemeClr>
-                </a:solidFill>
-              </a:rPr>
-            </a:br>
-            <a:r>
-              <a:rPr lang="en-US" dirty="0" smtClean="0">
-                <a:solidFill>
-                  <a:schemeClr val="accent6">
-                    <a:lumMod val="75000"/>
-                  </a:schemeClr>
-                </a:solidFill>
-              </a:rPr>
-              <a:t>It will create a magnified version of the area covered by the circle. </a:t>
-            </a:r>
-            <a:br>
-              <a:rPr lang="en-US" dirty="0" smtClean="0">
-                <a:solidFill>
-                  <a:schemeClr val="accent6">
-                    <a:lumMod val="75000"/>
-                  </a:schemeClr>
-                </a:solidFill>
-              </a:rPr>
-            </a:br>
-            <a:r>
-              <a:rPr lang="en-US" dirty="0" smtClean="0">
-                <a:solidFill>
-                  <a:schemeClr val="accent6">
-                    <a:lumMod val="75000"/>
-                  </a:schemeClr>
-                </a:solidFill>
-              </a:rPr>
-              <a:t/>
-            </a:r>
-            <a:br>
-              <a:rPr lang="en-US" dirty="0" smtClean="0">
-                <a:solidFill>
-                  <a:schemeClr val="accent6">
-                    <a:lumMod val="75000"/>
-                  </a:schemeClr>
-                </a:solidFill>
-              </a:rPr>
-            </a:br>
-            <a:endParaRPr lang="en-SG" dirty="0">
-              <a:solidFill>
-                <a:schemeClr val="accent6">
-                  <a:lumMod val="75000"/>
-                </a:schemeClr>
-              </a:solidFill>
-            </a:endParaRPr>
-          </a:p>
-        </p:txBody>
-      </p:sp>
-      <p:pic>
-        <p:nvPicPr>
-          <p:cNvPr id="6146" name="Picture 2"/>
-          <p:cNvPicPr>
-            <a:picLocks noChangeAspect="1" noChangeArrowheads="1"/>
-          </p:cNvPicPr>
-          <p:nvPr/>
-        </p:nvPicPr>
-        <p:blipFill>
-          <a:blip r:embed="rId4">
-            <a:extLst>
-              <a:ext uri="{28A0092B-C50C-407E-A947-70E740481C1C}">
-                <a14:useLocalDpi xmlns:a14="http://schemas.microsoft.com/office/drawing/2010/main" val="0"/>
-              </a:ext>
-            </a:extLst>
-          </a:blip>
-          <a:srcRect/>
-          <a:stretch>
-            <a:fillRect/>
-          </a:stretch>
-        </p:blipFill>
-        <p:spPr bwMode="auto">
-          <a:xfrm>
-            <a:off x="4114800" y="304800"/>
-            <a:ext cx="533400" cy="834887"/>
-          </a:xfrm>
-          <a:prstGeom prst="rect">
-            <a:avLst/>
-          </a:prstGeom>
-          <a:noFill/>
-          <a:ln w="9525">
-            <a:solidFill>
-              <a:schemeClr val="bg1">
-                <a:lumMod val="85000"/>
-              </a:schemeClr>
-            </a:solidFill>
-            <a:miter lim="800000"/>
-            <a:headEnd/>
-            <a:tailEnd/>
-          </a:ln>
-          <a:extLst>
-            <a:ext uri="{909E8E84-426E-40DD-AFC4-6F175D3DCCD1}">
-              <a14:hiddenFill xmlns:a14="http://schemas.microsoft.com/office/drawing/2010/main">
-                <a:solidFill>
-                  <a:schemeClr val="accent1"/>
-                </a:solidFill>
-              </a14:hiddenFill>
-            </a:ext>
-          </a:extLst>
-        </p:spPr>
-      </p:pic>
-      <p:sp>
-        <p:nvSpPr>
-          <p:cNvPr id="5" name="Rectangle 4"/>
-          <p:cNvSpPr/>
-          <p:nvPr/>
-        </p:nvSpPr>
-        <p:spPr>
-          <a:xfrm>
-            <a:off x="616638" y="5638800"/>
-            <a:ext cx="7917761" cy="646331"/>
-          </a:xfrm>
-          <a:prstGeom prst="rect">
-            <a:avLst/>
-          </a:prstGeom>
-        </p:spPr>
-        <p:txBody>
-          <a:bodyPr wrap="square">
-            <a:spAutoFit/>
-          </a:bodyPr>
-          <a:lstStyle/>
-          <a:p>
-            <a:r>
-              <a:rPr lang="en-US" b="1" dirty="0" smtClean="0">
-                <a:solidFill>
-                  <a:schemeClr val="accent6">
-                    <a:lumMod val="75000"/>
-                  </a:schemeClr>
-                </a:solidFill>
-              </a:rPr>
-              <a:t>Tip:</a:t>
-            </a:r>
-            <a:r>
-              <a:rPr lang="en-US" dirty="0" smtClean="0">
-                <a:solidFill>
-                  <a:schemeClr val="accent6">
-                    <a:lumMod val="75000"/>
-                  </a:schemeClr>
-                </a:solidFill>
-              </a:rPr>
-              <a:t> You can resize the newly created shape to match the magnifying level you need</a:t>
-            </a:r>
-            <a:endParaRPr lang="en-SG" dirty="0">
-              <a:solidFill>
-                <a:schemeClr val="accent6">
-                  <a:lumMod val="75000"/>
-                </a:schemeClr>
-              </a:solidFill>
-            </a:endParaRPr>
-          </a:p>
-        </p:txBody>
-      </p:sp>
-      <p:sp>
-        <p:nvSpPr>
-          <p:cNvPr id="2" name="Flowchart: Connector 1"/>
-          <p:cNvSpPr/>
-          <p:nvPr/>
-        </p:nvSpPr>
-        <p:spPr>
-          <a:xfrm>
-            <a:off x="3048000" y="2866820"/>
-            <a:ext cx="785508" cy="785508"/>
-          </a:xfrm>
-          <a:prstGeom prst="flowChartConnector">
-            <a:avLst/>
-          </a:prstGeom>
-          <a:solidFill>
-            <a:schemeClr val="tx2">
-              <a:lumMod val="20000"/>
-              <a:lumOff val="80000"/>
-              <a:alpha val="45000"/>
-            </a:schemeClr>
-          </a:solidFill>
-          <a:ln w="57150">
-            <a:solidFill>
-              <a:srgbClr val="0070C0"/>
-            </a:solidFill>
-          </a:ln>
-        </p:spPr>
-        <p:style>
-          <a:lnRef idx="2">
-            <a:schemeClr val="accent1">
-              <a:shade val="50000"/>
-            </a:schemeClr>
-          </a:lnRef>
-          <a:fillRef idx="1">
-            <a:schemeClr val="accent1"/>
-          </a:fillRef>
-          <a:effectRef idx="0">
-            <a:schemeClr val="accent1"/>
-          </a:effectRef>
-          <a:fontRef idx="minor">
-            <a:schemeClr val="lt1"/>
-          </a:fontRef>
-        </p:style>
-        <p:txBody>
-          <a:bodyPr lIns="228600" tIns="114300" rIns="228600" bIns="114300" rtlCol="0" anchor="ctr"/>
-          <a:lstStyle/>
-          <a:p>
-            <a:pPr algn="ctr"/>
-            <a:endParaRPr lang="en-SG"/>
-          </a:p>
-        </p:txBody>
-      </p:sp>
-    </p:spTree>
-    <p:extLst>
-      <p:ext uri="{BB962C8B-B14F-4D97-AF65-F5344CB8AC3E}">
-        <p14:creationId xmlns:p14="http://schemas.microsoft.com/office/powerpoint/2010/main" val="1242374340"/>
-      </p:ext>
-    </p:extLst>
-  </p:cSld>
-  <p:clrMapOvr>
-    <a:masterClrMapping/>
-  </p:clrMapOvr>
-  <p:timing>
-    <p:tnLst>
-      <p:par>
-        <p:cTn id="1" dur="indefinite" restart="never" nodeType="tmRoot"/>
-      </p:par>
-    </p:tnLst>
-  </p:timing>
-</p:sld>
-</file>
-
-<file path=ppt/slides/slide37.xml><?xml version="1.0" encoding="utf-8"?>
-<p:sld xmlns:a="http://schemas.openxmlformats.org/drawingml/2006/main" xmlns:r="http://schemas.openxmlformats.org/officeDocument/2006/relationships" xmlns:p="http://schemas.openxmlformats.org/presentationml/2006/main">
-  <p:cSld>
-    <p:spTree>
-      <p:nvGrpSpPr>
-        <p:cNvPr id="1" name=""/>
-        <p:cNvGrpSpPr/>
-        <p:nvPr/>
-      </p:nvGrpSpPr>
-      <p:grpSpPr>
-        <a:xfrm>
-          <a:off x="0" y="0"/>
-          <a:ext cx="0" cy="0"/>
-          <a:chOff x="0" y="0"/>
-          <a:chExt cx="0" cy="0"/>
-        </a:xfrm>
-      </p:grpSpPr>
-      <p:pic>
-        <p:nvPicPr>
-          <p:cNvPr id="4101" name="Picture 5" descr="C:\Users\dcsdcr\AppData\Local\Microsoft\Windows\Temporary Internet Files\Content.IE5\X5YV3EZ2\MP900178526[1].jpg"/>
-          <p:cNvPicPr>
-            <a:picLocks noChangeAspect="1" noChangeArrowheads="1"/>
-          </p:cNvPicPr>
-          <p:nvPr/>
-        </p:nvPicPr>
-        <p:blipFill rotWithShape="1">
-          <a:blip r:embed="rId3">
-            <a:extLst>
-              <a:ext uri="{28A0092B-C50C-407E-A947-70E740481C1C}">
-                <a14:useLocalDpi xmlns:a14="http://schemas.microsoft.com/office/drawing/2010/main" val="0"/>
-              </a:ext>
-            </a:extLst>
-          </a:blip>
-          <a:srcRect t="12470" b="33433"/>
-          <a:stretch/>
-        </p:blipFill>
-        <p:spPr bwMode="auto">
-          <a:xfrm>
-            <a:off x="1143000" y="2256816"/>
-            <a:ext cx="3519278" cy="2848583"/>
-          </a:xfrm>
-          <a:prstGeom prst="rect">
-            <a:avLst/>
-          </a:prstGeom>
-          <a:noFill/>
-          <a:extLst>
-            <a:ext uri="{909E8E84-426E-40DD-AFC4-6F175D3DCCD1}">
-              <a14:hiddenFill xmlns:a14="http://schemas.microsoft.com/office/drawing/2010/main">
-                <a:solidFill>
-                  <a:srgbClr val="FFFFFF"/>
-                </a:solidFill>
-              </a14:hiddenFill>
-            </a:ext>
-          </a:extLst>
-        </p:spPr>
-      </p:pic>
-      <p:sp>
-        <p:nvSpPr>
-          <p:cNvPr id="7" name="TextBox 6"/>
-          <p:cNvSpPr txBox="1"/>
-          <p:nvPr/>
-        </p:nvSpPr>
-        <p:spPr>
-          <a:xfrm>
-            <a:off x="533400" y="479318"/>
-            <a:ext cx="8001000" cy="1631216"/>
-          </a:xfrm>
-          <a:prstGeom prst="rect">
-            <a:avLst/>
-          </a:prstGeom>
-          <a:noFill/>
-        </p:spPr>
-        <p:txBody>
-          <a:bodyPr wrap="square" rtlCol="0">
-            <a:spAutoFit/>
-          </a:bodyPr>
-          <a:lstStyle/>
-          <a:p>
-            <a:r>
-              <a:rPr lang="en-US" sz="2800" b="1" dirty="0" smtClean="0">
-                <a:solidFill>
-                  <a:schemeClr val="accent6">
-                    <a:lumMod val="75000"/>
-                  </a:schemeClr>
-                </a:solidFill>
-              </a:rPr>
-              <a:t>1.</a:t>
-            </a:r>
-            <a:r>
-              <a:rPr lang="en-US" dirty="0" smtClean="0">
-                <a:solidFill>
-                  <a:schemeClr val="accent6">
-                    <a:lumMod val="75000"/>
-                  </a:schemeClr>
-                </a:solidFill>
-              </a:rPr>
-              <a:t> Select the blue circle below, click              and choose either </a:t>
-            </a:r>
-            <a:r>
-              <a:rPr lang="en-US" dirty="0" smtClean="0">
-                <a:solidFill>
-                  <a:srgbClr val="0070C0"/>
-                </a:solidFill>
-                <a:latin typeface="Consolas" panose="020B0609020204030204" pitchFamily="49" charset="0"/>
-                <a:cs typeface="Consolas" panose="020B0609020204030204" pitchFamily="49" charset="0"/>
-              </a:rPr>
               <a:t>blur remainder </a:t>
             </a:r>
             <a:r>
@@ -22121,7 +21448,7 @@
 </p:sld>
 </file>
 
-<file path=ppt/slides/slide38.xml><?xml version="1.0" encoding="utf-8"?>
+<file path=ppt/slides/slide37.xml><?xml version="1.0" encoding="utf-8"?>
 <p:sld xmlns:a="http://schemas.openxmlformats.org/drawingml/2006/main" xmlns:r="http://schemas.openxmlformats.org/officeDocument/2006/relationships" xmlns:p="http://schemas.openxmlformats.org/presentationml/2006/main">
   <p:cSld>
     <p:spTree>
@@ -22403,7 +21730,7 @@
 </p:sld>
 </file>
 
-<file path=ppt/slides/slide39.xml><?xml version="1.0" encoding="utf-8"?>
+<file path=ppt/slides/slide38.xml><?xml version="1.0" encoding="utf-8"?>
 <p:sld xmlns:a="http://schemas.openxmlformats.org/drawingml/2006/main" xmlns:r="http://schemas.openxmlformats.org/officeDocument/2006/relationships" xmlns:p="http://schemas.openxmlformats.org/presentationml/2006/main">
   <p:cSld>
     <p:spTree>
@@ -22689,17 +22016,7 @@
                   </a:schemeClr>
                 </a:solidFill>
               </a:rPr>
-              <a:t>Agenda </a:t>
-            </a:r>
-            <a:r>
-              <a:rPr lang="en-US" b="1" dirty="0" smtClean="0">
-                <a:solidFill>
-                  <a:schemeClr val="accent6">
-                    <a:lumMod val="75000"/>
-                  </a:schemeClr>
-                </a:solidFill>
-              </a:rPr>
-              <a:t>Lab </a:t>
+              <a:t>Agenda Lab </a:t>
             </a:r>
             <a:r>
               <a:rPr lang="en-US" dirty="0" smtClean="0">
@@ -22725,6 +22042,369 @@
     <p:extLst>
       <p:ext uri="{BB962C8B-B14F-4D97-AF65-F5344CB8AC3E}">
         <p14:creationId xmlns:p14="http://schemas.microsoft.com/office/powerpoint/2010/main" val="1452981802"/>
+      </p:ext>
+    </p:extLst>
+  </p:cSld>
+  <p:clrMapOvr>
+    <a:masterClrMapping/>
+  </p:clrMapOvr>
+  <p:timing>
+    <p:tnLst>
+      <p:par>
+        <p:cTn id="1" dur="indefinite" restart="never" nodeType="tmRoot"/>
+      </p:par>
+    </p:tnLst>
+  </p:timing>
+</p:sld>
+</file>
+
+<file path=ppt/slides/slide39.xml><?xml version="1.0" encoding="utf-8"?>
+<p:sld xmlns:a="http://schemas.openxmlformats.org/drawingml/2006/main" xmlns:r="http://schemas.openxmlformats.org/officeDocument/2006/relationships" xmlns:p="http://schemas.openxmlformats.org/presentationml/2006/main">
+  <p:cSld>
+    <p:spTree>
+      <p:nvGrpSpPr>
+        <p:cNvPr id="1" name=""/>
+        <p:cNvGrpSpPr/>
+        <p:nvPr/>
+      </p:nvGrpSpPr>
+      <p:grpSpPr>
+        <a:xfrm>
+          <a:off x="0" y="0"/>
+          <a:ext cx="0" cy="0"/>
+          <a:chOff x="0" y="0"/>
+          <a:chExt cx="0" cy="0"/>
+        </a:xfrm>
+      </p:grpSpPr>
+      <p:sp>
+        <p:nvSpPr>
+          <p:cNvPr id="7" name="TextBox 6"/>
+          <p:cNvSpPr txBox="1"/>
+          <p:nvPr/>
+        </p:nvSpPr>
+        <p:spPr>
+          <a:xfrm>
+            <a:off x="533400" y="479318"/>
+            <a:ext cx="8001000" cy="523220"/>
+          </a:xfrm>
+          <a:prstGeom prst="rect">
+            <a:avLst/>
+          </a:prstGeom>
+          <a:noFill/>
+        </p:spPr>
+        <p:txBody>
+          <a:bodyPr wrap="square" rtlCol="0">
+            <a:spAutoFit/>
+          </a:bodyPr>
+          <a:lstStyle/>
+          <a:p>
+            <a:r>
+              <a:rPr lang="en-US" sz="2800" b="1" dirty="0" smtClean="0">
+                <a:solidFill>
+                  <a:schemeClr val="accent6">
+                    <a:lumMod val="75000"/>
+                  </a:schemeClr>
+                </a:solidFill>
+              </a:rPr>
+              <a:t>1.</a:t>
+            </a:r>
+            <a:r>
+              <a:rPr lang="en-US" dirty="0" smtClean="0">
+                <a:solidFill>
+                  <a:schemeClr val="accent6">
+                    <a:lumMod val="75000"/>
+                  </a:schemeClr>
+                </a:solidFill>
+              </a:rPr>
+              <a:t> Click on the             and choose </a:t>
+            </a:r>
+            <a:r>
+              <a:rPr lang="en-US" dirty="0" smtClean="0">
+                <a:solidFill>
+                  <a:srgbClr val="0070C0"/>
+                </a:solidFill>
+                <a:latin typeface="Consolas" panose="020B0609020204030204" pitchFamily="49" charset="0"/>
+                <a:cs typeface="Consolas" panose="020B0609020204030204" pitchFamily="49" charset="0"/>
+              </a:rPr>
+              <a:t>agenda slides (text) </a:t>
+            </a:r>
+            <a:r>
+              <a:rPr lang="en-US" dirty="0" smtClean="0">
+                <a:solidFill>
+                  <a:schemeClr val="accent6">
+                    <a:lumMod val="75000"/>
+                  </a:schemeClr>
+                </a:solidFill>
+              </a:rPr>
+              <a:t>option. </a:t>
+            </a:r>
+            <a:endParaRPr lang="en-SG" dirty="0">
+              <a:solidFill>
+                <a:schemeClr val="accent6">
+                  <a:lumMod val="75000"/>
+                </a:schemeClr>
+              </a:solidFill>
+            </a:endParaRPr>
+          </a:p>
+        </p:txBody>
+      </p:sp>
+      <p:sp>
+        <p:nvSpPr>
+          <p:cNvPr id="5" name="Rectangle 4"/>
+          <p:cNvSpPr/>
+          <p:nvPr/>
+        </p:nvSpPr>
+        <p:spPr>
+          <a:xfrm>
+            <a:off x="616638" y="5638800"/>
+            <a:ext cx="7917761" cy="646331"/>
+          </a:xfrm>
+          <a:prstGeom prst="rect">
+            <a:avLst/>
+          </a:prstGeom>
+        </p:spPr>
+        <p:txBody>
+          <a:bodyPr wrap="square">
+            <a:spAutoFit/>
+          </a:bodyPr>
+          <a:lstStyle/>
+          <a:p>
+            <a:r>
+              <a:rPr lang="en-US" dirty="0" smtClean="0">
+                <a:solidFill>
+                  <a:schemeClr val="accent6">
+                    <a:lumMod val="75000"/>
+                  </a:schemeClr>
+                </a:solidFill>
+              </a:rPr>
+              <a:t>That will insert agenda slides into the slide deck. Items in the agenda slides will correspond to the names of the slide sections.</a:t>
+            </a:r>
+            <a:endParaRPr lang="en-SG" dirty="0">
+              <a:solidFill>
+                <a:schemeClr val="accent6">
+                  <a:lumMod val="75000"/>
+                </a:schemeClr>
+              </a:solidFill>
+            </a:endParaRPr>
+          </a:p>
+        </p:txBody>
+      </p:sp>
+      <p:pic>
+        <p:nvPicPr>
+          <p:cNvPr id="1026" name="Picture 2"/>
+          <p:cNvPicPr>
+            <a:picLocks noChangeAspect="1" noChangeArrowheads="1"/>
+          </p:cNvPicPr>
+          <p:nvPr/>
+        </p:nvPicPr>
+        <p:blipFill>
+          <a:blip r:embed="rId3">
+            <a:extLst>
+              <a:ext uri="{28A0092B-C50C-407E-A947-70E740481C1C}">
+                <a14:useLocalDpi xmlns:a14="http://schemas.microsoft.com/office/drawing/2010/main" val="0"/>
+              </a:ext>
+            </a:extLst>
+          </a:blip>
+          <a:srcRect/>
+          <a:stretch>
+            <a:fillRect/>
+          </a:stretch>
+        </p:blipFill>
+        <p:spPr bwMode="auto">
+          <a:xfrm>
+            <a:off x="2133600" y="490497"/>
+            <a:ext cx="533400" cy="744538"/>
+          </a:xfrm>
+          <a:prstGeom prst="rect">
+            <a:avLst/>
+          </a:prstGeom>
+          <a:noFill/>
+          <a:ln w="9525">
+            <a:solidFill>
+              <a:schemeClr val="bg1">
+                <a:lumMod val="85000"/>
+              </a:schemeClr>
+            </a:solidFill>
+            <a:miter lim="800000"/>
+            <a:headEnd/>
+            <a:tailEnd/>
+          </a:ln>
+          <a:extLst>
+            <a:ext uri="{909E8E84-426E-40DD-AFC4-6F175D3DCCD1}">
+              <a14:hiddenFill xmlns:a14="http://schemas.microsoft.com/office/drawing/2010/main">
+                <a:solidFill>
+                  <a:schemeClr val="accent1"/>
+                </a:solidFill>
+              </a14:hiddenFill>
+            </a:ext>
+          </a:extLst>
+        </p:spPr>
+      </p:pic>
+      <p:pic>
+        <p:nvPicPr>
+          <p:cNvPr id="1027" name="Picture 3"/>
+          <p:cNvPicPr>
+            <a:picLocks noChangeAspect="1" noChangeArrowheads="1"/>
+          </p:cNvPicPr>
+          <p:nvPr/>
+        </p:nvPicPr>
+        <p:blipFill>
+          <a:blip r:embed="rId4">
+            <a:extLst>
+              <a:ext uri="{28A0092B-C50C-407E-A947-70E740481C1C}">
+                <a14:useLocalDpi xmlns:a14="http://schemas.microsoft.com/office/drawing/2010/main" val="0"/>
+              </a:ext>
+            </a:extLst>
+          </a:blip>
+          <a:srcRect/>
+          <a:stretch>
+            <a:fillRect/>
+          </a:stretch>
+        </p:blipFill>
+        <p:spPr bwMode="auto">
+          <a:xfrm>
+            <a:off x="1066800" y="1447800"/>
+            <a:ext cx="5885160" cy="3910013"/>
+          </a:xfrm>
+          <a:prstGeom prst="rect">
+            <a:avLst/>
+          </a:prstGeom>
+          <a:noFill/>
+          <a:ln>
+            <a:noFill/>
+          </a:ln>
+          <a:extLst>
+            <a:ext uri="{909E8E84-426E-40DD-AFC4-6F175D3DCCD1}">
+              <a14:hiddenFill xmlns:a14="http://schemas.microsoft.com/office/drawing/2010/main">
+                <a:solidFill>
+                  <a:schemeClr val="accent1"/>
+                </a:solidFill>
+              </a14:hiddenFill>
+            </a:ext>
+            <a:ext uri="{91240B29-F687-4F45-9708-019B960494DF}">
+              <a14:hiddenLine xmlns:a14="http://schemas.microsoft.com/office/drawing/2010/main" w="9525">
+                <a:solidFill>
+                  <a:schemeClr val="tx1"/>
+                </a:solidFill>
+                <a:miter lim="800000"/>
+                <a:headEnd/>
+                <a:tailEnd/>
+              </a14:hiddenLine>
+            </a:ext>
+          </a:extLst>
+        </p:spPr>
+      </p:pic>
+      <p:sp>
+        <p:nvSpPr>
+          <p:cNvPr id="2" name="Rectangle 1"/>
+          <p:cNvSpPr/>
+          <p:nvPr/>
+        </p:nvSpPr>
+        <p:spPr>
+          <a:xfrm>
+            <a:off x="1290208" y="2286000"/>
+            <a:ext cx="1419272" cy="1066800"/>
+          </a:xfrm>
+          <a:prstGeom prst="rect">
+            <a:avLst/>
+          </a:prstGeom>
+          <a:noFill/>
+          <a:ln>
+            <a:solidFill>
+              <a:srgbClr val="C00000"/>
+            </a:solidFill>
+            <a:prstDash val="sysDot"/>
+          </a:ln>
+          <a:effectLst>
+            <a:glow rad="101600">
+              <a:srgbClr val="FFFF00">
+                <a:alpha val="60000"/>
+              </a:srgbClr>
+            </a:glow>
+          </a:effectLst>
+        </p:spPr>
+        <p:style>
+          <a:lnRef idx="2">
+            <a:schemeClr val="accent1">
+              <a:shade val="50000"/>
+            </a:schemeClr>
+          </a:lnRef>
+          <a:fillRef idx="1">
+            <a:schemeClr val="accent1"/>
+          </a:fillRef>
+          <a:effectRef idx="0">
+            <a:schemeClr val="accent1"/>
+          </a:effectRef>
+          <a:fontRef idx="minor">
+            <a:schemeClr val="lt1"/>
+          </a:fontRef>
+        </p:style>
+        <p:txBody>
+          <a:bodyPr rtlCol="0" anchor="ctr"/>
+          <a:lstStyle/>
+          <a:p>
+            <a:pPr algn="ctr"/>
+            <a:endParaRPr lang="en-SG"/>
+          </a:p>
+        </p:txBody>
+      </p:sp>
+      <p:sp>
+        <p:nvSpPr>
+          <p:cNvPr id="9" name="Rectangle 8"/>
+          <p:cNvSpPr/>
+          <p:nvPr/>
+        </p:nvSpPr>
+        <p:spPr>
+          <a:xfrm>
+            <a:off x="1301557" y="4038600"/>
+            <a:ext cx="1419272" cy="1066800"/>
+          </a:xfrm>
+          <a:prstGeom prst="rect">
+            <a:avLst/>
+          </a:prstGeom>
+          <a:noFill/>
+          <a:ln>
+            <a:solidFill>
+              <a:srgbClr val="C00000"/>
+            </a:solidFill>
+            <a:prstDash val="sysDot"/>
+          </a:ln>
+          <a:effectLst>
+            <a:glow rad="101600">
+              <a:srgbClr val="FFFF00">
+                <a:alpha val="60000"/>
+              </a:srgbClr>
+            </a:glow>
+          </a:effectLst>
+        </p:spPr>
+        <p:style>
+          <a:lnRef idx="2">
+            <a:schemeClr val="accent1">
+              <a:shade val="50000"/>
+            </a:schemeClr>
+          </a:lnRef>
+          <a:fillRef idx="1">
+            <a:schemeClr val="accent1"/>
+          </a:fillRef>
+          <a:effectRef idx="0">
+            <a:schemeClr val="accent1"/>
+          </a:effectRef>
+          <a:fontRef idx="minor">
+            <a:schemeClr val="lt1"/>
+          </a:fontRef>
+        </p:style>
+        <p:txBody>
+          <a:bodyPr rtlCol="0" anchor="ctr"/>
+          <a:lstStyle/>
+          <a:p>
+            <a:pPr algn="ctr"/>
+            <a:endParaRPr lang="en-SG"/>
+          </a:p>
+        </p:txBody>
+      </p:sp>
+    </p:spTree>
+    <p:extLst>
+      <p:ext uri="{BB962C8B-B14F-4D97-AF65-F5344CB8AC3E}">
+        <p14:creationId xmlns:p14="http://schemas.microsoft.com/office/powerpoint/2010/main" val="185825476"/>
       </p:ext>
     </p:extLst>
   </p:cSld>
@@ -22915,409 +22595,6 @@
         <p:spPr>
           <a:xfrm>
             <a:off x="533400" y="479318"/>
-            <a:ext cx="8001000" cy="523220"/>
-          </a:xfrm>
-          <a:prstGeom prst="rect">
-            <a:avLst/>
-          </a:prstGeom>
-          <a:noFill/>
-        </p:spPr>
-        <p:txBody>
-          <a:bodyPr wrap="square" rtlCol="0">
-            <a:spAutoFit/>
-          </a:bodyPr>
-          <a:lstStyle/>
-          <a:p>
-            <a:r>
-              <a:rPr lang="en-US" sz="2800" b="1" dirty="0" smtClean="0">
-                <a:solidFill>
-                  <a:schemeClr val="accent6">
-                    <a:lumMod val="75000"/>
-                  </a:schemeClr>
-                </a:solidFill>
-              </a:rPr>
-              <a:t>1.</a:t>
-            </a:r>
-            <a:r>
-              <a:rPr lang="en-US" dirty="0" smtClean="0">
-                <a:solidFill>
-                  <a:schemeClr val="accent6">
-                    <a:lumMod val="75000"/>
-                  </a:schemeClr>
-                </a:solidFill>
-              </a:rPr>
-              <a:t> </a:t>
-            </a:r>
-            <a:r>
-              <a:rPr lang="en-US" dirty="0" smtClean="0">
-                <a:solidFill>
-                  <a:schemeClr val="accent6">
-                    <a:lumMod val="75000"/>
-                  </a:schemeClr>
-                </a:solidFill>
-              </a:rPr>
-              <a:t>Click on the             and </a:t>
-            </a:r>
-            <a:r>
-              <a:rPr lang="en-US" dirty="0" smtClean="0">
-                <a:solidFill>
-                  <a:schemeClr val="accent6">
-                    <a:lumMod val="75000"/>
-                  </a:schemeClr>
-                </a:solidFill>
-              </a:rPr>
-              <a:t>choose </a:t>
-            </a:r>
-            <a:r>
-              <a:rPr lang="en-US" dirty="0" smtClean="0">
-                <a:solidFill>
-                  <a:srgbClr val="0070C0"/>
-                </a:solidFill>
-                <a:latin typeface="Consolas" panose="020B0609020204030204" pitchFamily="49" charset="0"/>
-                <a:cs typeface="Consolas" panose="020B0609020204030204" pitchFamily="49" charset="0"/>
-              </a:rPr>
-              <a:t>agenda slides (text) </a:t>
-            </a:r>
-            <a:r>
-              <a:rPr lang="en-US" dirty="0" smtClean="0">
-                <a:solidFill>
-                  <a:schemeClr val="accent6">
-                    <a:lumMod val="75000"/>
-                  </a:schemeClr>
-                </a:solidFill>
-              </a:rPr>
-              <a:t>option</a:t>
-            </a:r>
-            <a:r>
-              <a:rPr lang="en-US" dirty="0" smtClean="0">
-                <a:solidFill>
-                  <a:schemeClr val="accent6">
-                    <a:lumMod val="75000"/>
-                  </a:schemeClr>
-                </a:solidFill>
-              </a:rPr>
-              <a:t>. </a:t>
-            </a:r>
-            <a:endParaRPr lang="en-SG" dirty="0">
-              <a:solidFill>
-                <a:schemeClr val="accent6">
-                  <a:lumMod val="75000"/>
-                </a:schemeClr>
-              </a:solidFill>
-            </a:endParaRPr>
-          </a:p>
-        </p:txBody>
-      </p:sp>
-      <p:sp>
-        <p:nvSpPr>
-          <p:cNvPr id="5" name="Rectangle 4"/>
-          <p:cNvSpPr/>
-          <p:nvPr/>
-        </p:nvSpPr>
-        <p:spPr>
-          <a:xfrm>
-            <a:off x="616638" y="5638800"/>
-            <a:ext cx="7917761" cy="646331"/>
-          </a:xfrm>
-          <a:prstGeom prst="rect">
-            <a:avLst/>
-          </a:prstGeom>
-        </p:spPr>
-        <p:txBody>
-          <a:bodyPr wrap="square">
-            <a:spAutoFit/>
-          </a:bodyPr>
-          <a:lstStyle/>
-          <a:p>
-            <a:r>
-              <a:rPr lang="en-US" dirty="0" smtClean="0">
-                <a:solidFill>
-                  <a:schemeClr val="accent6">
-                    <a:lumMod val="75000"/>
-                  </a:schemeClr>
-                </a:solidFill>
-              </a:rPr>
-              <a:t>That will insert agenda slides into the slide deck. Items in the agenda slides will correspond to the names of the slide sections.</a:t>
-            </a:r>
-            <a:endParaRPr lang="en-SG" dirty="0">
-              <a:solidFill>
-                <a:schemeClr val="accent6">
-                  <a:lumMod val="75000"/>
-                </a:schemeClr>
-              </a:solidFill>
-            </a:endParaRPr>
-          </a:p>
-        </p:txBody>
-      </p:sp>
-      <p:pic>
-        <p:nvPicPr>
-          <p:cNvPr id="1026" name="Picture 2"/>
-          <p:cNvPicPr>
-            <a:picLocks noChangeAspect="1" noChangeArrowheads="1"/>
-          </p:cNvPicPr>
-          <p:nvPr/>
-        </p:nvPicPr>
-        <p:blipFill>
-          <a:blip r:embed="rId3">
-            <a:extLst>
-              <a:ext uri="{28A0092B-C50C-407E-A947-70E740481C1C}">
-                <a14:useLocalDpi xmlns:a14="http://schemas.microsoft.com/office/drawing/2010/main" val="0"/>
-              </a:ext>
-            </a:extLst>
-          </a:blip>
-          <a:srcRect/>
-          <a:stretch>
-            <a:fillRect/>
-          </a:stretch>
-        </p:blipFill>
-        <p:spPr bwMode="auto">
-          <a:xfrm>
-            <a:off x="2133600" y="490497"/>
-            <a:ext cx="533400" cy="744538"/>
-          </a:xfrm>
-          <a:prstGeom prst="rect">
-            <a:avLst/>
-          </a:prstGeom>
-          <a:noFill/>
-          <a:ln w="9525">
-            <a:solidFill>
-              <a:schemeClr val="bg1">
-                <a:lumMod val="85000"/>
-              </a:schemeClr>
-            </a:solidFill>
-            <a:miter lim="800000"/>
-            <a:headEnd/>
-            <a:tailEnd/>
-          </a:ln>
-          <a:extLst>
-            <a:ext uri="{909E8E84-426E-40DD-AFC4-6F175D3DCCD1}">
-              <a14:hiddenFill xmlns:a14="http://schemas.microsoft.com/office/drawing/2010/main">
-                <a:solidFill>
-                  <a:schemeClr val="accent1"/>
-                </a:solidFill>
-              </a14:hiddenFill>
-            </a:ext>
-            <a:ext uri="{91240B29-F687-4F45-9708-019B960494DF}">
-              <a14:hiddenLine xmlns:a14="http://schemas.microsoft.com/office/drawing/2010/main" w="9525">
-                <a:solidFill>
-                  <a:schemeClr val="tx1"/>
-                </a:solidFill>
-                <a:miter lim="800000"/>
-                <a:headEnd/>
-                <a:tailEnd/>
-              </a14:hiddenLine>
-            </a:ext>
-          </a:extLst>
-        </p:spPr>
-      </p:pic>
-      <p:pic>
-        <p:nvPicPr>
-          <p:cNvPr id="1027" name="Picture 3"/>
-          <p:cNvPicPr>
-            <a:picLocks noChangeAspect="1" noChangeArrowheads="1"/>
-          </p:cNvPicPr>
-          <p:nvPr/>
-        </p:nvPicPr>
-        <p:blipFill>
-          <a:blip r:embed="rId4">
-            <a:extLst>
-              <a:ext uri="{28A0092B-C50C-407E-A947-70E740481C1C}">
-                <a14:useLocalDpi xmlns:a14="http://schemas.microsoft.com/office/drawing/2010/main" val="0"/>
-              </a:ext>
-            </a:extLst>
-          </a:blip>
-          <a:srcRect/>
-          <a:stretch>
-            <a:fillRect/>
-          </a:stretch>
-        </p:blipFill>
-        <p:spPr bwMode="auto">
-          <a:xfrm>
-            <a:off x="1066800" y="1447800"/>
-            <a:ext cx="5885160" cy="3910013"/>
-          </a:xfrm>
-          <a:prstGeom prst="rect">
-            <a:avLst/>
-          </a:prstGeom>
-          <a:noFill/>
-          <a:ln>
-            <a:noFill/>
-          </a:ln>
-          <a:extLst>
-            <a:ext uri="{909E8E84-426E-40DD-AFC4-6F175D3DCCD1}">
-              <a14:hiddenFill xmlns:a14="http://schemas.microsoft.com/office/drawing/2010/main">
-                <a:solidFill>
-                  <a:schemeClr val="accent1"/>
-                </a:solidFill>
-              </a14:hiddenFill>
-            </a:ext>
-            <a:ext uri="{91240B29-F687-4F45-9708-019B960494DF}">
-              <a14:hiddenLine xmlns:a14="http://schemas.microsoft.com/office/drawing/2010/main" w="9525">
-                <a:solidFill>
-                  <a:schemeClr val="tx1"/>
-                </a:solidFill>
-                <a:miter lim="800000"/>
-                <a:headEnd/>
-                <a:tailEnd/>
-              </a14:hiddenLine>
-            </a:ext>
-          </a:extLst>
-        </p:spPr>
-      </p:pic>
-      <p:sp>
-        <p:nvSpPr>
-          <p:cNvPr id="2" name="Rectangle 1"/>
-          <p:cNvSpPr/>
-          <p:nvPr/>
-        </p:nvSpPr>
-        <p:spPr>
-          <a:xfrm>
-            <a:off x="1290208" y="2286000"/>
-            <a:ext cx="1419272" cy="1066800"/>
-          </a:xfrm>
-          <a:prstGeom prst="rect">
-            <a:avLst/>
-          </a:prstGeom>
-          <a:noFill/>
-          <a:ln>
-            <a:solidFill>
-              <a:srgbClr val="C00000"/>
-            </a:solidFill>
-            <a:prstDash val="sysDot"/>
-          </a:ln>
-          <a:effectLst>
-            <a:glow rad="101600">
-              <a:srgbClr val="FFFF00">
-                <a:alpha val="60000"/>
-              </a:srgbClr>
-            </a:glow>
-          </a:effectLst>
-        </p:spPr>
-        <p:style>
-          <a:lnRef idx="2">
-            <a:schemeClr val="accent1">
-              <a:shade val="50000"/>
-            </a:schemeClr>
-          </a:lnRef>
-          <a:fillRef idx="1">
-            <a:schemeClr val="accent1"/>
-          </a:fillRef>
-          <a:effectRef idx="0">
-            <a:schemeClr val="accent1"/>
-          </a:effectRef>
-          <a:fontRef idx="minor">
-            <a:schemeClr val="lt1"/>
-          </a:fontRef>
-        </p:style>
-        <p:txBody>
-          <a:bodyPr rtlCol="0" anchor="ctr"/>
-          <a:lstStyle/>
-          <a:p>
-            <a:pPr algn="ctr"/>
-            <a:endParaRPr lang="en-SG"/>
-          </a:p>
-        </p:txBody>
-      </p:sp>
-      <p:sp>
-        <p:nvSpPr>
-          <p:cNvPr id="9" name="Rectangle 8"/>
-          <p:cNvSpPr/>
-          <p:nvPr/>
-        </p:nvSpPr>
-        <p:spPr>
-          <a:xfrm>
-            <a:off x="1301557" y="4038600"/>
-            <a:ext cx="1419272" cy="1066800"/>
-          </a:xfrm>
-          <a:prstGeom prst="rect">
-            <a:avLst/>
-          </a:prstGeom>
-          <a:noFill/>
-          <a:ln>
-            <a:solidFill>
-              <a:srgbClr val="C00000"/>
-            </a:solidFill>
-            <a:prstDash val="sysDot"/>
-          </a:ln>
-          <a:effectLst>
-            <a:glow rad="101600">
-              <a:srgbClr val="FFFF00">
-                <a:alpha val="60000"/>
-              </a:srgbClr>
-            </a:glow>
-          </a:effectLst>
-        </p:spPr>
-        <p:style>
-          <a:lnRef idx="2">
-            <a:schemeClr val="accent1">
-              <a:shade val="50000"/>
-            </a:schemeClr>
-          </a:lnRef>
-          <a:fillRef idx="1">
-            <a:schemeClr val="accent1"/>
-          </a:fillRef>
-          <a:effectRef idx="0">
-            <a:schemeClr val="accent1"/>
-          </a:effectRef>
-          <a:fontRef idx="minor">
-            <a:schemeClr val="lt1"/>
-          </a:fontRef>
-        </p:style>
-        <p:txBody>
-          <a:bodyPr rtlCol="0" anchor="ctr"/>
-          <a:lstStyle/>
-          <a:p>
-            <a:pPr algn="ctr"/>
-            <a:endParaRPr lang="en-SG"/>
-          </a:p>
-        </p:txBody>
-      </p:sp>
-    </p:spTree>
-    <p:extLst>
-      <p:ext uri="{BB962C8B-B14F-4D97-AF65-F5344CB8AC3E}">
-        <p14:creationId xmlns:p14="http://schemas.microsoft.com/office/powerpoint/2010/main" val="185825476"/>
-      </p:ext>
-    </p:extLst>
-  </p:cSld>
-  <p:clrMapOvr>
-    <a:masterClrMapping/>
-  </p:clrMapOvr>
-  <p:timing>
-    <p:tnLst>
-      <p:par>
-        <p:cTn id="1" dur="indefinite" restart="never" nodeType="tmRoot"/>
-      </p:par>
-    </p:tnLst>
-  </p:timing>
-</p:sld>
-</file>
-
-<file path=ppt/slides/slide41.xml><?xml version="1.0" encoding="utf-8"?>
-<p:sld xmlns:a="http://schemas.openxmlformats.org/drawingml/2006/main" xmlns:r="http://schemas.openxmlformats.org/officeDocument/2006/relationships" xmlns:p="http://schemas.openxmlformats.org/presentationml/2006/main">
-  <p:cSld>
-    <p:spTree>
-      <p:nvGrpSpPr>
-        <p:cNvPr id="1" name=""/>
-        <p:cNvGrpSpPr/>
-        <p:nvPr/>
-      </p:nvGrpSpPr>
-      <p:grpSpPr>
-        <a:xfrm>
-          <a:off x="0" y="0"/>
-          <a:ext cx="0" cy="0"/>
-          <a:chOff x="0" y="0"/>
-          <a:chExt cx="0" cy="0"/>
-        </a:xfrm>
-      </p:grpSpPr>
-      <p:sp>
-        <p:nvSpPr>
-          <p:cNvPr id="7" name="TextBox 6"/>
-          <p:cNvSpPr txBox="1"/>
-          <p:nvPr/>
-        </p:nvSpPr>
-        <p:spPr>
-          <a:xfrm>
-            <a:off x="533400" y="479318"/>
             <a:ext cx="8001000" cy="1077218"/>
           </a:xfrm>
           <a:prstGeom prst="rect">
@@ -23350,17 +22627,7 @@
                   </a:schemeClr>
                 </a:solidFill>
               </a:rPr>
-              <a:t> Agenda Lab also inserts a hidden ‘Template’ slide at the beginning of the slide deck. That slide can be used to </a:t>
-            </a:r>
-            <a:r>
-              <a:rPr lang="en-US" dirty="0" smtClean="0">
-                <a:solidFill>
-                  <a:schemeClr val="accent6">
-                    <a:lumMod val="75000"/>
-                  </a:schemeClr>
-                </a:solidFill>
-              </a:rPr>
-              <a:t>tweak the appearance of the agenda slides, as explained in the next slide. </a:t>
+              <a:t> Agenda Lab also inserts a hidden ‘Template’ slide at the beginning of the slide deck. That slide can be used to tweak the appearance of the agenda slides, as explained in the next slide. </a:t>
             </a:r>
             <a:endParaRPr lang="en-SG" dirty="0">
               <a:solidFill>
@@ -23590,7 +22857,7 @@
 </p:sld>
 </file>
 
-<file path=ppt/slides/slide42.xml><?xml version="1.0" encoding="utf-8"?>
+<file path=ppt/slides/slide41.xml><?xml version="1.0" encoding="utf-8"?>
 <p:sld xmlns:a="http://schemas.openxmlformats.org/drawingml/2006/main" xmlns:r="http://schemas.openxmlformats.org/officeDocument/2006/relationships" xmlns:p="http://schemas.openxmlformats.org/presentationml/2006/main">
   <p:cSld>
     <p:spTree>
@@ -23648,17 +22915,7 @@
                   </a:schemeClr>
                 </a:solidFill>
               </a:rPr>
-              <a:t> </a:t>
-            </a:r>
-            <a:r>
-              <a:rPr lang="en-US" dirty="0" smtClean="0">
-                <a:solidFill>
-                  <a:schemeClr val="accent6">
-                    <a:lumMod val="75000"/>
-                  </a:schemeClr>
-                </a:solidFill>
-              </a:rPr>
-              <a:t>First, modify the agenda slide to match the appearance you want the agenda slides to have. </a:t>
+              <a:t> First, modify the agenda slide to match the appearance you want the agenda slides to have. </a:t>
             </a:r>
             <a:endParaRPr lang="en-SG" dirty="0">
               <a:solidFill>
@@ -23898,17 +23155,7 @@
                   </a:schemeClr>
                 </a:solidFill>
               </a:rPr>
-              <a:t> </a:t>
-            </a:r>
-            <a:r>
-              <a:rPr lang="en-US" dirty="0" smtClean="0">
-                <a:solidFill>
-                  <a:schemeClr val="accent6">
-                    <a:lumMod val="75000"/>
-                  </a:schemeClr>
-                </a:solidFill>
-              </a:rPr>
-              <a:t>Then, click on the </a:t>
+              <a:t> Then, click on the </a:t>
             </a:r>
             <a:r>
               <a:rPr lang="en-US" dirty="0">
@@ -24038,7 +23285,7 @@
 </p:sld>
 </file>
 
-<file path=ppt/slides/slide43.xml><?xml version="1.0" encoding="utf-8"?>
+<file path=ppt/slides/slide42.xml><?xml version="1.0" encoding="utf-8"?>
 <p:sld xmlns:a="http://schemas.openxmlformats.org/drawingml/2006/main" xmlns:r="http://schemas.openxmlformats.org/officeDocument/2006/relationships" xmlns:p="http://schemas.openxmlformats.org/presentationml/2006/main">
   <p:cSld>
     <p:spTree>
@@ -24096,17 +23343,7 @@
                   </a:schemeClr>
                 </a:solidFill>
               </a:rPr>
-              <a:t> </a:t>
-            </a:r>
-            <a:r>
-              <a:rPr lang="en-US" dirty="0" smtClean="0">
-                <a:solidFill>
-                  <a:schemeClr val="accent6">
-                    <a:lumMod val="75000"/>
-                  </a:schemeClr>
-                </a:solidFill>
-              </a:rPr>
-              <a:t>It is possible to insert the Agenda as a sidebar on each slide.  Here are </a:t>
+              <a:t> It is possible to insert the Agenda as a sidebar on each slide.  Here are </a:t>
             </a:r>
             <a:br>
               <a:rPr lang="en-US" dirty="0" smtClean="0">
@@ -24178,17 +23415,7 @@
                   </a:schemeClr>
                 </a:solidFill>
               </a:rPr>
-              <a:t> </a:t>
-            </a:r>
-            <a:r>
-              <a:rPr lang="en-US" dirty="0" smtClean="0">
-                <a:solidFill>
-                  <a:schemeClr val="accent6">
-                    <a:lumMod val="75000"/>
-                  </a:schemeClr>
-                </a:solidFill>
-              </a:rPr>
-              <a:t>It is also possible to generate agenda slides containing a </a:t>
+              <a:t> It is also possible to generate agenda slides containing a </a:t>
             </a:r>
             <a:br>
               <a:rPr lang="en-US" dirty="0" smtClean="0">
@@ -24733,7 +23960,7 @@
               <a:t>refer to </a:t>
             </a:r>
             <a:r>
-              <a:rPr lang="en-US" dirty="0" err="1" smtClean="0">
+              <a:rPr lang="en-US" dirty="0" smtClean="0">
                 <a:solidFill>
                   <a:schemeClr val="accent6">
                     <a:lumMod val="75000"/>
@@ -24741,18 +23968,7 @@
                 </a:solidFill>
                 <a:hlinkClick r:id="rId8"/>
               </a:rPr>
-              <a:t>PowerPointLabs</a:t>
-            </a:r>
-            <a:r>
-              <a:rPr lang="en-US" dirty="0" smtClean="0">
-                <a:solidFill>
-                  <a:schemeClr val="accent6">
-                    <a:lumMod val="75000"/>
-                  </a:schemeClr>
-                </a:solidFill>
-                <a:hlinkClick r:id="rId8"/>
-              </a:rPr>
-              <a:t> documentation</a:t>
+              <a:t>PowerPointLabs documentation</a:t>
             </a:r>
             <a:r>
               <a:rPr lang="en-US" dirty="0" smtClean="0">
@@ -24794,7 +24010,1419 @@
 </p:sld>
 </file>
 
+<file path=ppt/slides/slide43.xml><?xml version="1.0" encoding="utf-8"?>
+<p:sld xmlns:a="http://schemas.openxmlformats.org/drawingml/2006/main" xmlns:r="http://schemas.openxmlformats.org/officeDocument/2006/relationships" xmlns:p="http://schemas.openxmlformats.org/presentationml/2006/main">
+  <p:cSld>
+    <p:spTree>
+      <p:nvGrpSpPr>
+        <p:cNvPr id="1" name=""/>
+        <p:cNvGrpSpPr/>
+        <p:nvPr/>
+      </p:nvGrpSpPr>
+      <p:grpSpPr>
+        <a:xfrm>
+          <a:off x="0" y="0"/>
+          <a:ext cx="0" cy="0"/>
+          <a:chOff x="0" y="0"/>
+          <a:chExt cx="0" cy="0"/>
+        </a:xfrm>
+      </p:grpSpPr>
+      <p:pic>
+        <p:nvPicPr>
+          <p:cNvPr id="18" name="pptPictureSlidesLab_BackGround_122745d"/>
+          <p:cNvPicPr>
+            <a:picLocks noChangeAspect="1"/>
+          </p:cNvPicPr>
+          <p:nvPr/>
+        </p:nvPicPr>
+        <p:blipFill rotWithShape="1">
+          <a:blip r:embed="rId5">
+            <a:extLst>
+              <a:ext uri="{28A0092B-C50C-407E-A947-70E740481C1C}">
+                <a14:useLocalDpi xmlns:a14="http://schemas.microsoft.com/office/drawing/2010/main" val="0"/>
+              </a:ext>
+            </a:extLst>
+          </a:blip>
+          <a:srcRect l="2381" r="2381"/>
+          <a:stretch/>
+        </p:blipFill>
+        <p:spPr>
+          <a:xfrm>
+            <a:off x="0" y="0"/>
+            <a:ext cx="9144000" cy="6858000"/>
+          </a:xfrm>
+          <a:prstGeom prst="rect">
+            <a:avLst/>
+          </a:prstGeom>
+        </p:spPr>
+      </p:pic>
+      <p:pic>
+        <p:nvPicPr>
+          <p:cNvPr id="19" name="pptPictureSlidesLab_Original_DO_NOT_REMOVE_d3542f9" hidden="1"/>
+          <p:cNvPicPr>
+            <a:picLocks noChangeAspect="1"/>
+          </p:cNvPicPr>
+          <p:nvPr>
+            <p:custDataLst>
+              <p:tags r:id="rId1"/>
+            </p:custDataLst>
+          </p:nvPr>
+        </p:nvPicPr>
+        <p:blipFill>
+          <a:blip r:embed="rId6" cstate="print">
+            <a:extLst>
+              <a:ext uri="{28A0092B-C50C-407E-A947-70E740481C1C}">
+                <a14:useLocalDpi xmlns:a14="http://schemas.microsoft.com/office/drawing/2010/main" val="0"/>
+              </a:ext>
+            </a:extLst>
+          </a:blip>
+          <a:stretch>
+            <a:fillRect/>
+          </a:stretch>
+        </p:blipFill>
+        <p:spPr>
+          <a:xfrm>
+            <a:off x="-231415" y="0"/>
+            <a:ext cx="9606829" cy="6858000"/>
+          </a:xfrm>
+          <a:prstGeom prst="rect">
+            <a:avLst/>
+          </a:prstGeom>
+        </p:spPr>
+      </p:pic>
+      <p:pic>
+        <p:nvPicPr>
+          <p:cNvPr id="22" name="pptPictureSlidesLab_Cropped_DO_NOT_REMOVE_6c0813c" hidden="1"/>
+          <p:cNvPicPr>
+            <a:picLocks noChangeAspect="1"/>
+          </p:cNvPicPr>
+          <p:nvPr/>
+        </p:nvPicPr>
+        <p:blipFill>
+          <a:blip r:embed="rId5">
+            <a:extLst>
+              <a:ext uri="{28A0092B-C50C-407E-A947-70E740481C1C}">
+                <a14:useLocalDpi xmlns:a14="http://schemas.microsoft.com/office/drawing/2010/main" val="0"/>
+              </a:ext>
+            </a:extLst>
+          </a:blip>
+          <a:stretch>
+            <a:fillRect/>
+          </a:stretch>
+        </p:blipFill>
+        <p:spPr>
+          <a:xfrm>
+            <a:off x="-228600" y="0"/>
+            <a:ext cx="9601199" cy="6858000"/>
+          </a:xfrm>
+          <a:prstGeom prst="rect">
+            <a:avLst/>
+          </a:prstGeom>
+        </p:spPr>
+      </p:pic>
+      <p:grpSp>
+        <p:nvGrpSpPr>
+          <p:cNvPr id="26" name="pptPictureSlidesLab_Banner_6efcd56"/>
+          <p:cNvGrpSpPr/>
+          <p:nvPr/>
+        </p:nvGrpSpPr>
+        <p:grpSpPr>
+          <a:xfrm>
+            <a:off x="0" y="2468880"/>
+            <a:ext cx="9144000" cy="1920240"/>
+            <a:chOff x="0" y="2468880"/>
+            <a:chExt cx="9144000" cy="1920240"/>
+          </a:xfrm>
+        </p:grpSpPr>
+        <p:pic>
+          <p:nvPicPr>
+            <p:cNvPr id="24" name="pptPictureSlidesLab_Banner_cab930c"/>
+            <p:cNvPicPr>
+              <a:picLocks noChangeAspect="1"/>
+            </p:cNvPicPr>
+            <p:nvPr/>
+          </p:nvPicPr>
+          <p:blipFill rotWithShape="1">
+            <a:blip r:embed="rId7">
+              <a:extLst>
+                <a:ext uri="{28A0092B-C50C-407E-A947-70E740481C1C}">
+                  <a14:useLocalDpi xmlns:a14="http://schemas.microsoft.com/office/drawing/2010/main" val="0"/>
+                </a:ext>
+              </a:extLst>
+            </a:blip>
+            <a:srcRect l="2381" t="36000" r="2381" b="36000"/>
+            <a:stretch/>
+          </p:blipFill>
+          <p:spPr>
+            <a:xfrm>
+              <a:off x="0" y="2468880"/>
+              <a:ext cx="9144000" cy="1920239"/>
+            </a:xfrm>
+            <a:prstGeom prst="rect">
+              <a:avLst/>
+            </a:prstGeom>
+          </p:spPr>
+        </p:pic>
+        <p:sp>
+          <p:nvSpPr>
+            <p:cNvPr id="25" name="pptPictureSlidesLab_Banner_aa68875"/>
+            <p:cNvSpPr/>
+            <p:nvPr/>
+          </p:nvSpPr>
+          <p:spPr>
+            <a:xfrm>
+              <a:off x="0" y="2468880"/>
+              <a:ext cx="9144000" cy="1920240"/>
+            </a:xfrm>
+            <a:prstGeom prst="rect">
+              <a:avLst/>
+            </a:prstGeom>
+            <a:solidFill>
+              <a:srgbClr val="000000">
+                <a:alpha val="20000"/>
+              </a:srgbClr>
+            </a:solidFill>
+            <a:ln w="63500" cap="flat" cmpd="sng" algn="ctr">
+              <a:noFill/>
+              <a:prstDash val="solid"/>
+              <a:round/>
+              <a:headEnd type="none" w="med" len="med"/>
+              <a:tailEnd type="none" w="med" len="med"/>
+            </a:ln>
+            <a:effectLst/>
+            <a:extLst>
+              <a:ext uri="{91240B29-F687-4F45-9708-019B960494DF}">
+                <a14:hiddenLine xmlns:a14="http://schemas.microsoft.com/office/drawing/2010/main" w="63500" cap="flat" cmpd="sng" algn="ctr">
+                  <a:solidFill>
+                    <a:srgbClr val="000000">
+                      <a:alpha val="20000"/>
+                    </a:srgbClr>
+                  </a:solidFill>
+                  <a:prstDash val="solid"/>
+                  <a:round/>
+                  <a:headEnd type="none" w="med" len="med"/>
+                  <a:tailEnd type="none" w="med" len="med"/>
+                </a14:hiddenLine>
+              </a:ext>
+            </a:extLst>
+          </p:spPr>
+          <p:style>
+            <a:lnRef idx="2">
+              <a:schemeClr val="accent1">
+                <a:shade val="50000"/>
+              </a:schemeClr>
+            </a:lnRef>
+            <a:fillRef idx="1">
+              <a:schemeClr val="accent1"/>
+            </a:fillRef>
+            <a:effectRef idx="0">
+              <a:schemeClr val="accent1"/>
+            </a:effectRef>
+            <a:fontRef idx="minor">
+              <a:schemeClr val="lt1"/>
+            </a:fontRef>
+          </p:style>
+          <p:txBody>
+            <a:bodyPr rtlCol="0" anchor="ctr"/>
+            <a:lstStyle/>
+            <a:p>
+              <a:pPr algn="ctr"/>
+              <a:endParaRPr lang="en-SG"/>
+            </a:p>
+          </p:txBody>
+        </p:sp>
+      </p:grpSp>
+      <p:sp>
+        <p:nvSpPr>
+          <p:cNvPr id="4" name="[TextBox 3]"/>
+          <p:cNvSpPr txBox="1"/>
+          <p:nvPr>
+            <p:custDataLst>
+              <p:tags r:id="rId2"/>
+            </p:custDataLst>
+          </p:nvPr>
+        </p:nvSpPr>
+        <p:spPr>
+          <a:xfrm>
+            <a:off x="1753552" y="2804160"/>
+            <a:ext cx="5928508" cy="369332"/>
+          </a:xfrm>
+          <a:prstGeom prst="rect">
+            <a:avLst/>
+          </a:prstGeom>
+          <a:noFill/>
+        </p:spPr>
+        <p:txBody>
+          <a:bodyPr wrap="square" rtlCol="0">
+            <a:noAutofit/>
+          </a:bodyPr>
+          <a:lstStyle/>
+          <a:p>
+            <a:r>
+              <a:rPr lang="en-US" sz="3800" dirty="0" smtClean="0">
+                <a:solidFill>
+                  <a:srgbClr val="FFFFFF"/>
+                </a:solidFill>
+                <a:effectLst>
+                  <a:glow>
+                    <a:srgbClr val="000000"/>
+                  </a:glow>
+                </a:effectLst>
+                <a:latin typeface="Segoe UI" panose="020B0502040204020203" pitchFamily="34" charset="0"/>
+              </a:rPr>
+              <a:t>Next, </a:t>
+            </a:r>
+            <a:r>
+              <a:rPr lang="en-US" sz="3800" dirty="0" smtClean="0">
+                <a:solidFill>
+                  <a:srgbClr val="FFFFFF"/>
+                </a:solidFill>
+                <a:effectLst>
+                  <a:glow>
+                    <a:srgbClr val="000000"/>
+                  </a:glow>
+                </a:effectLst>
+                <a:latin typeface="Segoe UI" panose="020B0502040204020203" pitchFamily="34" charset="0"/>
+              </a:rPr>
+              <a:t>let’s try the </a:t>
+            </a:r>
+            <a:r>
+              <a:rPr lang="en-US" sz="3800" b="1" dirty="0" smtClean="0">
+                <a:solidFill>
+                  <a:srgbClr val="FFFFFF"/>
+                </a:solidFill>
+                <a:effectLst>
+                  <a:glow>
+                    <a:srgbClr val="000000"/>
+                  </a:glow>
+                </a:effectLst>
+                <a:latin typeface="Segoe UI" panose="020B0502040204020203" pitchFamily="34" charset="0"/>
+              </a:rPr>
+              <a:t>Picture Slides Lab </a:t>
+            </a:r>
+            <a:r>
+              <a:rPr lang="en-US" sz="3800" dirty="0" smtClean="0">
+                <a:solidFill>
+                  <a:srgbClr val="FFFFFF"/>
+                </a:solidFill>
+                <a:effectLst>
+                  <a:glow>
+                    <a:srgbClr val="000000"/>
+                  </a:glow>
+                </a:effectLst>
+                <a:latin typeface="Segoe UI" panose="020B0502040204020203" pitchFamily="34" charset="0"/>
+              </a:rPr>
+              <a:t>feature</a:t>
+            </a:r>
+            <a:endParaRPr lang="en-SG" sz="3800" dirty="0">
+              <a:solidFill>
+                <a:srgbClr val="FFFFFF"/>
+              </a:solidFill>
+              <a:effectLst>
+                <a:glow>
+                  <a:srgbClr val="000000"/>
+                </a:glow>
+              </a:effectLst>
+              <a:latin typeface="Segoe UI" panose="020B0502040204020203" pitchFamily="34" charset="0"/>
+            </a:endParaRPr>
+          </a:p>
+        </p:txBody>
+      </p:sp>
+    </p:spTree>
+    <p:extLst>
+      <p:ext uri="{BB962C8B-B14F-4D97-AF65-F5344CB8AC3E}">
+        <p14:creationId xmlns:p14="http://schemas.microsoft.com/office/powerpoint/2010/main" val="3531219285"/>
+      </p:ext>
+    </p:extLst>
+  </p:cSld>
+  <p:clrMapOvr>
+    <a:masterClrMapping/>
+  </p:clrMapOvr>
+  <p:timing>
+    <p:tnLst>
+      <p:par>
+        <p:cTn id="1" dur="indefinite" restart="never" nodeType="tmRoot"/>
+      </p:par>
+    </p:tnLst>
+  </p:timing>
+</p:sld>
+</file>
+
 <file path=ppt/slides/slide44.xml><?xml version="1.0" encoding="utf-8"?>
+<p:sld xmlns:a="http://schemas.openxmlformats.org/drawingml/2006/main" xmlns:r="http://schemas.openxmlformats.org/officeDocument/2006/relationships" xmlns:p="http://schemas.openxmlformats.org/presentationml/2006/main">
+  <p:cSld>
+    <p:spTree>
+      <p:nvGrpSpPr>
+        <p:cNvPr id="1" name=""/>
+        <p:cNvGrpSpPr/>
+        <p:nvPr/>
+      </p:nvGrpSpPr>
+      <p:grpSpPr>
+        <a:xfrm>
+          <a:off x="0" y="0"/>
+          <a:ext cx="0" cy="0"/>
+          <a:chOff x="0" y="0"/>
+          <a:chExt cx="0" cy="0"/>
+        </a:xfrm>
+      </p:grpSpPr>
+      <p:sp>
+        <p:nvSpPr>
+          <p:cNvPr id="7" name="[TextBox 6]"/>
+          <p:cNvSpPr txBox="1"/>
+          <p:nvPr/>
+        </p:nvSpPr>
+        <p:spPr>
+          <a:xfrm>
+            <a:off x="406052" y="609600"/>
+            <a:ext cx="5105400" cy="1631216"/>
+          </a:xfrm>
+          <a:prstGeom prst="rect">
+            <a:avLst/>
+          </a:prstGeom>
+          <a:noFill/>
+        </p:spPr>
+        <p:txBody>
+          <a:bodyPr wrap="square" rtlCol="0">
+            <a:spAutoFit/>
+          </a:bodyPr>
+          <a:lstStyle/>
+          <a:p>
+            <a:r>
+              <a:rPr lang="en-US" sz="2800" b="1" dirty="0" smtClean="0">
+                <a:solidFill>
+                  <a:schemeClr val="accent6">
+                    <a:lumMod val="75000"/>
+                  </a:schemeClr>
+                </a:solidFill>
+              </a:rPr>
+              <a:t>1.</a:t>
+            </a:r>
+            <a:r>
+              <a:rPr lang="en-US" dirty="0" smtClean="0">
+                <a:solidFill>
+                  <a:schemeClr val="accent6">
+                    <a:lumMod val="75000"/>
+                  </a:schemeClr>
+                </a:solidFill>
+              </a:rPr>
+              <a:t> Go to the </a:t>
+            </a:r>
+            <a:r>
+              <a:rPr lang="en-US" b="1" dirty="0" smtClean="0">
+                <a:solidFill>
+                  <a:schemeClr val="accent6">
+                    <a:lumMod val="75000"/>
+                  </a:schemeClr>
+                </a:solidFill>
+              </a:rPr>
+              <a:t>next </a:t>
+            </a:r>
+            <a:r>
+              <a:rPr lang="en-US" b="1" dirty="0" smtClean="0">
+                <a:solidFill>
+                  <a:schemeClr val="accent6">
+                    <a:lumMod val="75000"/>
+                  </a:schemeClr>
+                </a:solidFill>
+              </a:rPr>
+              <a:t>slide </a:t>
+            </a:r>
+            <a:r>
+              <a:rPr lang="en-US" dirty="0" smtClean="0">
+                <a:solidFill>
+                  <a:schemeClr val="accent6">
+                    <a:lumMod val="75000"/>
+                  </a:schemeClr>
+                </a:solidFill>
+              </a:rPr>
+              <a:t>and click the               button</a:t>
+            </a:r>
+            <a:r>
+              <a:rPr lang="en-US" dirty="0" smtClean="0">
+                <a:solidFill>
+                  <a:schemeClr val="accent6">
+                    <a:lumMod val="75000"/>
+                  </a:schemeClr>
+                </a:solidFill>
+              </a:rPr>
+              <a:t>.</a:t>
+            </a:r>
+          </a:p>
+          <a:p>
+            <a:r>
+              <a:rPr lang="en-US" dirty="0" smtClean="0">
+                <a:solidFill>
+                  <a:schemeClr val="accent6">
+                    <a:lumMod val="75000"/>
+                  </a:schemeClr>
+                </a:solidFill>
+              </a:rPr>
+              <a:t/>
+            </a:r>
+            <a:br>
+              <a:rPr lang="en-US" dirty="0" smtClean="0">
+                <a:solidFill>
+                  <a:schemeClr val="accent6">
+                    <a:lumMod val="75000"/>
+                  </a:schemeClr>
+                </a:solidFill>
+              </a:rPr>
+            </a:br>
+            <a:r>
+              <a:rPr lang="en-US" dirty="0" smtClean="0">
+                <a:solidFill>
+                  <a:schemeClr val="accent6">
+                    <a:lumMod val="75000"/>
+                  </a:schemeClr>
+                </a:solidFill>
+              </a:rPr>
+              <a:t>It will show the </a:t>
+            </a:r>
+            <a:r>
+              <a:rPr lang="en-US" b="1" dirty="0" smtClean="0">
+                <a:solidFill>
+                  <a:schemeClr val="accent6">
+                    <a:lumMod val="75000"/>
+                  </a:schemeClr>
+                </a:solidFill>
+              </a:rPr>
+              <a:t>Picture Slides Lab window</a:t>
+            </a:r>
+            <a:r>
+              <a:rPr lang="en-US" dirty="0" smtClean="0">
+                <a:solidFill>
+                  <a:schemeClr val="accent6">
+                    <a:lumMod val="75000"/>
+                  </a:schemeClr>
+                </a:solidFill>
+              </a:rPr>
+              <a:t>. Choose a slide preview in the </a:t>
+            </a:r>
+            <a:r>
+              <a:rPr lang="en-US" b="1" dirty="0" smtClean="0">
+                <a:solidFill>
+                  <a:schemeClr val="accent6">
+                    <a:lumMod val="75000"/>
+                  </a:schemeClr>
+                </a:solidFill>
+              </a:rPr>
+              <a:t>preview</a:t>
+            </a:r>
+            <a:r>
+              <a:rPr lang="en-US" dirty="0" smtClean="0">
+                <a:solidFill>
+                  <a:schemeClr val="accent6">
+                    <a:lumMod val="75000"/>
+                  </a:schemeClr>
+                </a:solidFill>
+              </a:rPr>
+              <a:t> area and click the </a:t>
+            </a:r>
+            <a:r>
+              <a:rPr lang="en-US" b="1" dirty="0" smtClean="0">
+                <a:solidFill>
+                  <a:schemeClr val="accent6">
+                    <a:lumMod val="75000"/>
+                  </a:schemeClr>
+                </a:solidFill>
+              </a:rPr>
+              <a:t>apply</a:t>
+            </a:r>
+            <a:r>
+              <a:rPr lang="en-US" dirty="0" smtClean="0">
+                <a:solidFill>
+                  <a:schemeClr val="accent6">
+                    <a:lumMod val="75000"/>
+                  </a:schemeClr>
+                </a:solidFill>
+              </a:rPr>
+              <a:t> button to apply the style to current slide.</a:t>
+            </a:r>
+            <a:endParaRPr lang="en-SG" dirty="0">
+              <a:solidFill>
+                <a:schemeClr val="accent6">
+                  <a:lumMod val="75000"/>
+                </a:schemeClr>
+              </a:solidFill>
+            </a:endParaRPr>
+          </a:p>
+        </p:txBody>
+      </p:sp>
+      <p:sp>
+        <p:nvSpPr>
+          <p:cNvPr id="9" name="[Picture 3]"/>
+          <p:cNvSpPr txBox="1"/>
+          <p:nvPr/>
+        </p:nvSpPr>
+        <p:spPr>
+          <a:xfrm>
+            <a:off x="406052" y="2221203"/>
+            <a:ext cx="5105400" cy="1354217"/>
+          </a:xfrm>
+          <a:prstGeom prst="rect">
+            <a:avLst/>
+          </a:prstGeom>
+          <a:noFill/>
+        </p:spPr>
+        <p:txBody>
+          <a:bodyPr wrap="square" rtlCol="0">
+            <a:spAutoFit/>
+          </a:bodyPr>
+          <a:lstStyle/>
+          <a:p>
+            <a:r>
+              <a:rPr lang="en-US" sz="2800" b="1" dirty="0" smtClean="0">
+                <a:solidFill>
+                  <a:schemeClr val="accent6">
+                    <a:lumMod val="75000"/>
+                  </a:schemeClr>
+                </a:solidFill>
+              </a:rPr>
+              <a:t>2.</a:t>
+            </a:r>
+            <a:r>
+              <a:rPr lang="en-US" dirty="0" smtClean="0">
+                <a:solidFill>
+                  <a:schemeClr val="accent6">
+                    <a:lumMod val="75000"/>
+                  </a:schemeClr>
+                </a:solidFill>
+              </a:rPr>
+              <a:t> To customize slide previews, click the </a:t>
+            </a:r>
+            <a:r>
+              <a:rPr lang="en-US" b="1" dirty="0" smtClean="0">
+                <a:solidFill>
+                  <a:schemeClr val="accent6">
+                    <a:lumMod val="75000"/>
+                  </a:schemeClr>
+                </a:solidFill>
+              </a:rPr>
+              <a:t>customize</a:t>
+            </a:r>
+            <a:r>
+              <a:rPr lang="en-US" dirty="0" smtClean="0">
+                <a:solidFill>
+                  <a:schemeClr val="accent6">
+                    <a:lumMod val="75000"/>
+                  </a:schemeClr>
+                </a:solidFill>
+              </a:rPr>
+              <a:t> </a:t>
+            </a:r>
+            <a:r>
+              <a:rPr lang="en-US" dirty="0">
+                <a:solidFill>
+                  <a:schemeClr val="accent6">
+                    <a:lumMod val="75000"/>
+                  </a:schemeClr>
+                </a:solidFill>
+              </a:rPr>
+              <a:t>button. It will show you how the slide will look like with the various pictures you have on the </a:t>
+            </a:r>
+            <a:r>
+              <a:rPr lang="en-US" b="1" dirty="0" smtClean="0">
+                <a:solidFill>
+                  <a:schemeClr val="accent6">
+                    <a:lumMod val="75000"/>
+                  </a:schemeClr>
+                </a:solidFill>
+              </a:rPr>
+              <a:t>picture collection </a:t>
+            </a:r>
+            <a:r>
+              <a:rPr lang="en-US" dirty="0">
+                <a:solidFill>
+                  <a:schemeClr val="accent6">
+                    <a:lumMod val="75000"/>
+                  </a:schemeClr>
+                </a:solidFill>
+              </a:rPr>
+              <a:t>area </a:t>
+            </a:r>
+            <a:r>
+              <a:rPr lang="en-US" dirty="0" smtClean="0">
+                <a:solidFill>
+                  <a:schemeClr val="accent6">
+                    <a:lumMod val="75000"/>
+                  </a:schemeClr>
+                </a:solidFill>
+              </a:rPr>
+              <a:t>(the </a:t>
+            </a:r>
+            <a:r>
+              <a:rPr lang="en-US" dirty="0">
+                <a:solidFill>
+                  <a:schemeClr val="accent6">
+                    <a:lumMod val="75000"/>
+                  </a:schemeClr>
+                </a:solidFill>
+              </a:rPr>
+              <a:t>right half of the PSL window</a:t>
+            </a:r>
+            <a:r>
+              <a:rPr lang="en-US" dirty="0" smtClean="0">
+                <a:solidFill>
+                  <a:schemeClr val="accent6">
+                    <a:lumMod val="75000"/>
+                  </a:schemeClr>
+                </a:solidFill>
+              </a:rPr>
+              <a:t>).</a:t>
+            </a:r>
+            <a:endParaRPr lang="en-SG" dirty="0">
+              <a:solidFill>
+                <a:schemeClr val="accent6">
+                  <a:lumMod val="75000"/>
+                </a:schemeClr>
+              </a:solidFill>
+            </a:endParaRPr>
+          </a:p>
+        </p:txBody>
+      </p:sp>
+      <p:pic>
+        <p:nvPicPr>
+          <p:cNvPr id="2" name="Picture 1"/>
+          <p:cNvPicPr>
+            <a:picLocks noChangeAspect="1"/>
+          </p:cNvPicPr>
+          <p:nvPr/>
+        </p:nvPicPr>
+        <p:blipFill>
+          <a:blip r:embed="rId2">
+            <a:extLst>
+              <a:ext uri="{28A0092B-C50C-407E-A947-70E740481C1C}">
+                <a14:useLocalDpi xmlns:a14="http://schemas.microsoft.com/office/drawing/2010/main" val="0"/>
+              </a:ext>
+            </a:extLst>
+          </a:blip>
+          <a:stretch>
+            <a:fillRect/>
+          </a:stretch>
+        </p:blipFill>
+        <p:spPr>
+          <a:xfrm>
+            <a:off x="3999978" y="479590"/>
+            <a:ext cx="523948" cy="714475"/>
+          </a:xfrm>
+          <a:prstGeom prst="rect">
+            <a:avLst/>
+          </a:prstGeom>
+          <a:solidFill>
+            <a:srgbClr val="FFFFFF">
+              <a:shade val="85000"/>
+            </a:srgbClr>
+          </a:solidFill>
+          <a:ln w="88900" cap="sq">
+            <a:noFill/>
+            <a:miter lim="800000"/>
+          </a:ln>
+          <a:effectLst>
+            <a:outerShdw blurRad="55000" dist="18000" dir="5400000" algn="tl" rotWithShape="0">
+              <a:srgbClr val="000000">
+                <a:alpha val="40000"/>
+              </a:srgbClr>
+            </a:outerShdw>
+          </a:effectLst>
+        </p:spPr>
+      </p:pic>
+      <p:pic>
+        <p:nvPicPr>
+          <p:cNvPr id="3" name="Picture 2"/>
+          <p:cNvPicPr>
+            <a:picLocks noChangeAspect="1"/>
+          </p:cNvPicPr>
+          <p:nvPr/>
+        </p:nvPicPr>
+        <p:blipFill rotWithShape="1">
+          <a:blip r:embed="rId3">
+            <a:extLst>
+              <a:ext uri="{28A0092B-C50C-407E-A947-70E740481C1C}">
+                <a14:useLocalDpi xmlns:a14="http://schemas.microsoft.com/office/drawing/2010/main" val="0"/>
+              </a:ext>
+            </a:extLst>
+          </a:blip>
+          <a:srcRect r="66666" b="62150"/>
+          <a:stretch/>
+        </p:blipFill>
+        <p:spPr>
+          <a:xfrm>
+            <a:off x="5638800" y="471239"/>
+            <a:ext cx="3048000" cy="1967161"/>
+          </a:xfrm>
+          <a:prstGeom prst="rect">
+            <a:avLst/>
+          </a:prstGeom>
+        </p:spPr>
+      </p:pic>
+      <p:sp>
+        <p:nvSpPr>
+          <p:cNvPr id="5" name="Arc 4"/>
+          <p:cNvSpPr/>
+          <p:nvPr/>
+        </p:nvSpPr>
+        <p:spPr>
+          <a:xfrm flipV="1">
+            <a:off x="4531276" y="3132"/>
+            <a:ext cx="2215048" cy="2060532"/>
+          </a:xfrm>
+          <a:prstGeom prst="arc">
+            <a:avLst>
+              <a:gd name="adj1" fmla="val 14536463"/>
+              <a:gd name="adj2" fmla="val 21237138"/>
+            </a:avLst>
+          </a:prstGeom>
+          <a:ln w="19050">
+            <a:solidFill>
+              <a:schemeClr val="accent6">
+                <a:lumMod val="40000"/>
+                <a:lumOff val="60000"/>
+              </a:schemeClr>
+            </a:solidFill>
+            <a:tailEnd type="triangle" w="lg" len="med"/>
+          </a:ln>
+        </p:spPr>
+        <p:style>
+          <a:lnRef idx="1">
+            <a:schemeClr val="accent1"/>
+          </a:lnRef>
+          <a:fillRef idx="0">
+            <a:schemeClr val="accent1"/>
+          </a:fillRef>
+          <a:effectRef idx="0">
+            <a:schemeClr val="accent1"/>
+          </a:effectRef>
+          <a:fontRef idx="minor">
+            <a:schemeClr val="tx1"/>
+          </a:fontRef>
+        </p:style>
+        <p:txBody>
+          <a:bodyPr rtlCol="0" anchor="ctr"/>
+          <a:lstStyle/>
+          <a:p>
+            <a:pPr algn="ctr"/>
+            <a:endParaRPr lang="en-SG"/>
+          </a:p>
+        </p:txBody>
+      </p:sp>
+      <p:sp>
+        <p:nvSpPr>
+          <p:cNvPr id="21" name="Arc 20"/>
+          <p:cNvSpPr/>
+          <p:nvPr/>
+        </p:nvSpPr>
+        <p:spPr>
+          <a:xfrm flipV="1">
+            <a:off x="4429374" y="-914400"/>
+            <a:ext cx="2809626" cy="3581400"/>
+          </a:xfrm>
+          <a:prstGeom prst="arc">
+            <a:avLst>
+              <a:gd name="adj1" fmla="val 15331072"/>
+              <a:gd name="adj2" fmla="val 20930767"/>
+            </a:avLst>
+          </a:prstGeom>
+          <a:ln w="19050">
+            <a:solidFill>
+              <a:schemeClr val="accent6">
+                <a:lumMod val="40000"/>
+                <a:lumOff val="60000"/>
+              </a:schemeClr>
+            </a:solidFill>
+            <a:tailEnd type="triangle" w="lg" len="med"/>
+          </a:ln>
+        </p:spPr>
+        <p:style>
+          <a:lnRef idx="1">
+            <a:schemeClr val="accent1"/>
+          </a:lnRef>
+          <a:fillRef idx="0">
+            <a:schemeClr val="accent1"/>
+          </a:fillRef>
+          <a:effectRef idx="0">
+            <a:schemeClr val="accent1"/>
+          </a:effectRef>
+          <a:fontRef idx="minor">
+            <a:schemeClr val="tx1"/>
+          </a:fontRef>
+        </p:style>
+        <p:txBody>
+          <a:bodyPr rtlCol="0" anchor="ctr"/>
+          <a:lstStyle/>
+          <a:p>
+            <a:pPr algn="ctr"/>
+            <a:endParaRPr lang="en-SG"/>
+          </a:p>
+        </p:txBody>
+      </p:sp>
+      <p:sp>
+        <p:nvSpPr>
+          <p:cNvPr id="22" name="[Picture 3]"/>
+          <p:cNvSpPr txBox="1"/>
+          <p:nvPr/>
+        </p:nvSpPr>
+        <p:spPr>
+          <a:xfrm>
+            <a:off x="406052" y="4336752"/>
+            <a:ext cx="5105400" cy="800219"/>
+          </a:xfrm>
+          <a:prstGeom prst="rect">
+            <a:avLst/>
+          </a:prstGeom>
+          <a:noFill/>
+        </p:spPr>
+        <p:txBody>
+          <a:bodyPr wrap="square" rtlCol="0">
+            <a:spAutoFit/>
+          </a:bodyPr>
+          <a:lstStyle/>
+          <a:p>
+            <a:r>
+              <a:rPr lang="en-US" sz="2800" b="1" dirty="0" smtClean="0">
+                <a:solidFill>
+                  <a:schemeClr val="accent6">
+                    <a:lumMod val="75000"/>
+                  </a:schemeClr>
+                </a:solidFill>
+              </a:rPr>
+              <a:t>4.</a:t>
+            </a:r>
+            <a:r>
+              <a:rPr lang="en-US" dirty="0" smtClean="0">
+                <a:solidFill>
+                  <a:schemeClr val="accent6">
+                    <a:lumMod val="75000"/>
+                  </a:schemeClr>
+                </a:solidFill>
+              </a:rPr>
+              <a:t> To tweak the design further, choose which </a:t>
+            </a:r>
+            <a:r>
+              <a:rPr lang="en-US" b="1" dirty="0" smtClean="0">
+                <a:solidFill>
+                  <a:schemeClr val="accent6">
+                    <a:lumMod val="75000"/>
+                  </a:schemeClr>
+                </a:solidFill>
+              </a:rPr>
+              <a:t>aspect</a:t>
+            </a:r>
+            <a:r>
+              <a:rPr lang="en-US" dirty="0" smtClean="0">
+                <a:solidFill>
+                  <a:schemeClr val="accent6">
+                    <a:lumMod val="75000"/>
+                  </a:schemeClr>
+                </a:solidFill>
+              </a:rPr>
+              <a:t> you want to tweak.</a:t>
+            </a:r>
+            <a:endParaRPr lang="en-SG" dirty="0">
+              <a:solidFill>
+                <a:schemeClr val="accent6">
+                  <a:lumMod val="75000"/>
+                </a:schemeClr>
+              </a:solidFill>
+            </a:endParaRPr>
+          </a:p>
+        </p:txBody>
+      </p:sp>
+      <p:pic>
+        <p:nvPicPr>
+          <p:cNvPr id="24" name="Picture 23"/>
+          <p:cNvPicPr>
+            <a:picLocks noChangeAspect="1"/>
+          </p:cNvPicPr>
+          <p:nvPr/>
+        </p:nvPicPr>
+        <p:blipFill rotWithShape="1">
+          <a:blip r:embed="rId4">
+            <a:extLst>
+              <a:ext uri="{28A0092B-C50C-407E-A947-70E740481C1C}">
+                <a14:useLocalDpi xmlns:a14="http://schemas.microsoft.com/office/drawing/2010/main" val="0"/>
+              </a:ext>
+            </a:extLst>
+          </a:blip>
+          <a:srcRect r="45000" b="88973"/>
+          <a:stretch/>
+        </p:blipFill>
+        <p:spPr>
+          <a:xfrm>
+            <a:off x="533400" y="5266981"/>
+            <a:ext cx="5029200" cy="569316"/>
+          </a:xfrm>
+          <a:prstGeom prst="rect">
+            <a:avLst/>
+          </a:prstGeom>
+        </p:spPr>
+      </p:pic>
+      <p:sp>
+        <p:nvSpPr>
+          <p:cNvPr id="25" name="Arc 24"/>
+          <p:cNvSpPr/>
+          <p:nvPr/>
+        </p:nvSpPr>
+        <p:spPr>
+          <a:xfrm rot="391357">
+            <a:off x="4600654" y="4525071"/>
+            <a:ext cx="637534" cy="1387254"/>
+          </a:xfrm>
+          <a:prstGeom prst="arc">
+            <a:avLst>
+              <a:gd name="adj1" fmla="val 17676872"/>
+              <a:gd name="adj2" fmla="val 2646013"/>
+            </a:avLst>
+          </a:prstGeom>
+          <a:ln w="19050">
+            <a:solidFill>
+              <a:schemeClr val="accent6">
+                <a:lumMod val="40000"/>
+                <a:lumOff val="60000"/>
+              </a:schemeClr>
+            </a:solidFill>
+            <a:tailEnd type="triangle" w="lg" len="med"/>
+          </a:ln>
+        </p:spPr>
+        <p:style>
+          <a:lnRef idx="1">
+            <a:schemeClr val="accent1"/>
+          </a:lnRef>
+          <a:fillRef idx="0">
+            <a:schemeClr val="accent1"/>
+          </a:fillRef>
+          <a:effectRef idx="0">
+            <a:schemeClr val="accent1"/>
+          </a:effectRef>
+          <a:fontRef idx="minor">
+            <a:schemeClr val="tx1"/>
+          </a:fontRef>
+        </p:style>
+        <p:txBody>
+          <a:bodyPr rtlCol="0" anchor="ctr"/>
+          <a:lstStyle/>
+          <a:p>
+            <a:pPr algn="ctr"/>
+            <a:endParaRPr lang="en-SG"/>
+          </a:p>
+        </p:txBody>
+      </p:sp>
+      <p:sp>
+        <p:nvSpPr>
+          <p:cNvPr id="27" name="TextBox 20"/>
+          <p:cNvSpPr txBox="1"/>
+          <p:nvPr/>
+        </p:nvSpPr>
+        <p:spPr>
+          <a:xfrm>
+            <a:off x="609600" y="6045391"/>
+            <a:ext cx="8001000" cy="646331"/>
+          </a:xfrm>
+          <a:prstGeom prst="rect">
+            <a:avLst/>
+          </a:prstGeom>
+          <a:noFill/>
+        </p:spPr>
+        <p:txBody>
+          <a:bodyPr wrap="square" rtlCol="0">
+            <a:spAutoFit/>
+          </a:bodyPr>
+          <a:lstStyle/>
+          <a:p>
+            <a:pPr marL="622300" indent="-622300"/>
+            <a:r>
+              <a:rPr lang="en-US" b="1" dirty="0" smtClean="0">
+                <a:solidFill>
+                  <a:schemeClr val="accent6">
+                    <a:lumMod val="75000"/>
+                  </a:schemeClr>
+                </a:solidFill>
+              </a:rPr>
+              <a:t>Tip:</a:t>
+            </a:r>
+            <a:r>
+              <a:rPr lang="en-US" dirty="0">
+                <a:solidFill>
+                  <a:schemeClr val="accent6">
+                    <a:lumMod val="75000"/>
+                  </a:schemeClr>
+                </a:solidFill>
+              </a:rPr>
+              <a:t> </a:t>
+            </a:r>
+            <a:r>
+              <a:rPr lang="en-US" dirty="0" smtClean="0">
+                <a:solidFill>
+                  <a:schemeClr val="accent6">
+                    <a:lumMod val="75000"/>
+                  </a:schemeClr>
+                </a:solidFill>
+              </a:rPr>
+              <a:t>To find more about </a:t>
+            </a:r>
+            <a:r>
+              <a:rPr lang="en-US" dirty="0" smtClean="0">
+                <a:solidFill>
+                  <a:srgbClr val="0070C0"/>
+                </a:solidFill>
+                <a:latin typeface="Consolas" panose="020B0609020204030204" pitchFamily="49" charset="0"/>
+              </a:rPr>
+              <a:t>Picture Slides Lab</a:t>
+            </a:r>
+            <a:r>
+              <a:rPr lang="en-US" dirty="0" smtClean="0">
+                <a:solidFill>
+                  <a:schemeClr val="accent6">
+                    <a:lumMod val="75000"/>
+                  </a:schemeClr>
+                </a:solidFill>
+              </a:rPr>
+              <a:t>, refer to </a:t>
+            </a:r>
+            <a:r>
+              <a:rPr lang="en-US" dirty="0" smtClean="0">
+                <a:solidFill>
+                  <a:schemeClr val="accent6">
+                    <a:lumMod val="75000"/>
+                  </a:schemeClr>
+                </a:solidFill>
+                <a:hlinkClick r:id="rId5"/>
+              </a:rPr>
+              <a:t>PowerPointLabs documentation</a:t>
+            </a:r>
+            <a:r>
+              <a:rPr lang="en-US" dirty="0" smtClean="0">
+                <a:solidFill>
+                  <a:schemeClr val="accent6">
+                    <a:lumMod val="75000"/>
+                  </a:schemeClr>
+                </a:solidFill>
+              </a:rPr>
+              <a:t>.</a:t>
+            </a:r>
+            <a:endParaRPr lang="en-SG" dirty="0">
+              <a:solidFill>
+                <a:schemeClr val="accent6">
+                  <a:lumMod val="75000"/>
+                </a:schemeClr>
+              </a:solidFill>
+            </a:endParaRPr>
+          </a:p>
+        </p:txBody>
+      </p:sp>
+      <p:sp>
+        <p:nvSpPr>
+          <p:cNvPr id="29" name="[Picture 3]"/>
+          <p:cNvSpPr txBox="1"/>
+          <p:nvPr/>
+        </p:nvSpPr>
+        <p:spPr>
+          <a:xfrm>
+            <a:off x="406052" y="3543181"/>
+            <a:ext cx="5105400" cy="800219"/>
+          </a:xfrm>
+          <a:prstGeom prst="rect">
+            <a:avLst/>
+          </a:prstGeom>
+          <a:noFill/>
+        </p:spPr>
+        <p:txBody>
+          <a:bodyPr wrap="square" rtlCol="0">
+            <a:spAutoFit/>
+          </a:bodyPr>
+          <a:lstStyle/>
+          <a:p>
+            <a:r>
+              <a:rPr lang="en-US" sz="2800" b="1" dirty="0" smtClean="0">
+                <a:solidFill>
+                  <a:schemeClr val="accent6">
+                    <a:lumMod val="75000"/>
+                  </a:schemeClr>
+                </a:solidFill>
+              </a:rPr>
+              <a:t>3.</a:t>
+            </a:r>
+            <a:r>
+              <a:rPr lang="en-US" dirty="0" smtClean="0">
+                <a:solidFill>
+                  <a:schemeClr val="accent6">
+                    <a:lumMod val="75000"/>
+                  </a:schemeClr>
+                </a:solidFill>
+              </a:rPr>
+              <a:t> To add </a:t>
+            </a:r>
+            <a:r>
+              <a:rPr lang="en-US" dirty="0">
+                <a:solidFill>
+                  <a:schemeClr val="accent6">
+                    <a:lumMod val="75000"/>
+                  </a:schemeClr>
+                </a:solidFill>
+              </a:rPr>
+              <a:t>more pictures, </a:t>
+            </a:r>
+            <a:r>
+              <a:rPr lang="en-US" dirty="0" smtClean="0">
+                <a:solidFill>
+                  <a:schemeClr val="accent6">
+                    <a:lumMod val="75000"/>
+                  </a:schemeClr>
+                </a:solidFill>
+              </a:rPr>
+              <a:t>click </a:t>
+            </a:r>
+            <a:r>
+              <a:rPr lang="en-US" b="1" dirty="0">
+                <a:solidFill>
+                  <a:schemeClr val="accent6">
+                    <a:lumMod val="75000"/>
+                  </a:schemeClr>
+                </a:solidFill>
+              </a:rPr>
+              <a:t>+</a:t>
+            </a:r>
+            <a:r>
+              <a:rPr lang="en-US" dirty="0">
+                <a:solidFill>
+                  <a:schemeClr val="accent6">
+                    <a:lumMod val="75000"/>
+                  </a:schemeClr>
+                </a:solidFill>
+              </a:rPr>
+              <a:t> and choose more pictures from your computer hard disk.</a:t>
+            </a:r>
+            <a:endParaRPr lang="en-SG" dirty="0">
+              <a:solidFill>
+                <a:schemeClr val="accent6">
+                  <a:lumMod val="75000"/>
+                </a:schemeClr>
+              </a:solidFill>
+            </a:endParaRPr>
+          </a:p>
+        </p:txBody>
+      </p:sp>
+      <p:pic>
+        <p:nvPicPr>
+          <p:cNvPr id="30" name="Picture 29"/>
+          <p:cNvPicPr>
+            <a:picLocks noChangeAspect="1"/>
+          </p:cNvPicPr>
+          <p:nvPr/>
+        </p:nvPicPr>
+        <p:blipFill rotWithShape="1">
+          <a:blip r:embed="rId3">
+            <a:extLst>
+              <a:ext uri="{28A0092B-C50C-407E-A947-70E740481C1C}">
+                <a14:useLocalDpi xmlns:a14="http://schemas.microsoft.com/office/drawing/2010/main" val="0"/>
+              </a:ext>
+            </a:extLst>
+          </a:blip>
+          <a:srcRect l="55835" t="-301" r="11665" b="65672"/>
+          <a:stretch/>
+        </p:blipFill>
+        <p:spPr>
+          <a:xfrm>
+            <a:off x="5715000" y="2981196"/>
+            <a:ext cx="2971800" cy="1799772"/>
+          </a:xfrm>
+          <a:prstGeom prst="rect">
+            <a:avLst/>
+          </a:prstGeom>
+        </p:spPr>
+      </p:pic>
+      <p:sp>
+        <p:nvSpPr>
+          <p:cNvPr id="31" name="Arc 30"/>
+          <p:cNvSpPr/>
+          <p:nvPr/>
+        </p:nvSpPr>
+        <p:spPr>
+          <a:xfrm rot="17261033">
+            <a:off x="5320033" y="3532154"/>
+            <a:ext cx="637534" cy="1387254"/>
+          </a:xfrm>
+          <a:prstGeom prst="arc">
+            <a:avLst>
+              <a:gd name="adj1" fmla="val 17676872"/>
+              <a:gd name="adj2" fmla="val 2646013"/>
+            </a:avLst>
+          </a:prstGeom>
+          <a:ln w="19050">
+            <a:solidFill>
+              <a:schemeClr val="accent6">
+                <a:lumMod val="40000"/>
+                <a:lumOff val="60000"/>
+              </a:schemeClr>
+            </a:solidFill>
+            <a:tailEnd type="triangle" w="lg" len="med"/>
+          </a:ln>
+        </p:spPr>
+        <p:style>
+          <a:lnRef idx="1">
+            <a:schemeClr val="accent1"/>
+          </a:lnRef>
+          <a:fillRef idx="0">
+            <a:schemeClr val="accent1"/>
+          </a:fillRef>
+          <a:effectRef idx="0">
+            <a:schemeClr val="accent1"/>
+          </a:effectRef>
+          <a:fontRef idx="minor">
+            <a:schemeClr val="tx1"/>
+          </a:fontRef>
+        </p:style>
+        <p:txBody>
+          <a:bodyPr rtlCol="0" anchor="ctr"/>
+          <a:lstStyle/>
+          <a:p>
+            <a:pPr algn="ctr"/>
+            <a:endParaRPr lang="en-SG"/>
+          </a:p>
+        </p:txBody>
+      </p:sp>
+    </p:spTree>
+    <p:extLst>
+      <p:ext uri="{BB962C8B-B14F-4D97-AF65-F5344CB8AC3E}">
+        <p14:creationId xmlns:p14="http://schemas.microsoft.com/office/powerpoint/2010/main" val="3264956222"/>
+      </p:ext>
+    </p:extLst>
+  </p:cSld>
+  <p:clrMapOvr>
+    <a:masterClrMapping/>
+  </p:clrMapOvr>
+  <p:timing>
+    <p:tnLst>
+      <p:par>
+        <p:cTn id="1" dur="indefinite" restart="never" nodeType="tmRoot"/>
+      </p:par>
+    </p:tnLst>
+  </p:timing>
+</p:sld>
+</file>
+
+<file path=ppt/slides/slide45.xml><?xml version="1.0" encoding="utf-8"?>
+<p:sld xmlns:a="http://schemas.openxmlformats.org/drawingml/2006/main" xmlns:r="http://schemas.openxmlformats.org/officeDocument/2006/relationships" xmlns:p="http://schemas.openxmlformats.org/presentationml/2006/main">
+  <p:cSld>
+    <p:spTree>
+      <p:nvGrpSpPr>
+        <p:cNvPr id="1" name=""/>
+        <p:cNvGrpSpPr/>
+        <p:nvPr/>
+      </p:nvGrpSpPr>
+      <p:grpSpPr>
+        <a:xfrm>
+          <a:off x="0" y="0"/>
+          <a:ext cx="0" cy="0"/>
+          <a:chOff x="0" y="0"/>
+          <a:chExt cx="0" cy="0"/>
+        </a:xfrm>
+      </p:grpSpPr>
+      <p:sp>
+        <p:nvSpPr>
+          <p:cNvPr id="2" name="Title 1"/>
+          <p:cNvSpPr>
+            <a:spLocks noGrp="1"/>
+          </p:cNvSpPr>
+          <p:nvPr>
+            <p:ph type="title"/>
+          </p:nvPr>
+        </p:nvSpPr>
+        <p:spPr/>
+        <p:txBody>
+          <a:bodyPr>
+            <a:normAutofit fontScale="90000"/>
+          </a:bodyPr>
+          <a:lstStyle/>
+          <a:p>
+            <a:r>
+              <a:rPr lang="en-SG" b="1" dirty="0">
+                <a:latin typeface="Century Gothic"/>
+              </a:rPr>
+              <a:t>Learning</a:t>
+            </a:r>
+            <a:r>
+              <a:rPr lang="en-SG" dirty="0">
+                <a:latin typeface="Century Gothic"/>
+              </a:rPr>
+              <a:t> </a:t>
+            </a:r>
+            <a:br>
+              <a:rPr lang="en-SG" dirty="0">
+                <a:latin typeface="Century Gothic"/>
+              </a:rPr>
+            </a:br>
+            <a:r>
+              <a:rPr lang="en-SG" dirty="0">
+                <a:latin typeface="Century Gothic"/>
+              </a:rPr>
+              <a:t>is a never-ending </a:t>
+            </a:r>
+            <a:r>
+              <a:rPr lang="en-SG" b="1" dirty="0">
+                <a:latin typeface="Century Gothic"/>
+              </a:rPr>
+              <a:t>journey</a:t>
+            </a:r>
+            <a:r>
+              <a:rPr lang="en-SG" dirty="0">
+                <a:latin typeface="Century Gothic"/>
+              </a:rPr>
+              <a:t>.</a:t>
+            </a:r>
+            <a:endParaRPr lang="en-SG" dirty="0"/>
+          </a:p>
+        </p:txBody>
+      </p:sp>
+      <p:sp>
+        <p:nvSpPr>
+          <p:cNvPr id="5" name="TextBox 4"/>
+          <p:cNvSpPr txBox="1"/>
+          <p:nvPr/>
+        </p:nvSpPr>
+        <p:spPr>
+          <a:xfrm>
+            <a:off x="7010400" y="5410200"/>
+            <a:ext cx="1872820" cy="646331"/>
+          </a:xfrm>
+          <a:prstGeom prst="rect">
+            <a:avLst/>
+          </a:prstGeom>
+          <a:noFill/>
+        </p:spPr>
+        <p:txBody>
+          <a:bodyPr wrap="none" rtlCol="0">
+            <a:spAutoFit/>
+          </a:bodyPr>
+          <a:lstStyle/>
+          <a:p>
+            <a:r>
+              <a:rPr lang="en-SG" dirty="0" smtClean="0"/>
+              <a:t>Picture Slides Lab </a:t>
+            </a:r>
+          </a:p>
+          <a:p>
+            <a:r>
+              <a:rPr lang="en-SG" dirty="0" smtClean="0"/>
+              <a:t>Demo Slide</a:t>
+            </a:r>
+            <a:endParaRPr lang="en-SG" dirty="0"/>
+          </a:p>
+        </p:txBody>
+      </p:sp>
+    </p:spTree>
+    <p:extLst>
+      <p:ext uri="{BB962C8B-B14F-4D97-AF65-F5344CB8AC3E}">
+        <p14:creationId xmlns:p14="http://schemas.microsoft.com/office/powerpoint/2010/main" val="3055453824"/>
+      </p:ext>
+    </p:extLst>
+  </p:cSld>
+  <p:clrMapOvr>
+    <a:masterClrMapping/>
+  </p:clrMapOvr>
+</p:sld>
+</file>
+
+<file path=ppt/slides/slide46.xml><?xml version="1.0" encoding="utf-8"?>
 <p:sld xmlns:a="http://schemas.openxmlformats.org/drawingml/2006/main" xmlns:r="http://schemas.openxmlformats.org/officeDocument/2006/relationships" xmlns:p="http://schemas.openxmlformats.org/presentationml/2006/main">
   <p:cSld>
     <p:spTree>
@@ -28391,6 +29019,69 @@
     </p:tnLst>
   </p:timing>
 </p:sld>
+</file>
+
+<file path=ppt/tags/tag1.xml><?xml version="1.0" encoding="utf-8"?>
+<p:tagLst xmlns:a="http://schemas.openxmlformats.org/drawingml/2006/main" xmlns:r="http://schemas.openxmlformats.org/officeDocument/2006/relationships" xmlns:p="http://schemas.openxmlformats.org/presentationml/2006/main">
+  <p:tag name="RELOAD_ORIGINIMG" val="C:\Users\Giki\Documents\pptlabs_pictureSlidesLab\sample2"/>
+  <p:tag name="RELOAD_CROPPEDIMG" val="C:\Users\Giki\Documents\pptlabs_pictureSlidesLab\crop-5479479268d6a8e9.jpg"/>
+  <p:tag name="RELOAD_IMGCONTEXT" val="https://flic.kr/p/5s5APp"/>
+  <p:tag name="RELOAD_IMGSOURCE" val="https://flic.kr/p/5s5APp"/>
+  <p:tag name="RELOAD_RECTX" val="0"/>
+  <p:tag name="RELOAD_RECTY" val="0"/>
+  <p:tag name="RELOAD_RECTWIDTH" val="0"/>
+  <p:tag name="RELOAD_RECTHEIGHT" val="0"/>
+  <p:tag name="RELOAD_ISUSEFROSTEDGLASSBANNERSTYLE" val="True"/>
+  <p:tag name="RELOAD_FROSTEDGLASSBANNERCOLOR" val="#000000"/>
+  <p:tag name="RELOAD_FROSTEDGLASSBANNERTRANSPARENCY" val="80"/>
+  <p:tag name="RELOAD_ISUSEFROSTEDGLASSTEXTBOXSTYLE" val="False"/>
+  <p:tag name="RELOAD_FROSTEDGLASSTEXTBOXCOLOR" val="#000000"/>
+  <p:tag name="RELOAD_FROSTEDGLASSTEXTBOXTRANSPARENCY" val="80"/>
+  <p:tag name="RELOAD_PICTUREINDEX" val="0"/>
+  <p:tag name="RELOAD_ISUSEBANNERSTYLE" val="False"/>
+  <p:tag name="RELOAD_BANNERSHAPE" val="0"/>
+  <p:tag name="RELOAD_BANNERDIRECTION" val="1"/>
+  <p:tag name="RELOAD_BANNERCOLOR" val="#000000"/>
+  <p:tag name="RELOAD_BANNERTRANSPARENCY" val="25"/>
+  <p:tag name="RELOAD_ISUSEBLURSTYLE" val="False"/>
+  <p:tag name="RELOAD_BLURDEGREE" val="0"/>
+  <p:tag name="RELOAD_ISUSECIRCLESTYLE" val="False"/>
+  <p:tag name="RELOAD_CIRCLECOLOR" val="#FFFFFF"/>
+  <p:tag name="RELOAD_CIRCLETRANSPARENCY" val="0"/>
+  <p:tag name="RELOAD_ISUSEFRAMESTYLE" val="False"/>
+  <p:tag name="RELOAD_FRAMECOLOR" val="#FFFFFF"/>
+  <p:tag name="RELOAD_FRAMETRANSPARENCY" val="30"/>
+  <p:tag name="RELOAD_OPTIONNAME" val="Reloaded"/>
+  <p:tag name="RELOAD_STYLENAME" val="Frosted Glass Banner Style"/>
+  <p:tag name="RELOAD_ISUSEOUTLINESTYLE" val="False"/>
+  <p:tag name="RELOAD_OUTLINECOLOR" val="#FFFFFF"/>
+  <p:tag name="RELOAD_ISUSEOVERLAYSTYLE" val="False"/>
+  <p:tag name="RELOAD_OVERLAYCOLOR" val="#000000"/>
+  <p:tag name="RELOAD_TRANSPARENCY" val="100"/>
+  <p:tag name="RELOAD_CITATIONFONTSIZE" val="14"/>
+  <p:tag name="RELOAD_IMAGEREFERENCEALIGNMENT" val="0"/>
+  <p:tag name="RELOAD_ISUSESPECIALEFFECTSTYLE" val="False"/>
+  <p:tag name="RELOAD_SPECIALEFFECT" val="-1"/>
+  <p:tag name="RELOAD_ISUSETEXTFORMAT" val="True"/>
+  <p:tag name="RELOAD_FONTFAMILY" val="Segoe UI"/>
+  <p:tag name="RELOAD_FONTSIZEINCREASE" val="20"/>
+  <p:tag name="RELOAD_FONTCOLOR" val="#FFFFFF"/>
+  <p:tag name="RELOAD_TEXTBOXPOSITION" val="5"/>
+  <p:tag name="RELOAD_TEXTBOXALIGNMENT" val="1"/>
+  <p:tag name="RELOAD_ISUSETEXTBOXSTYLE" val="False"/>
+  <p:tag name="RELOAD_TEXTBOXCOLOR" val="#000000"/>
+  <p:tag name="RELOAD_TEXTBOXTRANSPARENCY" val="25"/>
+  <p:tag name="RELOAD_ISUSETEXTGLOW" val="False"/>
+  <p:tag name="RELOAD_ISUSETRIANGLESTYLE" val="False"/>
+  <p:tag name="RELOAD_TRIANGLECOLOR" val="#000000"/>
+  <p:tag name="RELOAD_TRIANGLETRANSPARENCY" val="0"/>
+</p:tagLst>
+</file>
+
+<file path=ppt/tags/tag2.xml><?xml version="1.0" encoding="utf-8"?>
+<p:tagLst xmlns:a="http://schemas.openxmlformats.org/drawingml/2006/main" xmlns:r="http://schemas.openxmlformats.org/officeDocument/2006/relationships" xmlns:p="http://schemas.openxmlformats.org/presentationml/2006/main">
+  <p:tag name="ORIGINALFONTSIZE" val="18"/>
+</p:tagLst>
 </file>
 
 <file path=ppt/theme/theme1.xml><?xml version="1.0" encoding="utf-8"?>

--- a/doc/Tutorial.pptx
+++ b/doc/Tutorial.pptx
@@ -5,7 +5,7 @@
     <p:sldMasterId id="2147483648" r:id="rId1"/>
   </p:sldMasterIdLst>
   <p:notesMasterIdLst>
-    <p:notesMasterId r:id="rId48"/>
+    <p:notesMasterId r:id="rId49"/>
   </p:notesMasterIdLst>
   <p:sldIdLst>
     <p:sldId id="296" r:id="rId2"/>
@@ -44,16 +44,17 @@
     <p:sldId id="339" r:id="rId35"/>
     <p:sldId id="340" r:id="rId36"/>
     <p:sldId id="345" r:id="rId37"/>
-    <p:sldId id="344" r:id="rId38"/>
-    <p:sldId id="373" r:id="rId39"/>
-    <p:sldId id="374" r:id="rId40"/>
-    <p:sldId id="399" r:id="rId41"/>
-    <p:sldId id="400" r:id="rId42"/>
-    <p:sldId id="401" r:id="rId43"/>
-    <p:sldId id="403" r:id="rId44"/>
-    <p:sldId id="404" r:id="rId45"/>
-    <p:sldId id="405" r:id="rId46"/>
-    <p:sldId id="305" r:id="rId47"/>
+    <p:sldId id="406" r:id="rId38"/>
+    <p:sldId id="344" r:id="rId39"/>
+    <p:sldId id="373" r:id="rId40"/>
+    <p:sldId id="374" r:id="rId41"/>
+    <p:sldId id="399" r:id="rId42"/>
+    <p:sldId id="400" r:id="rId43"/>
+    <p:sldId id="401" r:id="rId44"/>
+    <p:sldId id="403" r:id="rId45"/>
+    <p:sldId id="404" r:id="rId46"/>
+    <p:sldId id="405" r:id="rId47"/>
+    <p:sldId id="305" r:id="rId48"/>
   </p:sldIdLst>
   <p:sldSz cx="9144000" cy="6858000" type="screen4x3"/>
   <p:notesSz cx="6858000" cy="9144000"/>
@@ -229,6 +230,7 @@
             <p14:sldId id="339"/>
             <p14:sldId id="340"/>
             <p14:sldId id="345"/>
+            <p14:sldId id="406"/>
             <p14:sldId id="344"/>
           </p14:sldIdLst>
         </p14:section>
@@ -422,7 +424,7 @@
           <a:p>
             <a:fld id="{3E86CC0F-BBF3-4E07-94E0-0549B7D560A9}" type="datetimeFigureOut">
               <a:rPr lang="en-SG" smtClean="0"/>
-              <a:t>19/3/2016</a:t>
+              <a:t>25/7/2016</a:t>
             </a:fld>
             <a:endParaRPr lang="en-SG"/>
           </a:p>
@@ -940,7 +942,7 @@
     </p:spTree>
     <p:extLst>
       <p:ext uri="{BB962C8B-B14F-4D97-AF65-F5344CB8AC3E}">
-        <p14:creationId xmlns:p14="http://schemas.microsoft.com/office/powerpoint/2010/main" val="1548716900"/>
+        <p14:creationId xmlns:p14="http://schemas.microsoft.com/office/powerpoint/2010/main" val="2035443584"/>
       </p:ext>
     </p:extLst>
   </p:cSld>
@@ -1015,7 +1017,7 @@
           <a:p>
             <a:fld id="{0015B511-83B7-463E-ACD1-0C1C081EBBC4}" type="slidenum">
               <a:rPr lang="en-SG" smtClean="0"/>
-              <a:t>39</a:t>
+              <a:t>38</a:t>
             </a:fld>
             <a:endParaRPr lang="en-SG"/>
           </a:p>
@@ -1330,12 +1332,7 @@
           <a:bodyPr/>
           <a:lstStyle/>
           <a:p>
-            <a:r>
-              <a:rPr lang="en-US" smtClean="0"/>
-              <a:t>[[Picture taken from https://flic.kr/p/5s5APp on 3/19/2016 4:47:38 PM]]
-</a:t>
-            </a:r>
-            <a:endParaRPr lang="en-SG"/>
+            <a:endParaRPr lang="en-SG" dirty="0"/>
           </a:p>
         </p:txBody>
       </p:sp>
@@ -1365,7 +1362,7 @@
     </p:spTree>
     <p:extLst>
       <p:ext uri="{BB962C8B-B14F-4D97-AF65-F5344CB8AC3E}">
-        <p14:creationId xmlns:p14="http://schemas.microsoft.com/office/powerpoint/2010/main" val="3943189260"/>
+        <p14:creationId xmlns:p14="http://schemas.microsoft.com/office/powerpoint/2010/main" val="1548716900"/>
       </p:ext>
     </p:extLst>
   </p:cSld>
@@ -1420,10 +1417,11 @@
           <a:lstStyle/>
           <a:p>
             <a:r>
-              <a:rPr lang="en-SG" dirty="0" smtClean="0"/>
-              <a:t>Picture Slides Lab Demo Slide</a:t>
-            </a:r>
-            <a:endParaRPr lang="en-SG" dirty="0"/>
+              <a:rPr lang="en-US" smtClean="0"/>
+              <a:t>[[Picture taken from https://flic.kr/p/5s5APp on 3/19/2016 4:47:38 PM]]
+</a:t>
+            </a:r>
+            <a:endParaRPr lang="en-SG"/>
           </a:p>
         </p:txBody>
       </p:sp>
@@ -1444,7 +1442,95 @@
           <a:p>
             <a:fld id="{0015B511-83B7-463E-ACD1-0C1C081EBBC4}" type="slidenum">
               <a:rPr lang="en-SG" smtClean="0"/>
-              <a:t>45</a:t>
+              <a:t>44</a:t>
+            </a:fld>
+            <a:endParaRPr lang="en-SG"/>
+          </a:p>
+        </p:txBody>
+      </p:sp>
+    </p:spTree>
+    <p:extLst>
+      <p:ext uri="{BB962C8B-B14F-4D97-AF65-F5344CB8AC3E}">
+        <p14:creationId xmlns:p14="http://schemas.microsoft.com/office/powerpoint/2010/main" val="3943189260"/>
+      </p:ext>
+    </p:extLst>
+  </p:cSld>
+  <p:clrMapOvr>
+    <a:masterClrMapping/>
+  </p:clrMapOvr>
+</p:notes>
+</file>
+
+<file path=ppt/notesSlides/notesSlide18.xml><?xml version="1.0" encoding="utf-8"?>
+<p:notes xmlns:a="http://schemas.openxmlformats.org/drawingml/2006/main" xmlns:r="http://schemas.openxmlformats.org/officeDocument/2006/relationships" xmlns:p="http://schemas.openxmlformats.org/presentationml/2006/main">
+  <p:cSld>
+    <p:spTree>
+      <p:nvGrpSpPr>
+        <p:cNvPr id="1" name=""/>
+        <p:cNvGrpSpPr/>
+        <p:nvPr/>
+      </p:nvGrpSpPr>
+      <p:grpSpPr>
+        <a:xfrm>
+          <a:off x="0" y="0"/>
+          <a:ext cx="0" cy="0"/>
+          <a:chOff x="0" y="0"/>
+          <a:chExt cx="0" cy="0"/>
+        </a:xfrm>
+      </p:grpSpPr>
+      <p:sp>
+        <p:nvSpPr>
+          <p:cNvPr id="2" name="Slide Image Placeholder 1"/>
+          <p:cNvSpPr>
+            <a:spLocks noGrp="1" noRot="1" noChangeAspect="1"/>
+          </p:cNvSpPr>
+          <p:nvPr>
+            <p:ph type="sldImg"/>
+          </p:nvPr>
+        </p:nvSpPr>
+        <p:spPr/>
+      </p:sp>
+      <p:sp>
+        <p:nvSpPr>
+          <p:cNvPr id="3" name="Notes Placeholder 2"/>
+          <p:cNvSpPr>
+            <a:spLocks noGrp="1"/>
+          </p:cNvSpPr>
+          <p:nvPr>
+            <p:ph type="body" idx="1"/>
+          </p:nvPr>
+        </p:nvSpPr>
+        <p:spPr/>
+        <p:txBody>
+          <a:bodyPr/>
+          <a:lstStyle/>
+          <a:p>
+            <a:r>
+              <a:rPr lang="en-SG" dirty="0" smtClean="0"/>
+              <a:t>Picture Slides Lab Demo Slide</a:t>
+            </a:r>
+            <a:endParaRPr lang="en-SG" dirty="0"/>
+          </a:p>
+        </p:txBody>
+      </p:sp>
+      <p:sp>
+        <p:nvSpPr>
+          <p:cNvPr id="4" name="Slide Number Placeholder 3"/>
+          <p:cNvSpPr>
+            <a:spLocks noGrp="1"/>
+          </p:cNvSpPr>
+          <p:nvPr>
+            <p:ph type="sldNum" sz="quarter" idx="10"/>
+          </p:nvPr>
+        </p:nvSpPr>
+        <p:spPr/>
+        <p:txBody>
+          <a:bodyPr/>
+          <a:lstStyle/>
+          <a:p>
+            <a:fld id="{0015B511-83B7-463E-ACD1-0C1C081EBBC4}" type="slidenum">
+              <a:rPr lang="en-SG" smtClean="0"/>
+              <a:t>46</a:t>
             </a:fld>
             <a:endParaRPr lang="en-SG"/>
           </a:p>
@@ -2410,7 +2496,7 @@
             <a:fld id="{1D8BD707-D9CF-40AE-B4C6-C98DA3205C09}" type="datetimeFigureOut">
               <a:rPr lang="en-US" smtClean="0"/>
               <a:pPr/>
-              <a:t>3/19/2016</a:t>
+              <a:t>2016/07/25</a:t>
             </a:fld>
             <a:endParaRPr lang="en-US"/>
           </a:p>
@@ -2577,7 +2663,7 @@
             <a:fld id="{1D8BD707-D9CF-40AE-B4C6-C98DA3205C09}" type="datetimeFigureOut">
               <a:rPr lang="en-US" smtClean="0"/>
               <a:pPr/>
-              <a:t>3/19/2016</a:t>
+              <a:t>2016/07/25</a:t>
             </a:fld>
             <a:endParaRPr lang="en-US"/>
           </a:p>
@@ -2754,7 +2840,7 @@
             <a:fld id="{1D8BD707-D9CF-40AE-B4C6-C98DA3205C09}" type="datetimeFigureOut">
               <a:rPr lang="en-US" smtClean="0"/>
               <a:pPr/>
-              <a:t>3/19/2016</a:t>
+              <a:t>2016/07/25</a:t>
             </a:fld>
             <a:endParaRPr lang="en-US"/>
           </a:p>
@@ -2921,7 +3007,7 @@
             <a:fld id="{1D8BD707-D9CF-40AE-B4C6-C98DA3205C09}" type="datetimeFigureOut">
               <a:rPr lang="en-US" smtClean="0"/>
               <a:pPr/>
-              <a:t>3/19/2016</a:t>
+              <a:t>2016/07/25</a:t>
             </a:fld>
             <a:endParaRPr lang="en-US"/>
           </a:p>
@@ -3093,7 +3179,7 @@
             <a:fld id="{1D8BD707-D9CF-40AE-B4C6-C98DA3205C09}" type="datetimeFigureOut">
               <a:rPr lang="en-US" smtClean="0"/>
               <a:pPr/>
-              <a:t>3/19/2016</a:t>
+              <a:t>2016/07/25</a:t>
             </a:fld>
             <a:endParaRPr lang="en-US"/>
           </a:p>
@@ -3336,7 +3422,7 @@
             <a:fld id="{1D8BD707-D9CF-40AE-B4C6-C98DA3205C09}" type="datetimeFigureOut">
               <a:rPr lang="en-US" smtClean="0"/>
               <a:pPr/>
-              <a:t>3/19/2016</a:t>
+              <a:t>2016/07/25</a:t>
             </a:fld>
             <a:endParaRPr lang="en-US"/>
           </a:p>
@@ -3621,7 +3707,7 @@
             <a:fld id="{1D8BD707-D9CF-40AE-B4C6-C98DA3205C09}" type="datetimeFigureOut">
               <a:rPr lang="en-US" smtClean="0"/>
               <a:pPr/>
-              <a:t>3/19/2016</a:t>
+              <a:t>2016/07/25</a:t>
             </a:fld>
             <a:endParaRPr lang="en-US"/>
           </a:p>
@@ -4040,7 +4126,7 @@
             <a:fld id="{1D8BD707-D9CF-40AE-B4C6-C98DA3205C09}" type="datetimeFigureOut">
               <a:rPr lang="en-US" smtClean="0"/>
               <a:pPr/>
-              <a:t>3/19/2016</a:t>
+              <a:t>2016/07/25</a:t>
             </a:fld>
             <a:endParaRPr lang="en-US"/>
           </a:p>
@@ -4155,7 +4241,7 @@
             <a:fld id="{1D8BD707-D9CF-40AE-B4C6-C98DA3205C09}" type="datetimeFigureOut">
               <a:rPr lang="en-US" smtClean="0"/>
               <a:pPr/>
-              <a:t>3/19/2016</a:t>
+              <a:t>2016/07/25</a:t>
             </a:fld>
             <a:endParaRPr lang="en-US"/>
           </a:p>
@@ -4247,7 +4333,7 @@
             <a:fld id="{1D8BD707-D9CF-40AE-B4C6-C98DA3205C09}" type="datetimeFigureOut">
               <a:rPr lang="en-US" smtClean="0"/>
               <a:pPr/>
-              <a:t>3/19/2016</a:t>
+              <a:t>2016/07/25</a:t>
             </a:fld>
             <a:endParaRPr lang="en-US"/>
           </a:p>
@@ -4521,7 +4607,7 @@
             <a:fld id="{1D8BD707-D9CF-40AE-B4C6-C98DA3205C09}" type="datetimeFigureOut">
               <a:rPr lang="en-US" smtClean="0"/>
               <a:pPr/>
-              <a:t>3/19/2016</a:t>
+              <a:t>2016/07/25</a:t>
             </a:fld>
             <a:endParaRPr lang="en-US"/>
           </a:p>
@@ -4771,7 +4857,7 @@
             <a:fld id="{1D8BD707-D9CF-40AE-B4C6-C98DA3205C09}" type="datetimeFigureOut">
               <a:rPr lang="en-US" smtClean="0"/>
               <a:pPr/>
-              <a:t>3/19/2016</a:t>
+              <a:t>2016/07/25</a:t>
             </a:fld>
             <a:endParaRPr lang="en-US"/>
           </a:p>
@@ -4981,7 +5067,7 @@
             <a:fld id="{1D8BD707-D9CF-40AE-B4C6-C98DA3205C09}" type="datetimeFigureOut">
               <a:rPr lang="en-US" smtClean="0"/>
               <a:pPr/>
-              <a:t>3/19/2016</a:t>
+              <a:t>2016/07/25</a:t>
             </a:fld>
             <a:endParaRPr lang="en-US"/>
           </a:p>
@@ -21175,7 +21261,17 @@
                   </a:schemeClr>
                 </a:solidFill>
               </a:rPr>
-              <a:t> Select the blue circle below, click              and choose either </a:t>
+              <a:t> Select </a:t>
+            </a:r>
+            <a:r>
+              <a:rPr lang="en-US" dirty="0" smtClean="0">
+                <a:solidFill>
+                  <a:schemeClr val="accent6">
+                    <a:lumMod val="75000"/>
+                  </a:schemeClr>
+                </a:solidFill>
+              </a:rPr>
+              <a:t>the blue circle below, click              and choose either </a:t>
             </a:r>
             <a:r>
               <a:rPr lang="en-US" dirty="0" smtClean="0">
@@ -21185,27 +21281,17 @@
                 <a:latin typeface="Consolas" panose="020B0609020204030204" pitchFamily="49" charset="0"/>
                 <a:cs typeface="Consolas" panose="020B0609020204030204" pitchFamily="49" charset="0"/>
               </a:rPr>
-              <a:t>blur remainder </a:t>
+              <a:t>blur </a:t>
             </a:r>
             <a:r>
               <a:rPr lang="en-US" dirty="0" smtClean="0">
-                <a:solidFill>
-                  <a:schemeClr val="accent6">
-                    <a:lumMod val="75000"/>
-                  </a:schemeClr>
-                </a:solidFill>
-              </a:rPr>
-              <a:t>or </a:t>
-            </a:r>
-            <a:r>
-              <a:rPr lang="en-US" dirty="0">
                 <a:solidFill>
                   <a:srgbClr val="0070C0"/>
                 </a:solidFill>
                 <a:latin typeface="Consolas" panose="020B0609020204030204" pitchFamily="49" charset="0"/>
                 <a:cs typeface="Consolas" panose="020B0609020204030204" pitchFamily="49" charset="0"/>
               </a:rPr>
-              <a:t>recolor remainder</a:t>
+              <a:t>selected</a:t>
             </a:r>
             <a:r>
               <a:rPr lang="en-US" dirty="0" smtClean="0">
@@ -21216,6 +21302,16 @@
                 </a:solidFill>
               </a:rPr>
               <a:t>.  </a:t>
+            </a:r>
+            <a:r>
+              <a:rPr lang="en-US" dirty="0" smtClean="0">
+                <a:solidFill>
+                  <a:schemeClr val="accent6">
+                    <a:lumMod val="75000"/>
+                  </a:schemeClr>
+                </a:solidFill>
+              </a:rPr>
+              <a:t/>
             </a:r>
             <a:br>
               <a:rPr lang="en-US" dirty="0" smtClean="0">
@@ -21226,6 +21322,15 @@
                 </a:solidFill>
               </a:rPr>
             </a:br>
+            <a:endParaRPr lang="en-US" dirty="0" smtClean="0">
+              <a:solidFill>
+                <a:schemeClr val="accent6">
+                  <a:lumMod val="75000"/>
+                </a:schemeClr>
+              </a:solidFill>
+            </a:endParaRPr>
+          </a:p>
+          <a:p>
             <a:r>
               <a:rPr lang="en-US" dirty="0" smtClean="0">
                 <a:solidFill>
@@ -21234,7 +21339,37 @@
                   </a:schemeClr>
                 </a:solidFill>
               </a:rPr>
-              <a:t>It will create a new slide with the desired effect. </a:t>
+              <a:t>It </a:t>
+            </a:r>
+            <a:r>
+              <a:rPr lang="en-US" dirty="0" smtClean="0">
+                <a:solidFill>
+                  <a:schemeClr val="accent6">
+                    <a:lumMod val="75000"/>
+                  </a:schemeClr>
+                </a:solidFill>
+              </a:rPr>
+              <a:t>will </a:t>
+            </a:r>
+            <a:r>
+              <a:rPr lang="en-US" dirty="0" smtClean="0">
+                <a:solidFill>
+                  <a:schemeClr val="accent6">
+                    <a:lumMod val="75000"/>
+                  </a:schemeClr>
+                </a:solidFill>
+              </a:rPr>
+              <a:t>blur the area covered by the circle. </a:t>
+            </a:r>
+            <a:r>
+              <a:rPr lang="en-US" dirty="0" smtClean="0">
+                <a:solidFill>
+                  <a:schemeClr val="accent6">
+                    <a:lumMod val="75000"/>
+                  </a:schemeClr>
+                </a:solidFill>
+              </a:rPr>
+              <a:t/>
             </a:r>
             <a:br>
               <a:rPr lang="en-US" dirty="0" smtClean="0">
@@ -21386,7 +21521,7 @@
         <p:spPr>
           <a:xfrm>
             <a:off x="616638" y="5638800"/>
-            <a:ext cx="7917761" cy="646331"/>
+            <a:ext cx="7917761" cy="923330"/>
           </a:xfrm>
           <a:prstGeom prst="rect">
             <a:avLst/>
@@ -21416,7 +21551,139 @@
                   </a:schemeClr>
                 </a:solidFill>
               </a:rPr>
-              <a:t> You can apply these two effects to multiple shapes too. Just select the relevant shapes before clicking the button.</a:t>
+              <a:t> You can </a:t>
+            </a:r>
+            <a:r>
+              <a:rPr lang="en-US" dirty="0" smtClean="0">
+                <a:solidFill>
+                  <a:schemeClr val="accent6">
+                    <a:lumMod val="75000"/>
+                  </a:schemeClr>
+                </a:solidFill>
+              </a:rPr>
+              <a:t>create a tinted effect by selecting </a:t>
+            </a:r>
+            <a:r>
+              <a:rPr lang="en-US" dirty="0">
+                <a:solidFill>
+                  <a:srgbClr val="0070C0"/>
+                </a:solidFill>
+                <a:latin typeface="Consolas" panose="020B0609020204030204" pitchFamily="49" charset="0"/>
+                <a:cs typeface="Consolas" panose="020B0609020204030204" pitchFamily="49" charset="0"/>
+              </a:rPr>
+              <a:t>tint </a:t>
+            </a:r>
+            <a:r>
+              <a:rPr lang="en-US" dirty="0" smtClean="0">
+                <a:solidFill>
+                  <a:srgbClr val="0070C0"/>
+                </a:solidFill>
+                <a:latin typeface="Consolas" panose="020B0609020204030204" pitchFamily="49" charset="0"/>
+                <a:cs typeface="Consolas" panose="020B0609020204030204" pitchFamily="49" charset="0"/>
+              </a:rPr>
+              <a:t>selected</a:t>
+            </a:r>
+            <a:r>
+              <a:rPr lang="en-US" dirty="0" smtClean="0">
+                <a:solidFill>
+                  <a:schemeClr val="accent6">
+                    <a:lumMod val="75000"/>
+                  </a:schemeClr>
+                </a:solidFill>
+              </a:rPr>
+              <a:t>, then apply the feature again. You can also adjust the tint color and transparenc</a:t>
+            </a:r>
+            <a:r>
+              <a:rPr lang="en-US" dirty="0" smtClean="0">
+                <a:solidFill>
+                  <a:schemeClr val="accent6">
+                    <a:lumMod val="75000"/>
+                  </a:schemeClr>
+                </a:solidFill>
+              </a:rPr>
+              <a:t>y by </a:t>
+            </a:r>
+            <a:r>
+              <a:rPr lang="en-US" dirty="0">
+                <a:solidFill>
+                  <a:schemeClr val="accent6">
+                    <a:lumMod val="75000"/>
+                  </a:schemeClr>
+                </a:solidFill>
+              </a:rPr>
+              <a:t>right-clicking the </a:t>
+            </a:r>
+            <a:r>
+              <a:rPr lang="en-US" dirty="0" smtClean="0">
+                <a:solidFill>
+                  <a:schemeClr val="accent6">
+                    <a:lumMod val="75000"/>
+                  </a:schemeClr>
+                </a:solidFill>
+              </a:rPr>
+              <a:t>tint overlay shape and </a:t>
+            </a:r>
+            <a:r>
+              <a:rPr lang="en-US" dirty="0">
+                <a:solidFill>
+                  <a:schemeClr val="accent6">
+                    <a:lumMod val="75000"/>
+                  </a:schemeClr>
+                </a:solidFill>
+              </a:rPr>
+              <a:t>choosing  </a:t>
+            </a:r>
+            <a:r>
+              <a:rPr lang="en-US" dirty="0">
+                <a:solidFill>
+                  <a:srgbClr val="0070C0"/>
+                </a:solidFill>
+                <a:latin typeface="Consolas" panose="020B0609020204030204" pitchFamily="49" charset="0"/>
+                <a:cs typeface="Consolas" panose="020B0609020204030204" pitchFamily="49" charset="0"/>
+              </a:rPr>
+              <a:t>format picture </a:t>
+            </a:r>
+            <a:r>
+              <a:rPr lang="en-US" dirty="0">
+                <a:solidFill>
+                  <a:schemeClr val="accent6">
+                    <a:lumMod val="75000"/>
+                  </a:schemeClr>
+                </a:solidFill>
+                <a:sym typeface="Wingdings" panose="05000000000000000000" pitchFamily="2" charset="2"/>
+              </a:rPr>
+              <a:t> </a:t>
+            </a:r>
+            <a:r>
+              <a:rPr lang="en-US" dirty="0">
+                <a:solidFill>
+                  <a:srgbClr val="0070C0"/>
+                </a:solidFill>
+                <a:latin typeface="Consolas" panose="020B0609020204030204" pitchFamily="49" charset="0"/>
+                <a:cs typeface="Consolas" panose="020B0609020204030204" pitchFamily="49" charset="0"/>
+                <a:sym typeface="Wingdings" panose="05000000000000000000" pitchFamily="2" charset="2"/>
+              </a:rPr>
+              <a:t>fill</a:t>
+            </a:r>
+            <a:r>
+              <a:rPr lang="en-US" dirty="0">
+                <a:solidFill>
+                  <a:schemeClr val="accent6">
+                    <a:lumMod val="75000"/>
+                  </a:schemeClr>
+                </a:solidFill>
+              </a:rPr>
+              <a:t>.</a:t>
+            </a:r>
+            <a:r>
+              <a:rPr lang="en-US" dirty="0" smtClean="0">
+                <a:solidFill>
+                  <a:schemeClr val="accent6">
+                    <a:lumMod val="75000"/>
+                  </a:schemeClr>
+                </a:solidFill>
+              </a:rPr>
+              <a:t> </a:t>
             </a:r>
             <a:endParaRPr lang="en-SG" dirty="0">
               <a:solidFill>
@@ -21449,6 +21716,375 @@
 </file>
 
 <file path=ppt/slides/slide37.xml><?xml version="1.0" encoding="utf-8"?>
+<p:sld xmlns:a="http://schemas.openxmlformats.org/drawingml/2006/main" xmlns:r="http://schemas.openxmlformats.org/officeDocument/2006/relationships" xmlns:p="http://schemas.openxmlformats.org/presentationml/2006/main">
+  <p:cSld>
+    <p:spTree>
+      <p:nvGrpSpPr>
+        <p:cNvPr id="1" name=""/>
+        <p:cNvGrpSpPr/>
+        <p:nvPr/>
+      </p:nvGrpSpPr>
+      <p:grpSpPr>
+        <a:xfrm>
+          <a:off x="0" y="0"/>
+          <a:ext cx="0" cy="0"/>
+          <a:chOff x="0" y="0"/>
+          <a:chExt cx="0" cy="0"/>
+        </a:xfrm>
+      </p:grpSpPr>
+      <p:pic>
+        <p:nvPicPr>
+          <p:cNvPr id="4101" name="Picture 5" descr="C:\Users\dcsdcr\AppData\Local\Microsoft\Windows\Temporary Internet Files\Content.IE5\X5YV3EZ2\MP900178526[1].jpg"/>
+          <p:cNvPicPr>
+            <a:picLocks noChangeAspect="1" noChangeArrowheads="1"/>
+          </p:cNvPicPr>
+          <p:nvPr/>
+        </p:nvPicPr>
+        <p:blipFill rotWithShape="1">
+          <a:blip r:embed="rId3">
+            <a:extLst>
+              <a:ext uri="{28A0092B-C50C-407E-A947-70E740481C1C}">
+                <a14:useLocalDpi xmlns:a14="http://schemas.microsoft.com/office/drawing/2010/main" val="0"/>
+              </a:ext>
+            </a:extLst>
+          </a:blip>
+          <a:srcRect t="12470" b="33433"/>
+          <a:stretch/>
+        </p:blipFill>
+        <p:spPr bwMode="auto">
+          <a:xfrm>
+            <a:off x="1143000" y="2256816"/>
+            <a:ext cx="3519278" cy="2848583"/>
+          </a:xfrm>
+          <a:prstGeom prst="rect">
+            <a:avLst/>
+          </a:prstGeom>
+          <a:noFill/>
+          <a:extLst>
+            <a:ext uri="{909E8E84-426E-40DD-AFC4-6F175D3DCCD1}">
+              <a14:hiddenFill xmlns:a14="http://schemas.microsoft.com/office/drawing/2010/main">
+                <a:solidFill>
+                  <a:srgbClr val="FFFFFF"/>
+                </a:solidFill>
+              </a14:hiddenFill>
+            </a:ext>
+          </a:extLst>
+        </p:spPr>
+      </p:pic>
+      <p:sp>
+        <p:nvSpPr>
+          <p:cNvPr id="7" name="TextBox 6"/>
+          <p:cNvSpPr txBox="1"/>
+          <p:nvPr/>
+        </p:nvSpPr>
+        <p:spPr>
+          <a:xfrm>
+            <a:off x="533400" y="479318"/>
+            <a:ext cx="8001000" cy="1631216"/>
+          </a:xfrm>
+          <a:prstGeom prst="rect">
+            <a:avLst/>
+          </a:prstGeom>
+          <a:noFill/>
+        </p:spPr>
+        <p:txBody>
+          <a:bodyPr wrap="square" rtlCol="0">
+            <a:spAutoFit/>
+          </a:bodyPr>
+          <a:lstStyle/>
+          <a:p>
+            <a:r>
+              <a:rPr lang="en-US" sz="2800" b="1" dirty="0" smtClean="0">
+                <a:solidFill>
+                  <a:schemeClr val="accent6">
+                    <a:lumMod val="75000"/>
+                  </a:schemeClr>
+                </a:solidFill>
+              </a:rPr>
+              <a:t>1.</a:t>
+            </a:r>
+            <a:r>
+              <a:rPr lang="en-US" dirty="0" smtClean="0">
+                <a:solidFill>
+                  <a:schemeClr val="accent6">
+                    <a:lumMod val="75000"/>
+                  </a:schemeClr>
+                </a:solidFill>
+              </a:rPr>
+              <a:t> Select the blue circle below, click              and choose either </a:t>
+            </a:r>
+            <a:r>
+              <a:rPr lang="en-US" dirty="0" smtClean="0">
+                <a:solidFill>
+                  <a:srgbClr val="0070C0"/>
+                </a:solidFill>
+                <a:latin typeface="Consolas" panose="020B0609020204030204" pitchFamily="49" charset="0"/>
+                <a:cs typeface="Consolas" panose="020B0609020204030204" pitchFamily="49" charset="0"/>
+              </a:rPr>
+              <a:t>blur remainder </a:t>
+            </a:r>
+            <a:r>
+              <a:rPr lang="en-US" dirty="0" smtClean="0">
+                <a:solidFill>
+                  <a:schemeClr val="accent6">
+                    <a:lumMod val="75000"/>
+                  </a:schemeClr>
+                </a:solidFill>
+              </a:rPr>
+              <a:t>or </a:t>
+            </a:r>
+            <a:r>
+              <a:rPr lang="en-US" dirty="0">
+                <a:solidFill>
+                  <a:srgbClr val="0070C0"/>
+                </a:solidFill>
+                <a:latin typeface="Consolas" panose="020B0609020204030204" pitchFamily="49" charset="0"/>
+                <a:cs typeface="Consolas" panose="020B0609020204030204" pitchFamily="49" charset="0"/>
+              </a:rPr>
+              <a:t>recolor remainder</a:t>
+            </a:r>
+            <a:r>
+              <a:rPr lang="en-US" dirty="0" smtClean="0">
+                <a:solidFill>
+                  <a:schemeClr val="accent6">
+                    <a:lumMod val="75000"/>
+                  </a:schemeClr>
+                </a:solidFill>
+              </a:rPr>
+              <a:t>.  </a:t>
+            </a:r>
+            <a:br>
+              <a:rPr lang="en-US" dirty="0" smtClean="0">
+                <a:solidFill>
+                  <a:schemeClr val="accent6">
+                    <a:lumMod val="75000"/>
+                  </a:schemeClr>
+                </a:solidFill>
+              </a:rPr>
+            </a:br>
+            <a:r>
+              <a:rPr lang="en-US" dirty="0" smtClean="0">
+                <a:solidFill>
+                  <a:schemeClr val="accent6">
+                    <a:lumMod val="75000"/>
+                  </a:schemeClr>
+                </a:solidFill>
+              </a:rPr>
+              <a:t>It will create a new slide with the desired effect. </a:t>
+            </a:r>
+            <a:br>
+              <a:rPr lang="en-US" dirty="0" smtClean="0">
+                <a:solidFill>
+                  <a:schemeClr val="accent6">
+                    <a:lumMod val="75000"/>
+                  </a:schemeClr>
+                </a:solidFill>
+              </a:rPr>
+            </a:br>
+            <a:r>
+              <a:rPr lang="en-US" dirty="0" smtClean="0">
+                <a:solidFill>
+                  <a:schemeClr val="accent6">
+                    <a:lumMod val="75000"/>
+                  </a:schemeClr>
+                </a:solidFill>
+              </a:rPr>
+              <a:t/>
+            </a:r>
+            <a:br>
+              <a:rPr lang="en-US" dirty="0" smtClean="0">
+                <a:solidFill>
+                  <a:schemeClr val="accent6">
+                    <a:lumMod val="75000"/>
+                  </a:schemeClr>
+                </a:solidFill>
+              </a:rPr>
+            </a:br>
+            <a:endParaRPr lang="en-SG" dirty="0">
+              <a:solidFill>
+                <a:schemeClr val="accent6">
+                  <a:lumMod val="75000"/>
+                </a:schemeClr>
+              </a:solidFill>
+            </a:endParaRPr>
+          </a:p>
+        </p:txBody>
+      </p:sp>
+      <p:pic>
+        <p:nvPicPr>
+          <p:cNvPr id="6146" name="Picture 2"/>
+          <p:cNvPicPr>
+            <a:picLocks noChangeAspect="1" noChangeArrowheads="1"/>
+          </p:cNvPicPr>
+          <p:nvPr/>
+        </p:nvPicPr>
+        <p:blipFill>
+          <a:blip r:embed="rId4">
+            <a:extLst>
+              <a:ext uri="{28A0092B-C50C-407E-A947-70E740481C1C}">
+                <a14:useLocalDpi xmlns:a14="http://schemas.microsoft.com/office/drawing/2010/main" val="0"/>
+              </a:ext>
+            </a:extLst>
+          </a:blip>
+          <a:srcRect/>
+          <a:stretch>
+            <a:fillRect/>
+          </a:stretch>
+        </p:blipFill>
+        <p:spPr bwMode="auto">
+          <a:xfrm>
+            <a:off x="4114800" y="304800"/>
+            <a:ext cx="533400" cy="834887"/>
+          </a:xfrm>
+          <a:prstGeom prst="rect">
+            <a:avLst/>
+          </a:prstGeom>
+          <a:noFill/>
+          <a:ln w="9525">
+            <a:solidFill>
+              <a:schemeClr val="bg1">
+                <a:lumMod val="85000"/>
+              </a:schemeClr>
+            </a:solidFill>
+            <a:miter lim="800000"/>
+            <a:headEnd/>
+            <a:tailEnd/>
+          </a:ln>
+          <a:extLst>
+            <a:ext uri="{909E8E84-426E-40DD-AFC4-6F175D3DCCD1}">
+              <a14:hiddenFill xmlns:a14="http://schemas.microsoft.com/office/drawing/2010/main">
+                <a:solidFill>
+                  <a:schemeClr val="accent1"/>
+                </a:solidFill>
+              </a14:hiddenFill>
+            </a:ext>
+          </a:extLst>
+        </p:spPr>
+      </p:pic>
+      <p:sp>
+        <p:nvSpPr>
+          <p:cNvPr id="2" name="Flowchart: Connector 1"/>
+          <p:cNvSpPr/>
+          <p:nvPr/>
+        </p:nvSpPr>
+        <p:spPr>
+          <a:xfrm>
+            <a:off x="2133600" y="2590800"/>
+            <a:ext cx="1905000" cy="1905000"/>
+          </a:xfrm>
+          <a:prstGeom prst="flowChartConnector">
+            <a:avLst/>
+          </a:prstGeom>
+          <a:solidFill>
+            <a:schemeClr val="tx2">
+              <a:lumMod val="20000"/>
+              <a:lumOff val="80000"/>
+              <a:alpha val="45000"/>
+            </a:schemeClr>
+          </a:solidFill>
+          <a:ln w="57150">
+            <a:solidFill>
+              <a:srgbClr val="0070C0"/>
+            </a:solidFill>
+          </a:ln>
+        </p:spPr>
+        <p:style>
+          <a:lnRef idx="2">
+            <a:schemeClr val="accent1">
+              <a:shade val="50000"/>
+            </a:schemeClr>
+          </a:lnRef>
+          <a:fillRef idx="1">
+            <a:schemeClr val="accent1"/>
+          </a:fillRef>
+          <a:effectRef idx="0">
+            <a:schemeClr val="accent1"/>
+          </a:effectRef>
+          <a:fontRef idx="minor">
+            <a:schemeClr val="lt1"/>
+          </a:fontRef>
+        </p:style>
+        <p:txBody>
+          <a:bodyPr lIns="228600" tIns="114300" rIns="228600" bIns="114300" rtlCol="0" anchor="ctr"/>
+          <a:lstStyle/>
+          <a:p>
+            <a:pPr algn="ctr"/>
+            <a:endParaRPr lang="en-SG"/>
+          </a:p>
+        </p:txBody>
+      </p:sp>
+      <p:sp>
+        <p:nvSpPr>
+          <p:cNvPr id="8" name="Rectangle 4"/>
+          <p:cNvSpPr/>
+          <p:nvPr/>
+        </p:nvSpPr>
+        <p:spPr>
+          <a:xfrm>
+            <a:off x="616638" y="5638800"/>
+            <a:ext cx="7917761" cy="646331"/>
+          </a:xfrm>
+          <a:prstGeom prst="rect">
+            <a:avLst/>
+          </a:prstGeom>
+        </p:spPr>
+        <p:txBody>
+          <a:bodyPr wrap="square">
+            <a:spAutoFit/>
+          </a:bodyPr>
+          <a:lstStyle/>
+          <a:p>
+            <a:r>
+              <a:rPr lang="en-US" b="1" dirty="0" smtClean="0">
+                <a:solidFill>
+                  <a:schemeClr val="accent6">
+                    <a:lumMod val="75000"/>
+                  </a:schemeClr>
+                </a:solidFill>
+              </a:rPr>
+              <a:t>Tip:</a:t>
+            </a:r>
+            <a:r>
+              <a:rPr lang="en-US" dirty="0" smtClean="0">
+                <a:solidFill>
+                  <a:schemeClr val="accent6">
+                    <a:lumMod val="75000"/>
+                  </a:schemeClr>
+                </a:solidFill>
+              </a:rPr>
+              <a:t> You can apply these two effects to multiple shapes too. Just select the relevant shapes before clicking the button.</a:t>
+            </a:r>
+            <a:endParaRPr lang="en-SG" dirty="0">
+              <a:solidFill>
+                <a:schemeClr val="accent6">
+                  <a:lumMod val="75000"/>
+                </a:schemeClr>
+              </a:solidFill>
+            </a:endParaRPr>
+          </a:p>
+        </p:txBody>
+      </p:sp>
+    </p:spTree>
+    <p:extLst>
+      <p:ext uri="{BB962C8B-B14F-4D97-AF65-F5344CB8AC3E}">
+        <p14:creationId xmlns:p14="http://schemas.microsoft.com/office/powerpoint/2010/main" val="3441141305"/>
+      </p:ext>
+    </p:extLst>
+  </p:cSld>
+  <p:clrMapOvr>
+    <a:masterClrMapping/>
+  </p:clrMapOvr>
+  <p:timing>
+    <p:tnLst>
+      <p:par>
+        <p:cTn id="1" dur="indefinite" restart="never" nodeType="tmRoot"/>
+      </p:par>
+    </p:tnLst>
+  </p:timing>
+</p:sld>
+</file>
+
+<file path=ppt/slides/slide38.xml><?xml version="1.0" encoding="utf-8"?>
 <p:sld xmlns:a="http://schemas.openxmlformats.org/drawingml/2006/main" xmlns:r="http://schemas.openxmlformats.org/officeDocument/2006/relationships" xmlns:p="http://schemas.openxmlformats.org/presentationml/2006/main">
   <p:cSld>
     <p:spTree>
@@ -21730,7 +22366,7 @@
 </p:sld>
 </file>
 
-<file path=ppt/slides/slide38.xml><?xml version="1.0" encoding="utf-8"?>
+<file path=ppt/slides/slide39.xml><?xml version="1.0" encoding="utf-8"?>
 <p:sld xmlns:a="http://schemas.openxmlformats.org/drawingml/2006/main" xmlns:r="http://schemas.openxmlformats.org/officeDocument/2006/relationships" xmlns:p="http://schemas.openxmlformats.org/presentationml/2006/main">
   <p:cSld>
     <p:spTree>
@@ -22058,369 +22694,6 @@
 </p:sld>
 </file>
 
-<file path=ppt/slides/slide39.xml><?xml version="1.0" encoding="utf-8"?>
-<p:sld xmlns:a="http://schemas.openxmlformats.org/drawingml/2006/main" xmlns:r="http://schemas.openxmlformats.org/officeDocument/2006/relationships" xmlns:p="http://schemas.openxmlformats.org/presentationml/2006/main">
-  <p:cSld>
-    <p:spTree>
-      <p:nvGrpSpPr>
-        <p:cNvPr id="1" name=""/>
-        <p:cNvGrpSpPr/>
-        <p:nvPr/>
-      </p:nvGrpSpPr>
-      <p:grpSpPr>
-        <a:xfrm>
-          <a:off x="0" y="0"/>
-          <a:ext cx="0" cy="0"/>
-          <a:chOff x="0" y="0"/>
-          <a:chExt cx="0" cy="0"/>
-        </a:xfrm>
-      </p:grpSpPr>
-      <p:sp>
-        <p:nvSpPr>
-          <p:cNvPr id="7" name="TextBox 6"/>
-          <p:cNvSpPr txBox="1"/>
-          <p:nvPr/>
-        </p:nvSpPr>
-        <p:spPr>
-          <a:xfrm>
-            <a:off x="533400" y="479318"/>
-            <a:ext cx="8001000" cy="523220"/>
-          </a:xfrm>
-          <a:prstGeom prst="rect">
-            <a:avLst/>
-          </a:prstGeom>
-          <a:noFill/>
-        </p:spPr>
-        <p:txBody>
-          <a:bodyPr wrap="square" rtlCol="0">
-            <a:spAutoFit/>
-          </a:bodyPr>
-          <a:lstStyle/>
-          <a:p>
-            <a:r>
-              <a:rPr lang="en-US" sz="2800" b="1" dirty="0" smtClean="0">
-                <a:solidFill>
-                  <a:schemeClr val="accent6">
-                    <a:lumMod val="75000"/>
-                  </a:schemeClr>
-                </a:solidFill>
-              </a:rPr>
-              <a:t>1.</a:t>
-            </a:r>
-            <a:r>
-              <a:rPr lang="en-US" dirty="0" smtClean="0">
-                <a:solidFill>
-                  <a:schemeClr val="accent6">
-                    <a:lumMod val="75000"/>
-                  </a:schemeClr>
-                </a:solidFill>
-              </a:rPr>
-              <a:t> Click on the             and choose </a:t>
-            </a:r>
-            <a:r>
-              <a:rPr lang="en-US" dirty="0" smtClean="0">
-                <a:solidFill>
-                  <a:srgbClr val="0070C0"/>
-                </a:solidFill>
-                <a:latin typeface="Consolas" panose="020B0609020204030204" pitchFamily="49" charset="0"/>
-                <a:cs typeface="Consolas" panose="020B0609020204030204" pitchFamily="49" charset="0"/>
-              </a:rPr>
-              <a:t>agenda slides (text) </a:t>
-            </a:r>
-            <a:r>
-              <a:rPr lang="en-US" dirty="0" smtClean="0">
-                <a:solidFill>
-                  <a:schemeClr val="accent6">
-                    <a:lumMod val="75000"/>
-                  </a:schemeClr>
-                </a:solidFill>
-              </a:rPr>
-              <a:t>option. </a:t>
-            </a:r>
-            <a:endParaRPr lang="en-SG" dirty="0">
-              <a:solidFill>
-                <a:schemeClr val="accent6">
-                  <a:lumMod val="75000"/>
-                </a:schemeClr>
-              </a:solidFill>
-            </a:endParaRPr>
-          </a:p>
-        </p:txBody>
-      </p:sp>
-      <p:sp>
-        <p:nvSpPr>
-          <p:cNvPr id="5" name="Rectangle 4"/>
-          <p:cNvSpPr/>
-          <p:nvPr/>
-        </p:nvSpPr>
-        <p:spPr>
-          <a:xfrm>
-            <a:off x="616638" y="5638800"/>
-            <a:ext cx="7917761" cy="646331"/>
-          </a:xfrm>
-          <a:prstGeom prst="rect">
-            <a:avLst/>
-          </a:prstGeom>
-        </p:spPr>
-        <p:txBody>
-          <a:bodyPr wrap="square">
-            <a:spAutoFit/>
-          </a:bodyPr>
-          <a:lstStyle/>
-          <a:p>
-            <a:r>
-              <a:rPr lang="en-US" dirty="0" smtClean="0">
-                <a:solidFill>
-                  <a:schemeClr val="accent6">
-                    <a:lumMod val="75000"/>
-                  </a:schemeClr>
-                </a:solidFill>
-              </a:rPr>
-              <a:t>That will insert agenda slides into the slide deck. Items in the agenda slides will correspond to the names of the slide sections.</a:t>
-            </a:r>
-            <a:endParaRPr lang="en-SG" dirty="0">
-              <a:solidFill>
-                <a:schemeClr val="accent6">
-                  <a:lumMod val="75000"/>
-                </a:schemeClr>
-              </a:solidFill>
-            </a:endParaRPr>
-          </a:p>
-        </p:txBody>
-      </p:sp>
-      <p:pic>
-        <p:nvPicPr>
-          <p:cNvPr id="1026" name="Picture 2"/>
-          <p:cNvPicPr>
-            <a:picLocks noChangeAspect="1" noChangeArrowheads="1"/>
-          </p:cNvPicPr>
-          <p:nvPr/>
-        </p:nvPicPr>
-        <p:blipFill>
-          <a:blip r:embed="rId3">
-            <a:extLst>
-              <a:ext uri="{28A0092B-C50C-407E-A947-70E740481C1C}">
-                <a14:useLocalDpi xmlns:a14="http://schemas.microsoft.com/office/drawing/2010/main" val="0"/>
-              </a:ext>
-            </a:extLst>
-          </a:blip>
-          <a:srcRect/>
-          <a:stretch>
-            <a:fillRect/>
-          </a:stretch>
-        </p:blipFill>
-        <p:spPr bwMode="auto">
-          <a:xfrm>
-            <a:off x="2133600" y="490497"/>
-            <a:ext cx="533400" cy="744538"/>
-          </a:xfrm>
-          <a:prstGeom prst="rect">
-            <a:avLst/>
-          </a:prstGeom>
-          <a:noFill/>
-          <a:ln w="9525">
-            <a:solidFill>
-              <a:schemeClr val="bg1">
-                <a:lumMod val="85000"/>
-              </a:schemeClr>
-            </a:solidFill>
-            <a:miter lim="800000"/>
-            <a:headEnd/>
-            <a:tailEnd/>
-          </a:ln>
-          <a:extLst>
-            <a:ext uri="{909E8E84-426E-40DD-AFC4-6F175D3DCCD1}">
-              <a14:hiddenFill xmlns:a14="http://schemas.microsoft.com/office/drawing/2010/main">
-                <a:solidFill>
-                  <a:schemeClr val="accent1"/>
-                </a:solidFill>
-              </a14:hiddenFill>
-            </a:ext>
-          </a:extLst>
-        </p:spPr>
-      </p:pic>
-      <p:pic>
-        <p:nvPicPr>
-          <p:cNvPr id="1027" name="Picture 3"/>
-          <p:cNvPicPr>
-            <a:picLocks noChangeAspect="1" noChangeArrowheads="1"/>
-          </p:cNvPicPr>
-          <p:nvPr/>
-        </p:nvPicPr>
-        <p:blipFill>
-          <a:blip r:embed="rId4">
-            <a:extLst>
-              <a:ext uri="{28A0092B-C50C-407E-A947-70E740481C1C}">
-                <a14:useLocalDpi xmlns:a14="http://schemas.microsoft.com/office/drawing/2010/main" val="0"/>
-              </a:ext>
-            </a:extLst>
-          </a:blip>
-          <a:srcRect/>
-          <a:stretch>
-            <a:fillRect/>
-          </a:stretch>
-        </p:blipFill>
-        <p:spPr bwMode="auto">
-          <a:xfrm>
-            <a:off x="1066800" y="1447800"/>
-            <a:ext cx="5885160" cy="3910013"/>
-          </a:xfrm>
-          <a:prstGeom prst="rect">
-            <a:avLst/>
-          </a:prstGeom>
-          <a:noFill/>
-          <a:ln>
-            <a:noFill/>
-          </a:ln>
-          <a:extLst>
-            <a:ext uri="{909E8E84-426E-40DD-AFC4-6F175D3DCCD1}">
-              <a14:hiddenFill xmlns:a14="http://schemas.microsoft.com/office/drawing/2010/main">
-                <a:solidFill>
-                  <a:schemeClr val="accent1"/>
-                </a:solidFill>
-              </a14:hiddenFill>
-            </a:ext>
-            <a:ext uri="{91240B29-F687-4F45-9708-019B960494DF}">
-              <a14:hiddenLine xmlns:a14="http://schemas.microsoft.com/office/drawing/2010/main" w="9525">
-                <a:solidFill>
-                  <a:schemeClr val="tx1"/>
-                </a:solidFill>
-                <a:miter lim="800000"/>
-                <a:headEnd/>
-                <a:tailEnd/>
-              </a14:hiddenLine>
-            </a:ext>
-          </a:extLst>
-        </p:spPr>
-      </p:pic>
-      <p:sp>
-        <p:nvSpPr>
-          <p:cNvPr id="2" name="Rectangle 1"/>
-          <p:cNvSpPr/>
-          <p:nvPr/>
-        </p:nvSpPr>
-        <p:spPr>
-          <a:xfrm>
-            <a:off x="1290208" y="2286000"/>
-            <a:ext cx="1419272" cy="1066800"/>
-          </a:xfrm>
-          <a:prstGeom prst="rect">
-            <a:avLst/>
-          </a:prstGeom>
-          <a:noFill/>
-          <a:ln>
-            <a:solidFill>
-              <a:srgbClr val="C00000"/>
-            </a:solidFill>
-            <a:prstDash val="sysDot"/>
-          </a:ln>
-          <a:effectLst>
-            <a:glow rad="101600">
-              <a:srgbClr val="FFFF00">
-                <a:alpha val="60000"/>
-              </a:srgbClr>
-            </a:glow>
-          </a:effectLst>
-        </p:spPr>
-        <p:style>
-          <a:lnRef idx="2">
-            <a:schemeClr val="accent1">
-              <a:shade val="50000"/>
-            </a:schemeClr>
-          </a:lnRef>
-          <a:fillRef idx="1">
-            <a:schemeClr val="accent1"/>
-          </a:fillRef>
-          <a:effectRef idx="0">
-            <a:schemeClr val="accent1"/>
-          </a:effectRef>
-          <a:fontRef idx="minor">
-            <a:schemeClr val="lt1"/>
-          </a:fontRef>
-        </p:style>
-        <p:txBody>
-          <a:bodyPr rtlCol="0" anchor="ctr"/>
-          <a:lstStyle/>
-          <a:p>
-            <a:pPr algn="ctr"/>
-            <a:endParaRPr lang="en-SG"/>
-          </a:p>
-        </p:txBody>
-      </p:sp>
-      <p:sp>
-        <p:nvSpPr>
-          <p:cNvPr id="9" name="Rectangle 8"/>
-          <p:cNvSpPr/>
-          <p:nvPr/>
-        </p:nvSpPr>
-        <p:spPr>
-          <a:xfrm>
-            <a:off x="1301557" y="4038600"/>
-            <a:ext cx="1419272" cy="1066800"/>
-          </a:xfrm>
-          <a:prstGeom prst="rect">
-            <a:avLst/>
-          </a:prstGeom>
-          <a:noFill/>
-          <a:ln>
-            <a:solidFill>
-              <a:srgbClr val="C00000"/>
-            </a:solidFill>
-            <a:prstDash val="sysDot"/>
-          </a:ln>
-          <a:effectLst>
-            <a:glow rad="101600">
-              <a:srgbClr val="FFFF00">
-                <a:alpha val="60000"/>
-              </a:srgbClr>
-            </a:glow>
-          </a:effectLst>
-        </p:spPr>
-        <p:style>
-          <a:lnRef idx="2">
-            <a:schemeClr val="accent1">
-              <a:shade val="50000"/>
-            </a:schemeClr>
-          </a:lnRef>
-          <a:fillRef idx="1">
-            <a:schemeClr val="accent1"/>
-          </a:fillRef>
-          <a:effectRef idx="0">
-            <a:schemeClr val="accent1"/>
-          </a:effectRef>
-          <a:fontRef idx="minor">
-            <a:schemeClr val="lt1"/>
-          </a:fontRef>
-        </p:style>
-        <p:txBody>
-          <a:bodyPr rtlCol="0" anchor="ctr"/>
-          <a:lstStyle/>
-          <a:p>
-            <a:pPr algn="ctr"/>
-            <a:endParaRPr lang="en-SG"/>
-          </a:p>
-        </p:txBody>
-      </p:sp>
-    </p:spTree>
-    <p:extLst>
-      <p:ext uri="{BB962C8B-B14F-4D97-AF65-F5344CB8AC3E}">
-        <p14:creationId xmlns:p14="http://schemas.microsoft.com/office/powerpoint/2010/main" val="185825476"/>
-      </p:ext>
-    </p:extLst>
-  </p:cSld>
-  <p:clrMapOvr>
-    <a:masterClrMapping/>
-  </p:clrMapOvr>
-  <p:timing>
-    <p:tnLst>
-      <p:par>
-        <p:cTn id="1" dur="indefinite" restart="never" nodeType="tmRoot"/>
-      </p:par>
-    </p:tnLst>
-  </p:timing>
-</p:sld>
-</file>
-
 <file path=ppt/slides/slide4.xml><?xml version="1.0" encoding="utf-8"?>
 <p:sld xmlns:a="http://schemas.openxmlformats.org/drawingml/2006/main" xmlns:r="http://schemas.openxmlformats.org/officeDocument/2006/relationships" xmlns:p="http://schemas.openxmlformats.org/presentationml/2006/main">
   <p:cSld>
@@ -22595,6 +22868,369 @@
         <p:spPr>
           <a:xfrm>
             <a:off x="533400" y="479318"/>
+            <a:ext cx="8001000" cy="523220"/>
+          </a:xfrm>
+          <a:prstGeom prst="rect">
+            <a:avLst/>
+          </a:prstGeom>
+          <a:noFill/>
+        </p:spPr>
+        <p:txBody>
+          <a:bodyPr wrap="square" rtlCol="0">
+            <a:spAutoFit/>
+          </a:bodyPr>
+          <a:lstStyle/>
+          <a:p>
+            <a:r>
+              <a:rPr lang="en-US" sz="2800" b="1" dirty="0" smtClean="0">
+                <a:solidFill>
+                  <a:schemeClr val="accent6">
+                    <a:lumMod val="75000"/>
+                  </a:schemeClr>
+                </a:solidFill>
+              </a:rPr>
+              <a:t>1.</a:t>
+            </a:r>
+            <a:r>
+              <a:rPr lang="en-US" dirty="0" smtClean="0">
+                <a:solidFill>
+                  <a:schemeClr val="accent6">
+                    <a:lumMod val="75000"/>
+                  </a:schemeClr>
+                </a:solidFill>
+              </a:rPr>
+              <a:t> Click on the             and choose </a:t>
+            </a:r>
+            <a:r>
+              <a:rPr lang="en-US" dirty="0" smtClean="0">
+                <a:solidFill>
+                  <a:srgbClr val="0070C0"/>
+                </a:solidFill>
+                <a:latin typeface="Consolas" panose="020B0609020204030204" pitchFamily="49" charset="0"/>
+                <a:cs typeface="Consolas" panose="020B0609020204030204" pitchFamily="49" charset="0"/>
+              </a:rPr>
+              <a:t>agenda slides (text) </a:t>
+            </a:r>
+            <a:r>
+              <a:rPr lang="en-US" dirty="0" smtClean="0">
+                <a:solidFill>
+                  <a:schemeClr val="accent6">
+                    <a:lumMod val="75000"/>
+                  </a:schemeClr>
+                </a:solidFill>
+              </a:rPr>
+              <a:t>option. </a:t>
+            </a:r>
+            <a:endParaRPr lang="en-SG" dirty="0">
+              <a:solidFill>
+                <a:schemeClr val="accent6">
+                  <a:lumMod val="75000"/>
+                </a:schemeClr>
+              </a:solidFill>
+            </a:endParaRPr>
+          </a:p>
+        </p:txBody>
+      </p:sp>
+      <p:sp>
+        <p:nvSpPr>
+          <p:cNvPr id="5" name="Rectangle 4"/>
+          <p:cNvSpPr/>
+          <p:nvPr/>
+        </p:nvSpPr>
+        <p:spPr>
+          <a:xfrm>
+            <a:off x="616638" y="5638800"/>
+            <a:ext cx="7917761" cy="646331"/>
+          </a:xfrm>
+          <a:prstGeom prst="rect">
+            <a:avLst/>
+          </a:prstGeom>
+        </p:spPr>
+        <p:txBody>
+          <a:bodyPr wrap="square">
+            <a:spAutoFit/>
+          </a:bodyPr>
+          <a:lstStyle/>
+          <a:p>
+            <a:r>
+              <a:rPr lang="en-US" dirty="0" smtClean="0">
+                <a:solidFill>
+                  <a:schemeClr val="accent6">
+                    <a:lumMod val="75000"/>
+                  </a:schemeClr>
+                </a:solidFill>
+              </a:rPr>
+              <a:t>That will insert agenda slides into the slide deck. Items in the agenda slides will correspond to the names of the slide sections.</a:t>
+            </a:r>
+            <a:endParaRPr lang="en-SG" dirty="0">
+              <a:solidFill>
+                <a:schemeClr val="accent6">
+                  <a:lumMod val="75000"/>
+                </a:schemeClr>
+              </a:solidFill>
+            </a:endParaRPr>
+          </a:p>
+        </p:txBody>
+      </p:sp>
+      <p:pic>
+        <p:nvPicPr>
+          <p:cNvPr id="1026" name="Picture 2"/>
+          <p:cNvPicPr>
+            <a:picLocks noChangeAspect="1" noChangeArrowheads="1"/>
+          </p:cNvPicPr>
+          <p:nvPr/>
+        </p:nvPicPr>
+        <p:blipFill>
+          <a:blip r:embed="rId3">
+            <a:extLst>
+              <a:ext uri="{28A0092B-C50C-407E-A947-70E740481C1C}">
+                <a14:useLocalDpi xmlns:a14="http://schemas.microsoft.com/office/drawing/2010/main" val="0"/>
+              </a:ext>
+            </a:extLst>
+          </a:blip>
+          <a:srcRect/>
+          <a:stretch>
+            <a:fillRect/>
+          </a:stretch>
+        </p:blipFill>
+        <p:spPr bwMode="auto">
+          <a:xfrm>
+            <a:off x="2133600" y="490497"/>
+            <a:ext cx="533400" cy="744538"/>
+          </a:xfrm>
+          <a:prstGeom prst="rect">
+            <a:avLst/>
+          </a:prstGeom>
+          <a:noFill/>
+          <a:ln w="9525">
+            <a:solidFill>
+              <a:schemeClr val="bg1">
+                <a:lumMod val="85000"/>
+              </a:schemeClr>
+            </a:solidFill>
+            <a:miter lim="800000"/>
+            <a:headEnd/>
+            <a:tailEnd/>
+          </a:ln>
+          <a:extLst>
+            <a:ext uri="{909E8E84-426E-40DD-AFC4-6F175D3DCCD1}">
+              <a14:hiddenFill xmlns:a14="http://schemas.microsoft.com/office/drawing/2010/main">
+                <a:solidFill>
+                  <a:schemeClr val="accent1"/>
+                </a:solidFill>
+              </a14:hiddenFill>
+            </a:ext>
+          </a:extLst>
+        </p:spPr>
+      </p:pic>
+      <p:pic>
+        <p:nvPicPr>
+          <p:cNvPr id="1027" name="Picture 3"/>
+          <p:cNvPicPr>
+            <a:picLocks noChangeAspect="1" noChangeArrowheads="1"/>
+          </p:cNvPicPr>
+          <p:nvPr/>
+        </p:nvPicPr>
+        <p:blipFill>
+          <a:blip r:embed="rId4">
+            <a:extLst>
+              <a:ext uri="{28A0092B-C50C-407E-A947-70E740481C1C}">
+                <a14:useLocalDpi xmlns:a14="http://schemas.microsoft.com/office/drawing/2010/main" val="0"/>
+              </a:ext>
+            </a:extLst>
+          </a:blip>
+          <a:srcRect/>
+          <a:stretch>
+            <a:fillRect/>
+          </a:stretch>
+        </p:blipFill>
+        <p:spPr bwMode="auto">
+          <a:xfrm>
+            <a:off x="1066800" y="1447800"/>
+            <a:ext cx="5885160" cy="3910013"/>
+          </a:xfrm>
+          <a:prstGeom prst="rect">
+            <a:avLst/>
+          </a:prstGeom>
+          <a:noFill/>
+          <a:ln>
+            <a:noFill/>
+          </a:ln>
+          <a:extLst>
+            <a:ext uri="{909E8E84-426E-40DD-AFC4-6F175D3DCCD1}">
+              <a14:hiddenFill xmlns:a14="http://schemas.microsoft.com/office/drawing/2010/main">
+                <a:solidFill>
+                  <a:schemeClr val="accent1"/>
+                </a:solidFill>
+              </a14:hiddenFill>
+            </a:ext>
+            <a:ext uri="{91240B29-F687-4F45-9708-019B960494DF}">
+              <a14:hiddenLine xmlns:a14="http://schemas.microsoft.com/office/drawing/2010/main" w="9525">
+                <a:solidFill>
+                  <a:schemeClr val="tx1"/>
+                </a:solidFill>
+                <a:miter lim="800000"/>
+                <a:headEnd/>
+                <a:tailEnd/>
+              </a14:hiddenLine>
+            </a:ext>
+          </a:extLst>
+        </p:spPr>
+      </p:pic>
+      <p:sp>
+        <p:nvSpPr>
+          <p:cNvPr id="2" name="Rectangle 1"/>
+          <p:cNvSpPr/>
+          <p:nvPr/>
+        </p:nvSpPr>
+        <p:spPr>
+          <a:xfrm>
+            <a:off x="1290208" y="2286000"/>
+            <a:ext cx="1419272" cy="1066800"/>
+          </a:xfrm>
+          <a:prstGeom prst="rect">
+            <a:avLst/>
+          </a:prstGeom>
+          <a:noFill/>
+          <a:ln>
+            <a:solidFill>
+              <a:srgbClr val="C00000"/>
+            </a:solidFill>
+            <a:prstDash val="sysDot"/>
+          </a:ln>
+          <a:effectLst>
+            <a:glow rad="101600">
+              <a:srgbClr val="FFFF00">
+                <a:alpha val="60000"/>
+              </a:srgbClr>
+            </a:glow>
+          </a:effectLst>
+        </p:spPr>
+        <p:style>
+          <a:lnRef idx="2">
+            <a:schemeClr val="accent1">
+              <a:shade val="50000"/>
+            </a:schemeClr>
+          </a:lnRef>
+          <a:fillRef idx="1">
+            <a:schemeClr val="accent1"/>
+          </a:fillRef>
+          <a:effectRef idx="0">
+            <a:schemeClr val="accent1"/>
+          </a:effectRef>
+          <a:fontRef idx="minor">
+            <a:schemeClr val="lt1"/>
+          </a:fontRef>
+        </p:style>
+        <p:txBody>
+          <a:bodyPr rtlCol="0" anchor="ctr"/>
+          <a:lstStyle/>
+          <a:p>
+            <a:pPr algn="ctr"/>
+            <a:endParaRPr lang="en-SG"/>
+          </a:p>
+        </p:txBody>
+      </p:sp>
+      <p:sp>
+        <p:nvSpPr>
+          <p:cNvPr id="9" name="Rectangle 8"/>
+          <p:cNvSpPr/>
+          <p:nvPr/>
+        </p:nvSpPr>
+        <p:spPr>
+          <a:xfrm>
+            <a:off x="1301557" y="4038600"/>
+            <a:ext cx="1419272" cy="1066800"/>
+          </a:xfrm>
+          <a:prstGeom prst="rect">
+            <a:avLst/>
+          </a:prstGeom>
+          <a:noFill/>
+          <a:ln>
+            <a:solidFill>
+              <a:srgbClr val="C00000"/>
+            </a:solidFill>
+            <a:prstDash val="sysDot"/>
+          </a:ln>
+          <a:effectLst>
+            <a:glow rad="101600">
+              <a:srgbClr val="FFFF00">
+                <a:alpha val="60000"/>
+              </a:srgbClr>
+            </a:glow>
+          </a:effectLst>
+        </p:spPr>
+        <p:style>
+          <a:lnRef idx="2">
+            <a:schemeClr val="accent1">
+              <a:shade val="50000"/>
+            </a:schemeClr>
+          </a:lnRef>
+          <a:fillRef idx="1">
+            <a:schemeClr val="accent1"/>
+          </a:fillRef>
+          <a:effectRef idx="0">
+            <a:schemeClr val="accent1"/>
+          </a:effectRef>
+          <a:fontRef idx="minor">
+            <a:schemeClr val="lt1"/>
+          </a:fontRef>
+        </p:style>
+        <p:txBody>
+          <a:bodyPr rtlCol="0" anchor="ctr"/>
+          <a:lstStyle/>
+          <a:p>
+            <a:pPr algn="ctr"/>
+            <a:endParaRPr lang="en-SG"/>
+          </a:p>
+        </p:txBody>
+      </p:sp>
+    </p:spTree>
+    <p:extLst>
+      <p:ext uri="{BB962C8B-B14F-4D97-AF65-F5344CB8AC3E}">
+        <p14:creationId xmlns:p14="http://schemas.microsoft.com/office/powerpoint/2010/main" val="185825476"/>
+      </p:ext>
+    </p:extLst>
+  </p:cSld>
+  <p:clrMapOvr>
+    <a:masterClrMapping/>
+  </p:clrMapOvr>
+  <p:timing>
+    <p:tnLst>
+      <p:par>
+        <p:cTn id="1" dur="indefinite" restart="never" nodeType="tmRoot"/>
+      </p:par>
+    </p:tnLst>
+  </p:timing>
+</p:sld>
+</file>
+
+<file path=ppt/slides/slide41.xml><?xml version="1.0" encoding="utf-8"?>
+<p:sld xmlns:a="http://schemas.openxmlformats.org/drawingml/2006/main" xmlns:r="http://schemas.openxmlformats.org/officeDocument/2006/relationships" xmlns:p="http://schemas.openxmlformats.org/presentationml/2006/main">
+  <p:cSld>
+    <p:spTree>
+      <p:nvGrpSpPr>
+        <p:cNvPr id="1" name=""/>
+        <p:cNvGrpSpPr/>
+        <p:nvPr/>
+      </p:nvGrpSpPr>
+      <p:grpSpPr>
+        <a:xfrm>
+          <a:off x="0" y="0"/>
+          <a:ext cx="0" cy="0"/>
+          <a:chOff x="0" y="0"/>
+          <a:chExt cx="0" cy="0"/>
+        </a:xfrm>
+      </p:grpSpPr>
+      <p:sp>
+        <p:nvSpPr>
+          <p:cNvPr id="7" name="TextBox 6"/>
+          <p:cNvSpPr txBox="1"/>
+          <p:nvPr/>
+        </p:nvSpPr>
+        <p:spPr>
+          <a:xfrm>
+            <a:off x="533400" y="479318"/>
             <a:ext cx="8001000" cy="1077218"/>
           </a:xfrm>
           <a:prstGeom prst="rect">
@@ -22857,7 +23493,7 @@
 </p:sld>
 </file>
 
-<file path=ppt/slides/slide41.xml><?xml version="1.0" encoding="utf-8"?>
+<file path=ppt/slides/slide42.xml><?xml version="1.0" encoding="utf-8"?>
 <p:sld xmlns:a="http://schemas.openxmlformats.org/drawingml/2006/main" xmlns:r="http://schemas.openxmlformats.org/officeDocument/2006/relationships" xmlns:p="http://schemas.openxmlformats.org/presentationml/2006/main">
   <p:cSld>
     <p:spTree>
@@ -23285,7 +23921,7 @@
 </p:sld>
 </file>
 
-<file path=ppt/slides/slide42.xml><?xml version="1.0" encoding="utf-8"?>
+<file path=ppt/slides/slide43.xml><?xml version="1.0" encoding="utf-8"?>
 <p:sld xmlns:a="http://schemas.openxmlformats.org/drawingml/2006/main" xmlns:r="http://schemas.openxmlformats.org/officeDocument/2006/relationships" xmlns:p="http://schemas.openxmlformats.org/presentationml/2006/main">
   <p:cSld>
     <p:spTree>
@@ -24010,7 +24646,7 @@
 </p:sld>
 </file>
 
-<file path=ppt/slides/slide43.xml><?xml version="1.0" encoding="utf-8"?>
+<file path=ppt/slides/slide44.xml><?xml version="1.0" encoding="utf-8"?>
 <p:sld xmlns:a="http://schemas.openxmlformats.org/drawingml/2006/main" xmlns:r="http://schemas.openxmlformats.org/officeDocument/2006/relationships" xmlns:p="http://schemas.openxmlformats.org/presentationml/2006/main">
   <p:cSld>
     <p:spTree>
@@ -24270,21 +24906,7 @@
                 </a:effectLst>
                 <a:latin typeface="Segoe UI" panose="020B0502040204020203" pitchFamily="34" charset="0"/>
               </a:rPr>
-              <a:t>Next, </a:t>
-            </a:r>
-            <a:r>
-              <a:rPr lang="en-US" sz="3800" dirty="0" smtClean="0">
-                <a:solidFill>
-                  <a:srgbClr val="FFFFFF"/>
-                </a:solidFill>
-                <a:effectLst>
-                  <a:glow>
-                    <a:srgbClr val="000000"/>
-                  </a:glow>
-                </a:effectLst>
-                <a:latin typeface="Segoe UI" panose="020B0502040204020203" pitchFamily="34" charset="0"/>
-              </a:rPr>
-              <a:t>let’s try the </a:t>
+              <a:t>Next, let’s try the </a:t>
             </a:r>
             <a:r>
               <a:rPr lang="en-US" sz="3800" b="1" dirty="0" smtClean="0">
@@ -24348,7 +24970,7 @@
 </p:sld>
 </file>
 
-<file path=ppt/slides/slide44.xml><?xml version="1.0" encoding="utf-8"?>
+<file path=ppt/slides/slide45.xml><?xml version="1.0" encoding="utf-8"?>
 <p:sld xmlns:a="http://schemas.openxmlformats.org/drawingml/2006/main" xmlns:r="http://schemas.openxmlformats.org/officeDocument/2006/relationships" xmlns:p="http://schemas.openxmlformats.org/presentationml/2006/main">
   <p:cSld>
     <p:spTree>
@@ -24415,17 +25037,7 @@
                   </a:schemeClr>
                 </a:solidFill>
               </a:rPr>
-              <a:t>next </a:t>
-            </a:r>
-            <a:r>
-              <a:rPr lang="en-US" b="1" dirty="0" smtClean="0">
-                <a:solidFill>
-                  <a:schemeClr val="accent6">
-                    <a:lumMod val="75000"/>
-                  </a:schemeClr>
-                </a:solidFill>
-              </a:rPr>
-              <a:t>slide </a:t>
+              <a:t>next slide </a:t>
             </a:r>
             <a:r>
               <a:rPr lang="en-US" dirty="0" smtClean="0">
@@ -24435,17 +25047,7 @@
                   </a:schemeClr>
                 </a:solidFill>
               </a:rPr>
-              <a:t>and click the               button</a:t>
-            </a:r>
-            <a:r>
-              <a:rPr lang="en-US" dirty="0" smtClean="0">
-                <a:solidFill>
-                  <a:schemeClr val="accent6">
-                    <a:lumMod val="75000"/>
-                  </a:schemeClr>
-                </a:solidFill>
-              </a:rPr>
-              <a:t>.</a:t>
+              <a:t>and click the               button.</a:t>
             </a:r>
           </a:p>
           <a:p>
@@ -25300,7 +25902,7 @@
 </p:sld>
 </file>
 
-<file path=ppt/slides/slide45.xml><?xml version="1.0" encoding="utf-8"?>
+<file path=ppt/slides/slide46.xml><?xml version="1.0" encoding="utf-8"?>
 <p:sld xmlns:a="http://schemas.openxmlformats.org/drawingml/2006/main" xmlns:r="http://schemas.openxmlformats.org/officeDocument/2006/relationships" xmlns:p="http://schemas.openxmlformats.org/presentationml/2006/main">
   <p:cSld>
     <p:spTree>
@@ -25422,7 +26024,7 @@
 </p:sld>
 </file>
 
-<file path=ppt/slides/slide46.xml><?xml version="1.0" encoding="utf-8"?>
+<file path=ppt/slides/slide47.xml><?xml version="1.0" encoding="utf-8"?>
 <p:sld xmlns:a="http://schemas.openxmlformats.org/drawingml/2006/main" xmlns:r="http://schemas.openxmlformats.org/officeDocument/2006/relationships" xmlns:p="http://schemas.openxmlformats.org/presentationml/2006/main">
   <p:cSld>
     <p:spTree>
